--- a/hw01.pptx
+++ b/hw01.pptx
@@ -2,18 +2,28 @@
 <file path=ppt/presentation.xml><?xml version="1.0" encoding="utf-8"?>
 <p:presentation xmlns:a="http://schemas.openxmlformats.org/drawingml/2006/main" xmlns:r="http://schemas.openxmlformats.org/officeDocument/2006/relationships" xmlns:p="http://schemas.openxmlformats.org/presentationml/2006/main" saveSubsetFonts="1">
   <p:sldMasterIdLst>
-    <p:sldMasterId id="2147483648" r:id="rId1"/>
+    <p:sldMasterId id="2147483797" r:id="rId1"/>
   </p:sldMasterIdLst>
+  <p:notesMasterIdLst>
+    <p:notesMasterId r:id="rId10"/>
+  </p:notesMasterIdLst>
   <p:sldIdLst>
     <p:sldId id="256" r:id="rId2"/>
+    <p:sldId id="257" r:id="rId3"/>
+    <p:sldId id="258" r:id="rId4"/>
+    <p:sldId id="259" r:id="rId5"/>
+    <p:sldId id="260" r:id="rId6"/>
+    <p:sldId id="261" r:id="rId7"/>
+    <p:sldId id="262" r:id="rId8"/>
+    <p:sldId id="263" r:id="rId9"/>
   </p:sldIdLst>
   <p:sldSz cx="12192000" cy="6858000"/>
   <p:notesSz cx="6858000" cy="9144000"/>
   <p:defaultTextStyle>
     <a:defPPr>
-      <a:defRPr lang="zh-TW"/>
+      <a:defRPr lang="en-US"/>
     </a:defPPr>
-    <a:lvl1pPr marL="0" algn="l" defTabSz="914400" rtl="0" eaLnBrk="1" latinLnBrk="0" hangingPunct="1">
+    <a:lvl1pPr marL="0" algn="l" defTabSz="457200" rtl="0" eaLnBrk="1" latinLnBrk="0" hangingPunct="1">
       <a:defRPr sz="1800" kern="1200">
         <a:solidFill>
           <a:schemeClr val="tx1"/>
@@ -23,7 +33,7 @@
         <a:cs typeface="+mn-cs"/>
       </a:defRPr>
     </a:lvl1pPr>
-    <a:lvl2pPr marL="457200" algn="l" defTabSz="914400" rtl="0" eaLnBrk="1" latinLnBrk="0" hangingPunct="1">
+    <a:lvl2pPr marL="457200" algn="l" defTabSz="457200" rtl="0" eaLnBrk="1" latinLnBrk="0" hangingPunct="1">
       <a:defRPr sz="1800" kern="1200">
         <a:solidFill>
           <a:schemeClr val="tx1"/>
@@ -33,7 +43,7 @@
         <a:cs typeface="+mn-cs"/>
       </a:defRPr>
     </a:lvl2pPr>
-    <a:lvl3pPr marL="914400" algn="l" defTabSz="914400" rtl="0" eaLnBrk="1" latinLnBrk="0" hangingPunct="1">
+    <a:lvl3pPr marL="914400" algn="l" defTabSz="457200" rtl="0" eaLnBrk="1" latinLnBrk="0" hangingPunct="1">
       <a:defRPr sz="1800" kern="1200">
         <a:solidFill>
           <a:schemeClr val="tx1"/>
@@ -43,7 +53,7 @@
         <a:cs typeface="+mn-cs"/>
       </a:defRPr>
     </a:lvl3pPr>
-    <a:lvl4pPr marL="1371600" algn="l" defTabSz="914400" rtl="0" eaLnBrk="1" latinLnBrk="0" hangingPunct="1">
+    <a:lvl4pPr marL="1371600" algn="l" defTabSz="457200" rtl="0" eaLnBrk="1" latinLnBrk="0" hangingPunct="1">
       <a:defRPr sz="1800" kern="1200">
         <a:solidFill>
           <a:schemeClr val="tx1"/>
@@ -53,7 +63,7 @@
         <a:cs typeface="+mn-cs"/>
       </a:defRPr>
     </a:lvl4pPr>
-    <a:lvl5pPr marL="1828800" algn="l" defTabSz="914400" rtl="0" eaLnBrk="1" latinLnBrk="0" hangingPunct="1">
+    <a:lvl5pPr marL="1828800" algn="l" defTabSz="457200" rtl="0" eaLnBrk="1" latinLnBrk="0" hangingPunct="1">
       <a:defRPr sz="1800" kern="1200">
         <a:solidFill>
           <a:schemeClr val="tx1"/>
@@ -63,7 +73,7 @@
         <a:cs typeface="+mn-cs"/>
       </a:defRPr>
     </a:lvl5pPr>
-    <a:lvl6pPr marL="2286000" algn="l" defTabSz="914400" rtl="0" eaLnBrk="1" latinLnBrk="0" hangingPunct="1">
+    <a:lvl6pPr marL="2286000" algn="l" defTabSz="457200" rtl="0" eaLnBrk="1" latinLnBrk="0" hangingPunct="1">
       <a:defRPr sz="1800" kern="1200">
         <a:solidFill>
           <a:schemeClr val="tx1"/>
@@ -73,7 +83,7 @@
         <a:cs typeface="+mn-cs"/>
       </a:defRPr>
     </a:lvl6pPr>
-    <a:lvl7pPr marL="2743200" algn="l" defTabSz="914400" rtl="0" eaLnBrk="1" latinLnBrk="0" hangingPunct="1">
+    <a:lvl7pPr marL="2743200" algn="l" defTabSz="457200" rtl="0" eaLnBrk="1" latinLnBrk="0" hangingPunct="1">
       <a:defRPr sz="1800" kern="1200">
         <a:solidFill>
           <a:schemeClr val="tx1"/>
@@ -83,7 +93,7 @@
         <a:cs typeface="+mn-cs"/>
       </a:defRPr>
     </a:lvl7pPr>
-    <a:lvl8pPr marL="3200400" algn="l" defTabSz="914400" rtl="0" eaLnBrk="1" latinLnBrk="0" hangingPunct="1">
+    <a:lvl8pPr marL="3200400" algn="l" defTabSz="457200" rtl="0" eaLnBrk="1" latinLnBrk="0" hangingPunct="1">
       <a:defRPr sz="1800" kern="1200">
         <a:solidFill>
           <a:schemeClr val="tx1"/>
@@ -93,7 +103,7 @@
         <a:cs typeface="+mn-cs"/>
       </a:defRPr>
     </a:lvl8pPr>
-    <a:lvl9pPr marL="3657600" algn="l" defTabSz="914400" rtl="0" eaLnBrk="1" latinLnBrk="0" hangingPunct="1">
+    <a:lvl9pPr marL="3657600" algn="l" defTabSz="457200" rtl="0" eaLnBrk="1" latinLnBrk="0" hangingPunct="1">
       <a:defRPr sz="1800" kern="1200">
         <a:solidFill>
           <a:schemeClr val="tx1"/>
@@ -104,11 +114,1257 @@
       </a:defRPr>
     </a:lvl9pPr>
   </p:defaultTextStyle>
+  <p:extLst>
+    <p:ext uri="{EFAFB233-063F-42B5-8137-9DF3F51BA10A}">
+      <p15:sldGuideLst xmlns:p15="http://schemas.microsoft.com/office/powerpoint/2012/main"/>
+    </p:ext>
+  </p:extLst>
 </p:presentation>
 </file>
 
+<file path=ppt/notesMasters/notesMaster1.xml><?xml version="1.0" encoding="utf-8"?>
+<p:notesMaster xmlns:a="http://schemas.openxmlformats.org/drawingml/2006/main" xmlns:r="http://schemas.openxmlformats.org/officeDocument/2006/relationships" xmlns:p="http://schemas.openxmlformats.org/presentationml/2006/main">
+  <p:cSld>
+    <p:bg>
+      <p:bgRef idx="1001">
+        <a:schemeClr val="bg1"/>
+      </p:bgRef>
+    </p:bg>
+    <p:spTree>
+      <p:nvGrpSpPr>
+        <p:cNvPr id="1" name=""/>
+        <p:cNvGrpSpPr/>
+        <p:nvPr/>
+      </p:nvGrpSpPr>
+      <p:grpSpPr>
+        <a:xfrm>
+          <a:off x="0" y="0"/>
+          <a:ext cx="0" cy="0"/>
+          <a:chOff x="0" y="0"/>
+          <a:chExt cx="0" cy="0"/>
+        </a:xfrm>
+      </p:grpSpPr>
+      <p:sp>
+        <p:nvSpPr>
+          <p:cNvPr id="2" name="頁首版面配置區 1"/>
+          <p:cNvSpPr>
+            <a:spLocks noGrp="1"/>
+          </p:cNvSpPr>
+          <p:nvPr>
+            <p:ph type="hdr" sz="quarter"/>
+          </p:nvPr>
+        </p:nvSpPr>
+        <p:spPr>
+          <a:xfrm>
+            <a:off x="0" y="0"/>
+            <a:ext cx="2971800" cy="458788"/>
+          </a:xfrm>
+          <a:prstGeom prst="rect">
+            <a:avLst/>
+          </a:prstGeom>
+        </p:spPr>
+        <p:txBody>
+          <a:bodyPr vert="horz" lIns="91440" tIns="45720" rIns="91440" bIns="45720" rtlCol="0"/>
+          <a:lstStyle>
+            <a:lvl1pPr algn="l">
+              <a:defRPr sz="1200"/>
+            </a:lvl1pPr>
+          </a:lstStyle>
+          <a:p>
+            <a:endParaRPr lang="zh-TW" altLang="en-US"/>
+          </a:p>
+        </p:txBody>
+      </p:sp>
+      <p:sp>
+        <p:nvSpPr>
+          <p:cNvPr id="3" name="日期版面配置區 2"/>
+          <p:cNvSpPr>
+            <a:spLocks noGrp="1"/>
+          </p:cNvSpPr>
+          <p:nvPr>
+            <p:ph type="dt" idx="1"/>
+          </p:nvPr>
+        </p:nvSpPr>
+        <p:spPr>
+          <a:xfrm>
+            <a:off x="3884613" y="0"/>
+            <a:ext cx="2971800" cy="458788"/>
+          </a:xfrm>
+          <a:prstGeom prst="rect">
+            <a:avLst/>
+          </a:prstGeom>
+        </p:spPr>
+        <p:txBody>
+          <a:bodyPr vert="horz" lIns="91440" tIns="45720" rIns="91440" bIns="45720" rtlCol="0"/>
+          <a:lstStyle>
+            <a:lvl1pPr algn="r">
+              <a:defRPr sz="1200"/>
+            </a:lvl1pPr>
+          </a:lstStyle>
+          <a:p>
+            <a:fld id="{9ED00C2B-B0AA-4A97-91FF-F28255C6EA72}" type="datetimeFigureOut">
+              <a:rPr lang="zh-TW" altLang="en-US" smtClean="0"/>
+              <a:t>2024/9/19</a:t>
+            </a:fld>
+            <a:endParaRPr lang="zh-TW" altLang="en-US"/>
+          </a:p>
+        </p:txBody>
+      </p:sp>
+      <p:sp>
+        <p:nvSpPr>
+          <p:cNvPr id="4" name="投影片影像版面配置區 3"/>
+          <p:cNvSpPr>
+            <a:spLocks noGrp="1" noRot="1" noChangeAspect="1"/>
+          </p:cNvSpPr>
+          <p:nvPr>
+            <p:ph type="sldImg" idx="2"/>
+          </p:nvPr>
+        </p:nvSpPr>
+        <p:spPr>
+          <a:xfrm>
+            <a:off x="685800" y="1143000"/>
+            <a:ext cx="5486400" cy="3086100"/>
+          </a:xfrm>
+          <a:prstGeom prst="rect">
+            <a:avLst/>
+          </a:prstGeom>
+          <a:noFill/>
+          <a:ln w="12700">
+            <a:solidFill>
+              <a:prstClr val="black"/>
+            </a:solidFill>
+          </a:ln>
+        </p:spPr>
+        <p:txBody>
+          <a:bodyPr vert="horz" lIns="91440" tIns="45720" rIns="91440" bIns="45720" rtlCol="0" anchor="ctr"/>
+          <a:lstStyle/>
+          <a:p>
+            <a:endParaRPr lang="zh-TW" altLang="en-US"/>
+          </a:p>
+        </p:txBody>
+      </p:sp>
+      <p:sp>
+        <p:nvSpPr>
+          <p:cNvPr id="5" name="備忘稿版面配置區 4"/>
+          <p:cNvSpPr>
+            <a:spLocks noGrp="1"/>
+          </p:cNvSpPr>
+          <p:nvPr>
+            <p:ph type="body" sz="quarter" idx="3"/>
+          </p:nvPr>
+        </p:nvSpPr>
+        <p:spPr>
+          <a:xfrm>
+            <a:off x="685800" y="4400550"/>
+            <a:ext cx="5486400" cy="3600450"/>
+          </a:xfrm>
+          <a:prstGeom prst="rect">
+            <a:avLst/>
+          </a:prstGeom>
+        </p:spPr>
+        <p:txBody>
+          <a:bodyPr vert="horz" lIns="91440" tIns="45720" rIns="91440" bIns="45720" rtlCol="0"/>
+          <a:lstStyle/>
+          <a:p>
+            <a:pPr lvl="0"/>
+            <a:r>
+              <a:rPr lang="zh-TW" altLang="en-US"/>
+              <a:t>按一下以編輯母片文字樣式</a:t>
+            </a:r>
+          </a:p>
+          <a:p>
+            <a:pPr lvl="1"/>
+            <a:r>
+              <a:rPr lang="zh-TW" altLang="en-US"/>
+              <a:t>第二層</a:t>
+            </a:r>
+          </a:p>
+          <a:p>
+            <a:pPr lvl="2"/>
+            <a:r>
+              <a:rPr lang="zh-TW" altLang="en-US"/>
+              <a:t>第三層</a:t>
+            </a:r>
+          </a:p>
+          <a:p>
+            <a:pPr lvl="3"/>
+            <a:r>
+              <a:rPr lang="zh-TW" altLang="en-US"/>
+              <a:t>第四層</a:t>
+            </a:r>
+          </a:p>
+          <a:p>
+            <a:pPr lvl="4"/>
+            <a:r>
+              <a:rPr lang="zh-TW" altLang="en-US"/>
+              <a:t>第五層</a:t>
+            </a:r>
+          </a:p>
+        </p:txBody>
+      </p:sp>
+      <p:sp>
+        <p:nvSpPr>
+          <p:cNvPr id="6" name="頁尾版面配置區 5"/>
+          <p:cNvSpPr>
+            <a:spLocks noGrp="1"/>
+          </p:cNvSpPr>
+          <p:nvPr>
+            <p:ph type="ftr" sz="quarter" idx="4"/>
+          </p:nvPr>
+        </p:nvSpPr>
+        <p:spPr>
+          <a:xfrm>
+            <a:off x="0" y="8685213"/>
+            <a:ext cx="2971800" cy="458787"/>
+          </a:xfrm>
+          <a:prstGeom prst="rect">
+            <a:avLst/>
+          </a:prstGeom>
+        </p:spPr>
+        <p:txBody>
+          <a:bodyPr vert="horz" lIns="91440" tIns="45720" rIns="91440" bIns="45720" rtlCol="0" anchor="b"/>
+          <a:lstStyle>
+            <a:lvl1pPr algn="l">
+              <a:defRPr sz="1200"/>
+            </a:lvl1pPr>
+          </a:lstStyle>
+          <a:p>
+            <a:endParaRPr lang="zh-TW" altLang="en-US"/>
+          </a:p>
+        </p:txBody>
+      </p:sp>
+      <p:sp>
+        <p:nvSpPr>
+          <p:cNvPr id="7" name="投影片編號版面配置區 6"/>
+          <p:cNvSpPr>
+            <a:spLocks noGrp="1"/>
+          </p:cNvSpPr>
+          <p:nvPr>
+            <p:ph type="sldNum" sz="quarter" idx="5"/>
+          </p:nvPr>
+        </p:nvSpPr>
+        <p:spPr>
+          <a:xfrm>
+            <a:off x="3884613" y="8685213"/>
+            <a:ext cx="2971800" cy="458787"/>
+          </a:xfrm>
+          <a:prstGeom prst="rect">
+            <a:avLst/>
+          </a:prstGeom>
+        </p:spPr>
+        <p:txBody>
+          <a:bodyPr vert="horz" lIns="91440" tIns="45720" rIns="91440" bIns="45720" rtlCol="0" anchor="b"/>
+          <a:lstStyle>
+            <a:lvl1pPr algn="r">
+              <a:defRPr sz="1200"/>
+            </a:lvl1pPr>
+          </a:lstStyle>
+          <a:p>
+            <a:fld id="{F98F720F-F18D-4D64-9399-096FDD1BD9E0}" type="slidenum">
+              <a:rPr lang="zh-TW" altLang="en-US" smtClean="0"/>
+              <a:t>‹#›</a:t>
+            </a:fld>
+            <a:endParaRPr lang="zh-TW" altLang="en-US"/>
+          </a:p>
+        </p:txBody>
+      </p:sp>
+    </p:spTree>
+    <p:extLst>
+      <p:ext uri="{BB962C8B-B14F-4D97-AF65-F5344CB8AC3E}">
+        <p14:creationId xmlns:p14="http://schemas.microsoft.com/office/powerpoint/2010/main" val="4065009018"/>
+      </p:ext>
+    </p:extLst>
+  </p:cSld>
+  <p:clrMap bg1="lt1" tx1="dk1" bg2="lt2" tx2="dk2" accent1="accent1" accent2="accent2" accent3="accent3" accent4="accent4" accent5="accent5" accent6="accent6" hlink="hlink" folHlink="folHlink"/>
+  <p:notesStyle>
+    <a:lvl1pPr marL="0" algn="l" defTabSz="914400" rtl="0" eaLnBrk="1" latinLnBrk="0" hangingPunct="1">
+      <a:defRPr sz="1200" kern="1200">
+        <a:solidFill>
+          <a:schemeClr val="tx1"/>
+        </a:solidFill>
+        <a:latin typeface="+mn-lt"/>
+        <a:ea typeface="+mn-ea"/>
+        <a:cs typeface="+mn-cs"/>
+      </a:defRPr>
+    </a:lvl1pPr>
+    <a:lvl2pPr marL="457200" algn="l" defTabSz="914400" rtl="0" eaLnBrk="1" latinLnBrk="0" hangingPunct="1">
+      <a:defRPr sz="1200" kern="1200">
+        <a:solidFill>
+          <a:schemeClr val="tx1"/>
+        </a:solidFill>
+        <a:latin typeface="+mn-lt"/>
+        <a:ea typeface="+mn-ea"/>
+        <a:cs typeface="+mn-cs"/>
+      </a:defRPr>
+    </a:lvl2pPr>
+    <a:lvl3pPr marL="914400" algn="l" defTabSz="914400" rtl="0" eaLnBrk="1" latinLnBrk="0" hangingPunct="1">
+      <a:defRPr sz="1200" kern="1200">
+        <a:solidFill>
+          <a:schemeClr val="tx1"/>
+        </a:solidFill>
+        <a:latin typeface="+mn-lt"/>
+        <a:ea typeface="+mn-ea"/>
+        <a:cs typeface="+mn-cs"/>
+      </a:defRPr>
+    </a:lvl3pPr>
+    <a:lvl4pPr marL="1371600" algn="l" defTabSz="914400" rtl="0" eaLnBrk="1" latinLnBrk="0" hangingPunct="1">
+      <a:defRPr sz="1200" kern="1200">
+        <a:solidFill>
+          <a:schemeClr val="tx1"/>
+        </a:solidFill>
+        <a:latin typeface="+mn-lt"/>
+        <a:ea typeface="+mn-ea"/>
+        <a:cs typeface="+mn-cs"/>
+      </a:defRPr>
+    </a:lvl4pPr>
+    <a:lvl5pPr marL="1828800" algn="l" defTabSz="914400" rtl="0" eaLnBrk="1" latinLnBrk="0" hangingPunct="1">
+      <a:defRPr sz="1200" kern="1200">
+        <a:solidFill>
+          <a:schemeClr val="tx1"/>
+        </a:solidFill>
+        <a:latin typeface="+mn-lt"/>
+        <a:ea typeface="+mn-ea"/>
+        <a:cs typeface="+mn-cs"/>
+      </a:defRPr>
+    </a:lvl5pPr>
+    <a:lvl6pPr marL="2286000" algn="l" defTabSz="914400" rtl="0" eaLnBrk="1" latinLnBrk="0" hangingPunct="1">
+      <a:defRPr sz="1200" kern="1200">
+        <a:solidFill>
+          <a:schemeClr val="tx1"/>
+        </a:solidFill>
+        <a:latin typeface="+mn-lt"/>
+        <a:ea typeface="+mn-ea"/>
+        <a:cs typeface="+mn-cs"/>
+      </a:defRPr>
+    </a:lvl6pPr>
+    <a:lvl7pPr marL="2743200" algn="l" defTabSz="914400" rtl="0" eaLnBrk="1" latinLnBrk="0" hangingPunct="1">
+      <a:defRPr sz="1200" kern="1200">
+        <a:solidFill>
+          <a:schemeClr val="tx1"/>
+        </a:solidFill>
+        <a:latin typeface="+mn-lt"/>
+        <a:ea typeface="+mn-ea"/>
+        <a:cs typeface="+mn-cs"/>
+      </a:defRPr>
+    </a:lvl7pPr>
+    <a:lvl8pPr marL="3200400" algn="l" defTabSz="914400" rtl="0" eaLnBrk="1" latinLnBrk="0" hangingPunct="1">
+      <a:defRPr sz="1200" kern="1200">
+        <a:solidFill>
+          <a:schemeClr val="tx1"/>
+        </a:solidFill>
+        <a:latin typeface="+mn-lt"/>
+        <a:ea typeface="+mn-ea"/>
+        <a:cs typeface="+mn-cs"/>
+      </a:defRPr>
+    </a:lvl8pPr>
+    <a:lvl9pPr marL="3657600" algn="l" defTabSz="914400" rtl="0" eaLnBrk="1" latinLnBrk="0" hangingPunct="1">
+      <a:defRPr sz="1200" kern="1200">
+        <a:solidFill>
+          <a:schemeClr val="tx1"/>
+        </a:solidFill>
+        <a:latin typeface="+mn-lt"/>
+        <a:ea typeface="+mn-ea"/>
+        <a:cs typeface="+mn-cs"/>
+      </a:defRPr>
+    </a:lvl9pPr>
+  </p:notesStyle>
+</p:notesMaster>
+</file>
+
+<file path=ppt/notesSlides/notesSlide1.xml><?xml version="1.0" encoding="utf-8"?>
+<p:notes xmlns:a="http://schemas.openxmlformats.org/drawingml/2006/main" xmlns:r="http://schemas.openxmlformats.org/officeDocument/2006/relationships" xmlns:p="http://schemas.openxmlformats.org/presentationml/2006/main">
+  <p:cSld>
+    <p:spTree>
+      <p:nvGrpSpPr>
+        <p:cNvPr id="1" name=""/>
+        <p:cNvGrpSpPr/>
+        <p:nvPr/>
+      </p:nvGrpSpPr>
+      <p:grpSpPr>
+        <a:xfrm>
+          <a:off x="0" y="0"/>
+          <a:ext cx="0" cy="0"/>
+          <a:chOff x="0" y="0"/>
+          <a:chExt cx="0" cy="0"/>
+        </a:xfrm>
+      </p:grpSpPr>
+      <p:sp>
+        <p:nvSpPr>
+          <p:cNvPr id="2" name="投影片影像版面配置區 1"/>
+          <p:cNvSpPr>
+            <a:spLocks noGrp="1" noRot="1" noChangeAspect="1"/>
+          </p:cNvSpPr>
+          <p:nvPr>
+            <p:ph type="sldImg"/>
+          </p:nvPr>
+        </p:nvSpPr>
+        <p:spPr/>
+      </p:sp>
+      <p:sp>
+        <p:nvSpPr>
+          <p:cNvPr id="3" name="備忘稿版面配置區 2"/>
+          <p:cNvSpPr>
+            <a:spLocks noGrp="1"/>
+          </p:cNvSpPr>
+          <p:nvPr>
+            <p:ph type="body" idx="1"/>
+          </p:nvPr>
+        </p:nvSpPr>
+        <p:spPr/>
+        <p:txBody>
+          <a:bodyPr/>
+          <a:lstStyle/>
+          <a:p>
+            <a:r>
+              <a:rPr lang="en-US" altLang="zh-TW" dirty="0">
+                <a:effectLst/>
+              </a:rPr>
+              <a:t>Prompt : </a:t>
+            </a:r>
+            <a:r>
+              <a:rPr lang="zh-TW" altLang="en-US" dirty="0">
+                <a:effectLst/>
+              </a:rPr>
+              <a:t>請使用日式動漫的風格，生成一張男性角色，深藍色的頭髮，黃色眼睛，其頭髮有蓋住耳多，並且頭上長有貓耳多。他還穿著著與頭髮相同顏色的毛衣。 生成一張他正在進行網路直播的影片</a:t>
+            </a:r>
+          </a:p>
+          <a:p>
+            <a:br>
+              <a:rPr lang="zh-TW" altLang="en-US" dirty="0">
+                <a:effectLst/>
+              </a:rPr>
+            </a:br>
+            <a:r>
+              <a:rPr lang="zh-TW" altLang="en-US" dirty="0">
+                <a:effectLst/>
+              </a:rPr>
+              <a:t>目標 </a:t>
+            </a:r>
+            <a:r>
+              <a:rPr lang="en-US" altLang="zh-TW" dirty="0">
+                <a:effectLst/>
+              </a:rPr>
+              <a:t>:</a:t>
+            </a:r>
+            <a:r>
+              <a:rPr lang="zh-TW" altLang="en-US" dirty="0">
+                <a:effectLst/>
+              </a:rPr>
+              <a:t> 我是一個喜愛網路文化的高中生，夢想是成為一位知名的網路實況主，與來自不同地方的人一起分享喜愛的事物。</a:t>
+            </a:r>
+            <a:endParaRPr lang="zh-TW" altLang="en-US" dirty="0"/>
+          </a:p>
+        </p:txBody>
+      </p:sp>
+      <p:sp>
+        <p:nvSpPr>
+          <p:cNvPr id="4" name="投影片編號版面配置區 3"/>
+          <p:cNvSpPr>
+            <a:spLocks noGrp="1"/>
+          </p:cNvSpPr>
+          <p:nvPr>
+            <p:ph type="sldNum" sz="quarter" idx="5"/>
+          </p:nvPr>
+        </p:nvSpPr>
+        <p:spPr/>
+        <p:txBody>
+          <a:bodyPr/>
+          <a:lstStyle/>
+          <a:p>
+            <a:fld id="{F98F720F-F18D-4D64-9399-096FDD1BD9E0}" type="slidenum">
+              <a:rPr lang="zh-TW" altLang="en-US" smtClean="0"/>
+              <a:t>2</a:t>
+            </a:fld>
+            <a:endParaRPr lang="zh-TW" altLang="en-US"/>
+          </a:p>
+        </p:txBody>
+      </p:sp>
+    </p:spTree>
+    <p:extLst>
+      <p:ext uri="{BB962C8B-B14F-4D97-AF65-F5344CB8AC3E}">
+        <p14:creationId xmlns:p14="http://schemas.microsoft.com/office/powerpoint/2010/main" val="3677279796"/>
+      </p:ext>
+    </p:extLst>
+  </p:cSld>
+  <p:clrMapOvr>
+    <a:masterClrMapping/>
+  </p:clrMapOvr>
+</p:notes>
+</file>
+
+<file path=ppt/notesSlides/notesSlide2.xml><?xml version="1.0" encoding="utf-8"?>
+<p:notes xmlns:a="http://schemas.openxmlformats.org/drawingml/2006/main" xmlns:r="http://schemas.openxmlformats.org/officeDocument/2006/relationships" xmlns:p="http://schemas.openxmlformats.org/presentationml/2006/main">
+  <p:cSld>
+    <p:spTree>
+      <p:nvGrpSpPr>
+        <p:cNvPr id="1" name=""/>
+        <p:cNvGrpSpPr/>
+        <p:nvPr/>
+      </p:nvGrpSpPr>
+      <p:grpSpPr>
+        <a:xfrm>
+          <a:off x="0" y="0"/>
+          <a:ext cx="0" cy="0"/>
+          <a:chOff x="0" y="0"/>
+          <a:chExt cx="0" cy="0"/>
+        </a:xfrm>
+      </p:grpSpPr>
+      <p:sp>
+        <p:nvSpPr>
+          <p:cNvPr id="2" name="投影片影像版面配置區 1"/>
+          <p:cNvSpPr>
+            <a:spLocks noGrp="1" noRot="1" noChangeAspect="1"/>
+          </p:cNvSpPr>
+          <p:nvPr>
+            <p:ph type="sldImg"/>
+          </p:nvPr>
+        </p:nvSpPr>
+        <p:spPr/>
+      </p:sp>
+      <p:sp>
+        <p:nvSpPr>
+          <p:cNvPr id="3" name="備忘稿版面配置區 2"/>
+          <p:cNvSpPr>
+            <a:spLocks noGrp="1"/>
+          </p:cNvSpPr>
+          <p:nvPr>
+            <p:ph type="body" idx="1"/>
+          </p:nvPr>
+        </p:nvSpPr>
+        <p:spPr/>
+        <p:txBody>
+          <a:bodyPr/>
+          <a:lstStyle/>
+          <a:p>
+            <a:r>
+              <a:rPr lang="en-US" altLang="zh-TW" dirty="0"/>
+              <a:t>Prompt :</a:t>
+            </a:r>
+            <a:r>
+              <a:rPr lang="zh-TW" altLang="en-US" b="0" i="0" dirty="0">
+                <a:solidFill>
+                  <a:srgbClr val="111111"/>
+                </a:solidFill>
+                <a:effectLst/>
+                <a:latin typeface="-apple-system"/>
+              </a:rPr>
+              <a:t>請使用日式動漫的風格，生成一張男性角色，深藍色的頭髮，黃色眼睛，其頭髮有蓋住耳多，並且頭上長有貓耳多。他還穿著著與頭髮相同顏色的毛衣。</a:t>
+            </a:r>
+            <a:r>
+              <a:rPr lang="zh-TW" altLang="en-US" dirty="0">
+                <a:effectLst/>
+              </a:rPr>
+              <a:t>請幫我生成該角色害羞，羞澀的圖片。</a:t>
+            </a:r>
+            <a:endParaRPr lang="en-US" altLang="zh-TW" dirty="0">
+              <a:effectLst/>
+            </a:endParaRPr>
+          </a:p>
+          <a:p>
+            <a:endParaRPr lang="en-US" altLang="zh-TW" dirty="0">
+              <a:effectLst/>
+            </a:endParaRPr>
+          </a:p>
+          <a:p>
+            <a:endParaRPr lang="zh-TW" altLang="en-US" dirty="0">
+              <a:effectLst/>
+            </a:endParaRPr>
+          </a:p>
+          <a:p>
+            <a:r>
+              <a:rPr lang="zh-TW" altLang="en-US" dirty="0">
+                <a:effectLst/>
+              </a:rPr>
+              <a:t>阻礙 </a:t>
+            </a:r>
+            <a:r>
+              <a:rPr lang="en-US" altLang="zh-TW" dirty="0">
+                <a:effectLst/>
+              </a:rPr>
+              <a:t>:</a:t>
+            </a:r>
+            <a:r>
+              <a:rPr lang="zh-TW" altLang="en-US" dirty="0">
+                <a:effectLst/>
+              </a:rPr>
+              <a:t> 但由於受到成長環境的影響，使我的個性安靜內向，害怕面對公眾</a:t>
+            </a:r>
+            <a:br>
+              <a:rPr lang="zh-TW" altLang="en-US" dirty="0">
+                <a:effectLst/>
+              </a:rPr>
+            </a:br>
+            <a:endParaRPr lang="zh-TW" altLang="en-US" dirty="0"/>
+          </a:p>
+        </p:txBody>
+      </p:sp>
+      <p:sp>
+        <p:nvSpPr>
+          <p:cNvPr id="4" name="投影片編號版面配置區 3"/>
+          <p:cNvSpPr>
+            <a:spLocks noGrp="1"/>
+          </p:cNvSpPr>
+          <p:nvPr>
+            <p:ph type="sldNum" sz="quarter" idx="5"/>
+          </p:nvPr>
+        </p:nvSpPr>
+        <p:spPr/>
+        <p:txBody>
+          <a:bodyPr/>
+          <a:lstStyle/>
+          <a:p>
+            <a:fld id="{F98F720F-F18D-4D64-9399-096FDD1BD9E0}" type="slidenum">
+              <a:rPr lang="zh-TW" altLang="en-US" smtClean="0"/>
+              <a:t>3</a:t>
+            </a:fld>
+            <a:endParaRPr lang="zh-TW" altLang="en-US"/>
+          </a:p>
+        </p:txBody>
+      </p:sp>
+    </p:spTree>
+    <p:extLst>
+      <p:ext uri="{BB962C8B-B14F-4D97-AF65-F5344CB8AC3E}">
+        <p14:creationId xmlns:p14="http://schemas.microsoft.com/office/powerpoint/2010/main" val="658862146"/>
+      </p:ext>
+    </p:extLst>
+  </p:cSld>
+  <p:clrMapOvr>
+    <a:masterClrMapping/>
+  </p:clrMapOvr>
+</p:notes>
+</file>
+
+<file path=ppt/notesSlides/notesSlide3.xml><?xml version="1.0" encoding="utf-8"?>
+<p:notes xmlns:a="http://schemas.openxmlformats.org/drawingml/2006/main" xmlns:r="http://schemas.openxmlformats.org/officeDocument/2006/relationships" xmlns:p="http://schemas.openxmlformats.org/presentationml/2006/main">
+  <p:cSld>
+    <p:spTree>
+      <p:nvGrpSpPr>
+        <p:cNvPr id="1" name=""/>
+        <p:cNvGrpSpPr/>
+        <p:nvPr/>
+      </p:nvGrpSpPr>
+      <p:grpSpPr>
+        <a:xfrm>
+          <a:off x="0" y="0"/>
+          <a:ext cx="0" cy="0"/>
+          <a:chOff x="0" y="0"/>
+          <a:chExt cx="0" cy="0"/>
+        </a:xfrm>
+      </p:grpSpPr>
+      <p:sp>
+        <p:nvSpPr>
+          <p:cNvPr id="2" name="投影片影像版面配置區 1"/>
+          <p:cNvSpPr>
+            <a:spLocks noGrp="1" noRot="1" noChangeAspect="1"/>
+          </p:cNvSpPr>
+          <p:nvPr>
+            <p:ph type="sldImg"/>
+          </p:nvPr>
+        </p:nvSpPr>
+        <p:spPr/>
+      </p:sp>
+      <p:sp>
+        <p:nvSpPr>
+          <p:cNvPr id="3" name="備忘稿版面配置區 2"/>
+          <p:cNvSpPr>
+            <a:spLocks noGrp="1"/>
+          </p:cNvSpPr>
+          <p:nvPr>
+            <p:ph type="body" idx="1"/>
+          </p:nvPr>
+        </p:nvSpPr>
+        <p:spPr/>
+        <p:txBody>
+          <a:bodyPr/>
+          <a:lstStyle/>
+          <a:p>
+            <a:r>
+              <a:rPr lang="en-US" altLang="zh-TW" dirty="0"/>
+              <a:t>Prompt :</a:t>
+            </a:r>
+            <a:r>
+              <a:rPr lang="zh-TW" altLang="en-US" dirty="0">
+                <a:effectLst/>
+              </a:rPr>
+              <a:t>請使用日式動漫的風格，生成一張男性角色，深藍色的頭髮，黃色眼睛，其頭髮有蓋住耳多，並且頭上長有貓耳多。他還穿著著與頭髮相同顏色的毛衣。 生成一張他正在努力學習製作影片</a:t>
+            </a:r>
+          </a:p>
+          <a:p>
+            <a:endParaRPr lang="zh-TW" altLang="en-US" dirty="0">
+              <a:effectLst/>
+            </a:endParaRPr>
+          </a:p>
+          <a:p>
+            <a:r>
+              <a:rPr lang="zh-TW" altLang="en-US" dirty="0">
+                <a:effectLst/>
+              </a:rPr>
+              <a:t>努力 </a:t>
+            </a:r>
+            <a:r>
+              <a:rPr lang="en-US" altLang="zh-TW" dirty="0">
+                <a:effectLst/>
+              </a:rPr>
+              <a:t>:</a:t>
+            </a:r>
+            <a:r>
+              <a:rPr lang="zh-TW" altLang="en-US" dirty="0">
+                <a:effectLst/>
+              </a:rPr>
+              <a:t> 儘管如此，我還是努力嘗試放開自己，並製作影片，丟到網路上分享。</a:t>
+            </a:r>
+            <a:br>
+              <a:rPr lang="zh-TW" altLang="en-US" dirty="0">
+                <a:effectLst/>
+              </a:rPr>
+            </a:br>
+            <a:endParaRPr lang="zh-TW" altLang="en-US" dirty="0"/>
+          </a:p>
+        </p:txBody>
+      </p:sp>
+      <p:sp>
+        <p:nvSpPr>
+          <p:cNvPr id="4" name="投影片編號版面配置區 3"/>
+          <p:cNvSpPr>
+            <a:spLocks noGrp="1"/>
+          </p:cNvSpPr>
+          <p:nvPr>
+            <p:ph type="sldNum" sz="quarter" idx="5"/>
+          </p:nvPr>
+        </p:nvSpPr>
+        <p:spPr/>
+        <p:txBody>
+          <a:bodyPr/>
+          <a:lstStyle/>
+          <a:p>
+            <a:fld id="{F98F720F-F18D-4D64-9399-096FDD1BD9E0}" type="slidenum">
+              <a:rPr lang="zh-TW" altLang="en-US" smtClean="0"/>
+              <a:t>4</a:t>
+            </a:fld>
+            <a:endParaRPr lang="zh-TW" altLang="en-US"/>
+          </a:p>
+        </p:txBody>
+      </p:sp>
+    </p:spTree>
+    <p:extLst>
+      <p:ext uri="{BB962C8B-B14F-4D97-AF65-F5344CB8AC3E}">
+        <p14:creationId xmlns:p14="http://schemas.microsoft.com/office/powerpoint/2010/main" val="894862414"/>
+      </p:ext>
+    </p:extLst>
+  </p:cSld>
+  <p:clrMapOvr>
+    <a:masterClrMapping/>
+  </p:clrMapOvr>
+</p:notes>
+</file>
+
+<file path=ppt/notesSlides/notesSlide4.xml><?xml version="1.0" encoding="utf-8"?>
+<p:notes xmlns:a="http://schemas.openxmlformats.org/drawingml/2006/main" xmlns:r="http://schemas.openxmlformats.org/officeDocument/2006/relationships" xmlns:p="http://schemas.openxmlformats.org/presentationml/2006/main">
+  <p:cSld>
+    <p:spTree>
+      <p:nvGrpSpPr>
+        <p:cNvPr id="1" name=""/>
+        <p:cNvGrpSpPr/>
+        <p:nvPr/>
+      </p:nvGrpSpPr>
+      <p:grpSpPr>
+        <a:xfrm>
+          <a:off x="0" y="0"/>
+          <a:ext cx="0" cy="0"/>
+          <a:chOff x="0" y="0"/>
+          <a:chExt cx="0" cy="0"/>
+        </a:xfrm>
+      </p:grpSpPr>
+      <p:sp>
+        <p:nvSpPr>
+          <p:cNvPr id="2" name="投影片影像版面配置區 1"/>
+          <p:cNvSpPr>
+            <a:spLocks noGrp="1" noRot="1" noChangeAspect="1"/>
+          </p:cNvSpPr>
+          <p:nvPr>
+            <p:ph type="sldImg"/>
+          </p:nvPr>
+        </p:nvSpPr>
+        <p:spPr/>
+      </p:sp>
+      <p:sp>
+        <p:nvSpPr>
+          <p:cNvPr id="3" name="備忘稿版面配置區 2"/>
+          <p:cNvSpPr>
+            <a:spLocks noGrp="1"/>
+          </p:cNvSpPr>
+          <p:nvPr>
+            <p:ph type="body" idx="1"/>
+          </p:nvPr>
+        </p:nvSpPr>
+        <p:spPr/>
+        <p:txBody>
+          <a:bodyPr/>
+          <a:lstStyle/>
+          <a:p>
+            <a:r>
+              <a:rPr lang="en-US" altLang="zh-TW" dirty="0"/>
+              <a:t>Prompt :</a:t>
+            </a:r>
+            <a:r>
+              <a:rPr lang="zh-TW" altLang="en-US" dirty="0">
+                <a:effectLst/>
+              </a:rPr>
+              <a:t>請使用日式動漫的風格，生成一張男性角色，深藍色的頭髮，黃色眼睛，其頭髮有蓋住耳多，並且頭上長有貓耳多。他還穿著著與頭髮相同顏色的毛衣。 生成一張他表現出失落沮喪，背景設定為房間角落</a:t>
+            </a:r>
+          </a:p>
+          <a:p>
+            <a:endParaRPr lang="zh-TW" altLang="en-US" dirty="0">
+              <a:effectLst/>
+            </a:endParaRPr>
+          </a:p>
+          <a:p>
+            <a:r>
+              <a:rPr lang="zh-TW" altLang="en-US" dirty="0">
+                <a:effectLst/>
+              </a:rPr>
+              <a:t>結果 </a:t>
+            </a:r>
+            <a:r>
+              <a:rPr lang="en-US" altLang="zh-TW" dirty="0">
+                <a:effectLst/>
+              </a:rPr>
+              <a:t>:</a:t>
+            </a:r>
+            <a:r>
+              <a:rPr lang="zh-TW" altLang="en-US" dirty="0">
+                <a:effectLst/>
+              </a:rPr>
+              <a:t> 雖然有持續分享內容，但觀看次數與互動都沒有起色。讓我一度想放棄這個夢想</a:t>
+            </a:r>
+            <a:endParaRPr lang="zh-TW" altLang="en-US" dirty="0"/>
+          </a:p>
+        </p:txBody>
+      </p:sp>
+      <p:sp>
+        <p:nvSpPr>
+          <p:cNvPr id="4" name="投影片編號版面配置區 3"/>
+          <p:cNvSpPr>
+            <a:spLocks noGrp="1"/>
+          </p:cNvSpPr>
+          <p:nvPr>
+            <p:ph type="sldNum" sz="quarter" idx="5"/>
+          </p:nvPr>
+        </p:nvSpPr>
+        <p:spPr/>
+        <p:txBody>
+          <a:bodyPr/>
+          <a:lstStyle/>
+          <a:p>
+            <a:fld id="{F98F720F-F18D-4D64-9399-096FDD1BD9E0}" type="slidenum">
+              <a:rPr lang="zh-TW" altLang="en-US" smtClean="0"/>
+              <a:t>5</a:t>
+            </a:fld>
+            <a:endParaRPr lang="zh-TW" altLang="en-US"/>
+          </a:p>
+        </p:txBody>
+      </p:sp>
+    </p:spTree>
+    <p:extLst>
+      <p:ext uri="{BB962C8B-B14F-4D97-AF65-F5344CB8AC3E}">
+        <p14:creationId xmlns:p14="http://schemas.microsoft.com/office/powerpoint/2010/main" val="478220120"/>
+      </p:ext>
+    </p:extLst>
+  </p:cSld>
+  <p:clrMapOvr>
+    <a:masterClrMapping/>
+  </p:clrMapOvr>
+</p:notes>
+</file>
+
+<file path=ppt/notesSlides/notesSlide5.xml><?xml version="1.0" encoding="utf-8"?>
+<p:notes xmlns:a="http://schemas.openxmlformats.org/drawingml/2006/main" xmlns:r="http://schemas.openxmlformats.org/officeDocument/2006/relationships" xmlns:p="http://schemas.openxmlformats.org/presentationml/2006/main">
+  <p:cSld>
+    <p:spTree>
+      <p:nvGrpSpPr>
+        <p:cNvPr id="1" name=""/>
+        <p:cNvGrpSpPr/>
+        <p:nvPr/>
+      </p:nvGrpSpPr>
+      <p:grpSpPr>
+        <a:xfrm>
+          <a:off x="0" y="0"/>
+          <a:ext cx="0" cy="0"/>
+          <a:chOff x="0" y="0"/>
+          <a:chExt cx="0" cy="0"/>
+        </a:xfrm>
+      </p:grpSpPr>
+      <p:sp>
+        <p:nvSpPr>
+          <p:cNvPr id="2" name="投影片影像版面配置區 1"/>
+          <p:cNvSpPr>
+            <a:spLocks noGrp="1" noRot="1" noChangeAspect="1"/>
+          </p:cNvSpPr>
+          <p:nvPr>
+            <p:ph type="sldImg"/>
+          </p:nvPr>
+        </p:nvSpPr>
+        <p:spPr/>
+      </p:sp>
+      <p:sp>
+        <p:nvSpPr>
+          <p:cNvPr id="3" name="備忘稿版面配置區 2"/>
+          <p:cNvSpPr>
+            <a:spLocks noGrp="1"/>
+          </p:cNvSpPr>
+          <p:nvPr>
+            <p:ph type="body" idx="1"/>
+          </p:nvPr>
+        </p:nvSpPr>
+        <p:spPr/>
+        <p:txBody>
+          <a:bodyPr/>
+          <a:lstStyle/>
+          <a:p>
+            <a:r>
+              <a:rPr lang="en-US" altLang="zh-TW" dirty="0"/>
+              <a:t>Prompt :</a:t>
+            </a:r>
+            <a:r>
+              <a:rPr lang="zh-TW" altLang="en-US" dirty="0">
+                <a:effectLst/>
+              </a:rPr>
+              <a:t>請使用日式動漫的風格，生成一張男性角色，深藍色的頭髮，黃色眼睛，其頭髮有蓋住耳多，並且頭上長有貓耳多。他還穿著著與頭髮相同顏色的毛衣。 生成他認識到了一位好友，該好友的特徵為黑色短髮的男性，個性開朗</a:t>
+            </a:r>
+            <a:r>
+              <a:rPr lang="zh-TW" altLang="en-US" dirty="0"/>
+              <a:t> </a:t>
+            </a:r>
+            <a:endParaRPr lang="en-US" altLang="zh-TW" dirty="0">
+              <a:effectLst/>
+            </a:endParaRPr>
+          </a:p>
+          <a:p>
+            <a:endParaRPr lang="zh-TW" altLang="en-US" dirty="0">
+              <a:effectLst/>
+            </a:endParaRPr>
+          </a:p>
+          <a:p>
+            <a:r>
+              <a:rPr lang="zh-TW" altLang="en-US" dirty="0">
+                <a:effectLst/>
+              </a:rPr>
+              <a:t>意外 </a:t>
+            </a:r>
+            <a:r>
+              <a:rPr lang="en-US" altLang="zh-TW" dirty="0">
+                <a:effectLst/>
+              </a:rPr>
+              <a:t>:</a:t>
+            </a:r>
+            <a:r>
+              <a:rPr lang="zh-TW" altLang="en-US" dirty="0">
+                <a:effectLst/>
+              </a:rPr>
+              <a:t> 隨著升學路程，我結交了一位也在進行實況的朋友，他邀請我一起來玩遊戲，並製作成影片</a:t>
+            </a:r>
+            <a:br>
+              <a:rPr lang="zh-TW" altLang="en-US" dirty="0">
+                <a:effectLst/>
+              </a:rPr>
+            </a:br>
+            <a:endParaRPr lang="zh-TW" altLang="en-US" dirty="0"/>
+          </a:p>
+          <a:p>
+            <a:endParaRPr lang="zh-TW" altLang="en-US" dirty="0"/>
+          </a:p>
+        </p:txBody>
+      </p:sp>
+      <p:sp>
+        <p:nvSpPr>
+          <p:cNvPr id="4" name="投影片編號版面配置區 3"/>
+          <p:cNvSpPr>
+            <a:spLocks noGrp="1"/>
+          </p:cNvSpPr>
+          <p:nvPr>
+            <p:ph type="sldNum" sz="quarter" idx="5"/>
+          </p:nvPr>
+        </p:nvSpPr>
+        <p:spPr/>
+        <p:txBody>
+          <a:bodyPr/>
+          <a:lstStyle/>
+          <a:p>
+            <a:fld id="{F98F720F-F18D-4D64-9399-096FDD1BD9E0}" type="slidenum">
+              <a:rPr lang="zh-TW" altLang="en-US" smtClean="0"/>
+              <a:t>6</a:t>
+            </a:fld>
+            <a:endParaRPr lang="zh-TW" altLang="en-US"/>
+          </a:p>
+        </p:txBody>
+      </p:sp>
+    </p:spTree>
+    <p:extLst>
+      <p:ext uri="{BB962C8B-B14F-4D97-AF65-F5344CB8AC3E}">
+        <p14:creationId xmlns:p14="http://schemas.microsoft.com/office/powerpoint/2010/main" val="1550726003"/>
+      </p:ext>
+    </p:extLst>
+  </p:cSld>
+  <p:clrMapOvr>
+    <a:masterClrMapping/>
+  </p:clrMapOvr>
+</p:notes>
+</file>
+
+<file path=ppt/notesSlides/notesSlide6.xml><?xml version="1.0" encoding="utf-8"?>
+<p:notes xmlns:a="http://schemas.openxmlformats.org/drawingml/2006/main" xmlns:r="http://schemas.openxmlformats.org/officeDocument/2006/relationships" xmlns:p="http://schemas.openxmlformats.org/presentationml/2006/main">
+  <p:cSld>
+    <p:spTree>
+      <p:nvGrpSpPr>
+        <p:cNvPr id="1" name=""/>
+        <p:cNvGrpSpPr/>
+        <p:nvPr/>
+      </p:nvGrpSpPr>
+      <p:grpSpPr>
+        <a:xfrm>
+          <a:off x="0" y="0"/>
+          <a:ext cx="0" cy="0"/>
+          <a:chOff x="0" y="0"/>
+          <a:chExt cx="0" cy="0"/>
+        </a:xfrm>
+      </p:grpSpPr>
+      <p:sp>
+        <p:nvSpPr>
+          <p:cNvPr id="2" name="投影片影像版面配置區 1"/>
+          <p:cNvSpPr>
+            <a:spLocks noGrp="1" noRot="1" noChangeAspect="1"/>
+          </p:cNvSpPr>
+          <p:nvPr>
+            <p:ph type="sldImg"/>
+          </p:nvPr>
+        </p:nvSpPr>
+        <p:spPr/>
+      </p:sp>
+      <p:sp>
+        <p:nvSpPr>
+          <p:cNvPr id="3" name="備忘稿版面配置區 2"/>
+          <p:cNvSpPr>
+            <a:spLocks noGrp="1"/>
+          </p:cNvSpPr>
+          <p:nvPr>
+            <p:ph type="body" idx="1"/>
+          </p:nvPr>
+        </p:nvSpPr>
+        <p:spPr/>
+        <p:txBody>
+          <a:bodyPr/>
+          <a:lstStyle/>
+          <a:p>
+            <a:r>
+              <a:rPr lang="en-US" altLang="zh-TW" dirty="0"/>
+              <a:t>Prompt :</a:t>
+            </a:r>
+            <a:r>
+              <a:rPr lang="zh-TW" altLang="en-US" dirty="0">
+                <a:effectLst/>
+              </a:rPr>
+              <a:t>請使用日式動漫的風格，生成一張男性角色，深藍色的頭髮，黃色眼睛，其頭髮有蓋住耳多，並且頭上長有貓耳多。他還穿著著與頭髮相同顏色的毛衣。背景設定在房間，他</a:t>
+            </a:r>
+            <a:r>
+              <a:rPr lang="zh-TW" altLang="en-US" b="0" i="0" dirty="0">
+                <a:solidFill>
+                  <a:srgbClr val="111111"/>
+                </a:solidFill>
+                <a:effectLst/>
+                <a:latin typeface="-apple-system"/>
+              </a:rPr>
+              <a:t>舉起拳頭，眼神堅定</a:t>
+            </a:r>
+            <a:br>
+              <a:rPr lang="zh-TW" altLang="en-US" dirty="0">
+                <a:effectLst/>
+              </a:rPr>
+            </a:br>
+            <a:endParaRPr lang="en-US" altLang="zh-TW" dirty="0">
+              <a:effectLst/>
+            </a:endParaRPr>
+          </a:p>
+          <a:p>
+            <a:endParaRPr lang="zh-TW" altLang="en-US" dirty="0">
+              <a:effectLst/>
+            </a:endParaRPr>
+          </a:p>
+          <a:p>
+            <a:r>
+              <a:rPr lang="zh-TW" altLang="en-US" dirty="0">
+                <a:effectLst/>
+              </a:rPr>
+              <a:t>轉彎 </a:t>
+            </a:r>
+            <a:r>
+              <a:rPr lang="en-US" altLang="zh-TW" dirty="0">
+                <a:effectLst/>
+              </a:rPr>
+              <a:t>:</a:t>
+            </a:r>
+            <a:r>
+              <a:rPr lang="zh-TW" altLang="en-US" dirty="0">
+                <a:effectLst/>
+              </a:rPr>
+              <a:t> 隨著與這位朋友的互動，我逐漸習慣習慣在網路上更能表現出自己，讓我重新對成為實況主這條路產稱信心，並了解到訂閱和觀看次數不是唯一，而是真正在分享自己所熱愛的事物。</a:t>
+            </a:r>
+            <a:endParaRPr lang="zh-TW" altLang="en-US" dirty="0"/>
+          </a:p>
+        </p:txBody>
+      </p:sp>
+      <p:sp>
+        <p:nvSpPr>
+          <p:cNvPr id="4" name="投影片編號版面配置區 3"/>
+          <p:cNvSpPr>
+            <a:spLocks noGrp="1"/>
+          </p:cNvSpPr>
+          <p:nvPr>
+            <p:ph type="sldNum" sz="quarter" idx="5"/>
+          </p:nvPr>
+        </p:nvSpPr>
+        <p:spPr/>
+        <p:txBody>
+          <a:bodyPr/>
+          <a:lstStyle/>
+          <a:p>
+            <a:fld id="{F98F720F-F18D-4D64-9399-096FDD1BD9E0}" type="slidenum">
+              <a:rPr lang="zh-TW" altLang="en-US" smtClean="0"/>
+              <a:t>7</a:t>
+            </a:fld>
+            <a:endParaRPr lang="zh-TW" altLang="en-US"/>
+          </a:p>
+        </p:txBody>
+      </p:sp>
+    </p:spTree>
+    <p:extLst>
+      <p:ext uri="{BB962C8B-B14F-4D97-AF65-F5344CB8AC3E}">
+        <p14:creationId xmlns:p14="http://schemas.microsoft.com/office/powerpoint/2010/main" val="2491617693"/>
+      </p:ext>
+    </p:extLst>
+  </p:cSld>
+  <p:clrMapOvr>
+    <a:masterClrMapping/>
+  </p:clrMapOvr>
+</p:notes>
+</file>
+
+<file path=ppt/notesSlides/notesSlide7.xml><?xml version="1.0" encoding="utf-8"?>
+<p:notes xmlns:a="http://schemas.openxmlformats.org/drawingml/2006/main" xmlns:r="http://schemas.openxmlformats.org/officeDocument/2006/relationships" xmlns:p="http://schemas.openxmlformats.org/presentationml/2006/main">
+  <p:cSld>
+    <p:spTree>
+      <p:nvGrpSpPr>
+        <p:cNvPr id="1" name=""/>
+        <p:cNvGrpSpPr/>
+        <p:nvPr/>
+      </p:nvGrpSpPr>
+      <p:grpSpPr>
+        <a:xfrm>
+          <a:off x="0" y="0"/>
+          <a:ext cx="0" cy="0"/>
+          <a:chOff x="0" y="0"/>
+          <a:chExt cx="0" cy="0"/>
+        </a:xfrm>
+      </p:grpSpPr>
+      <p:sp>
+        <p:nvSpPr>
+          <p:cNvPr id="2" name="投影片影像版面配置區 1"/>
+          <p:cNvSpPr>
+            <a:spLocks noGrp="1" noRot="1" noChangeAspect="1"/>
+          </p:cNvSpPr>
+          <p:nvPr>
+            <p:ph type="sldImg"/>
+          </p:nvPr>
+        </p:nvSpPr>
+        <p:spPr/>
+      </p:sp>
+      <p:sp>
+        <p:nvSpPr>
+          <p:cNvPr id="3" name="備忘稿版面配置區 2"/>
+          <p:cNvSpPr>
+            <a:spLocks noGrp="1"/>
+          </p:cNvSpPr>
+          <p:nvPr>
+            <p:ph type="body" idx="1"/>
+          </p:nvPr>
+        </p:nvSpPr>
+        <p:spPr/>
+        <p:txBody>
+          <a:bodyPr/>
+          <a:lstStyle/>
+          <a:p>
+            <a:r>
+              <a:rPr lang="en-US" altLang="zh-TW" dirty="0"/>
+              <a:t>Prompt :</a:t>
+            </a:r>
+            <a:r>
+              <a:rPr lang="zh-TW" altLang="en-US" dirty="0">
+                <a:effectLst/>
+              </a:rPr>
+              <a:t>請使用日式動漫的風格，生成一張男性角色，深藍色的頭髮，黃色眼睛，其頭髮有蓋住耳多，並且頭上長有貓耳多。他還穿著著與頭髮相同顏色的毛衣。 他正在網路上與其他人開心的互動著</a:t>
+            </a:r>
+            <a:endParaRPr lang="en-US" altLang="zh-TW" dirty="0">
+              <a:effectLst/>
+            </a:endParaRPr>
+          </a:p>
+          <a:p>
+            <a:endParaRPr lang="zh-TW" altLang="en-US" dirty="0">
+              <a:effectLst/>
+            </a:endParaRPr>
+          </a:p>
+          <a:p>
+            <a:r>
+              <a:rPr lang="zh-TW" altLang="en-US" dirty="0"/>
+              <a:t>結局 </a:t>
+            </a:r>
+            <a:r>
+              <a:rPr lang="en-US" altLang="zh-TW" dirty="0"/>
+              <a:t>:</a:t>
+            </a:r>
+            <a:r>
+              <a:rPr lang="zh-TW" altLang="en-US" dirty="0"/>
+              <a:t> 隨著持續進行的網路活動，我在網路上也慢慢的累積了一些能夠互相交流的朋友，追求自己所熱愛的事物。</a:t>
+            </a:r>
+          </a:p>
+        </p:txBody>
+      </p:sp>
+      <p:sp>
+        <p:nvSpPr>
+          <p:cNvPr id="4" name="投影片編號版面配置區 3"/>
+          <p:cNvSpPr>
+            <a:spLocks noGrp="1"/>
+          </p:cNvSpPr>
+          <p:nvPr>
+            <p:ph type="sldNum" sz="quarter" idx="5"/>
+          </p:nvPr>
+        </p:nvSpPr>
+        <p:spPr/>
+        <p:txBody>
+          <a:bodyPr/>
+          <a:lstStyle/>
+          <a:p>
+            <a:fld id="{F98F720F-F18D-4D64-9399-096FDD1BD9E0}" type="slidenum">
+              <a:rPr lang="zh-TW" altLang="en-US" smtClean="0"/>
+              <a:t>8</a:t>
+            </a:fld>
+            <a:endParaRPr lang="zh-TW" altLang="en-US"/>
+          </a:p>
+        </p:txBody>
+      </p:sp>
+    </p:spTree>
+    <p:extLst>
+      <p:ext uri="{BB962C8B-B14F-4D97-AF65-F5344CB8AC3E}">
+        <p14:creationId xmlns:p14="http://schemas.microsoft.com/office/powerpoint/2010/main" val="2655116076"/>
+      </p:ext>
+    </p:extLst>
+  </p:cSld>
+  <p:clrMapOvr>
+    <a:masterClrMapping/>
+  </p:clrMapOvr>
+</p:notes>
+</file>
+
 <file path=ppt/slideLayouts/slideLayout1.xml><?xml version="1.0" encoding="utf-8"?>
-<p:sldLayout xmlns:a="http://schemas.openxmlformats.org/drawingml/2006/main" xmlns:r="http://schemas.openxmlformats.org/officeDocument/2006/relationships" xmlns:p="http://schemas.openxmlformats.org/presentationml/2006/main" type="title" preserve="1">
+<p:sldLayout xmlns:a="http://schemas.openxmlformats.org/drawingml/2006/main" xmlns:r="http://schemas.openxmlformats.org/officeDocument/2006/relationships" xmlns:p="http://schemas.openxmlformats.org/presentationml/2006/main" showMasterSp="0" type="title" preserve="1">
   <p:cSld name="標題投影片">
     <p:spTree>
       <p:nvGrpSpPr>
@@ -126,13 +1382,7 @@
       </p:grpSpPr>
       <p:sp>
         <p:nvSpPr>
-          <p:cNvPr id="2" name="標題 1">
-            <a:extLst>
-              <a:ext uri="{FF2B5EF4-FFF2-40B4-BE49-F238E27FC236}">
-                <a16:creationId xmlns:a16="http://schemas.microsoft.com/office/drawing/2014/main" id="{EB5CC918-B447-434E-B98E-5847BB49C259}"/>
-              </a:ext>
-            </a:extLst>
-          </p:cNvPr>
+          <p:cNvPr id="2" name="Title 1"/>
           <p:cNvSpPr>
             <a:spLocks noGrp="1"/>
           </p:cNvSpPr>
@@ -142,15 +1392,21 @@
         </p:nvSpPr>
         <p:spPr>
           <a:xfrm>
-            <a:off x="1524000" y="1122363"/>
-            <a:ext cx="9144000" cy="2387600"/>
+            <a:off x="1915128" y="1788454"/>
+            <a:ext cx="8361229" cy="2098226"/>
           </a:xfrm>
         </p:spPr>
         <p:txBody>
-          <a:bodyPr anchor="b"/>
+          <a:bodyPr anchor="b">
+            <a:noAutofit/>
+          </a:bodyPr>
           <a:lstStyle>
             <a:lvl1pPr algn="ctr">
-              <a:defRPr sz="6000"/>
+              <a:defRPr sz="7200" cap="all" baseline="0">
+                <a:solidFill>
+                  <a:schemeClr val="tx2"/>
+                </a:solidFill>
+              </a:defRPr>
             </a:lvl1pPr>
           </a:lstStyle>
           <a:p>
@@ -158,18 +1414,13 @@
               <a:rPr lang="zh-TW" altLang="en-US"/>
               <a:t>按一下以編輯母片標題樣式</a:t>
             </a:r>
-          </a:p>
-        </p:txBody>
-      </p:sp>
-      <p:sp>
-        <p:nvSpPr>
-          <p:cNvPr id="3" name="副標題 2">
-            <a:extLst>
-              <a:ext uri="{FF2B5EF4-FFF2-40B4-BE49-F238E27FC236}">
-                <a16:creationId xmlns:a16="http://schemas.microsoft.com/office/drawing/2014/main" id="{817FCC70-CC4E-4CB6-B2CF-9FDA5AC4D346}"/>
-              </a:ext>
-            </a:extLst>
-          </p:cNvPr>
+            <a:endParaRPr lang="en-US" dirty="0"/>
+          </a:p>
+        </p:txBody>
+      </p:sp>
+      <p:sp>
+        <p:nvSpPr>
+          <p:cNvPr id="3" name="Subtitle 2"/>
           <p:cNvSpPr>
             <a:spLocks noGrp="1"/>
           </p:cNvSpPr>
@@ -179,16 +1430,27 @@
         </p:nvSpPr>
         <p:spPr>
           <a:xfrm>
-            <a:off x="1524000" y="3602038"/>
-            <a:ext cx="9144000" cy="1655762"/>
+            <a:off x="2679906" y="3956279"/>
+            <a:ext cx="6831673" cy="1086237"/>
           </a:xfrm>
         </p:spPr>
         <p:txBody>
-          <a:bodyPr/>
+          <a:bodyPr>
+            <a:normAutofit/>
+          </a:bodyPr>
           <a:lstStyle>
             <a:lvl1pPr marL="0" indent="0" algn="ctr">
+              <a:lnSpc>
+                <a:spcPct val="112000"/>
+              </a:lnSpc>
+              <a:spcBef>
+                <a:spcPts val="0"/>
+              </a:spcBef>
+              <a:spcAft>
+                <a:spcPts val="0"/>
+              </a:spcAft>
               <a:buNone/>
-              <a:defRPr sz="2400"/>
+              <a:defRPr sz="2300"/>
             </a:lvl1pPr>
             <a:lvl2pPr marL="457200" indent="0" algn="ctr">
               <a:buNone/>
@@ -228,18 +1490,13 @@
               <a:rPr lang="zh-TW" altLang="en-US"/>
               <a:t>按一下以編輯母片子標題樣式</a:t>
             </a:r>
-          </a:p>
-        </p:txBody>
-      </p:sp>
-      <p:sp>
-        <p:nvSpPr>
-          <p:cNvPr id="4" name="日期版面配置區 3">
-            <a:extLst>
-              <a:ext uri="{FF2B5EF4-FFF2-40B4-BE49-F238E27FC236}">
-                <a16:creationId xmlns:a16="http://schemas.microsoft.com/office/drawing/2014/main" id="{BD08F018-0004-4322-AD0F-E6E740964233}"/>
-              </a:ext>
-            </a:extLst>
-          </p:cNvPr>
+            <a:endParaRPr lang="en-US" dirty="0"/>
+          </a:p>
+        </p:txBody>
+      </p:sp>
+      <p:sp>
+        <p:nvSpPr>
+          <p:cNvPr id="4" name="Date Placeholder 3"/>
           <p:cNvSpPr>
             <a:spLocks noGrp="1"/>
           </p:cNvSpPr>
@@ -247,14 +1504,27 @@
             <p:ph type="dt" sz="half" idx="10"/>
           </p:nvPr>
         </p:nvSpPr>
-        <p:spPr/>
-        <p:txBody>
-          <a:bodyPr/>
-          <a:lstStyle/>
-          <a:p>
-            <a:fld id="{C3C90D7E-32D6-4894-AE08-7BBB3E610FC9}" type="datetimeFigureOut">
+        <p:spPr>
+          <a:xfrm>
+            <a:off x="752858" y="6453386"/>
+            <a:ext cx="1607944" cy="404614"/>
+          </a:xfrm>
+        </p:spPr>
+        <p:txBody>
+          <a:bodyPr/>
+          <a:lstStyle>
+            <a:lvl1pPr>
+              <a:defRPr baseline="0">
+                <a:solidFill>
+                  <a:schemeClr val="tx2"/>
+                </a:solidFill>
+              </a:defRPr>
+            </a:lvl1pPr>
+          </a:lstStyle>
+          <a:p>
+            <a:fld id="{184AAABA-C1B6-4688-A4CA-61429140C7B4}" type="datetimeFigureOut">
               <a:rPr lang="zh-TW" altLang="en-US" smtClean="0"/>
-              <a:t>2024/9/16</a:t>
+              <a:t>2024/9/19</a:t>
             </a:fld>
             <a:endParaRPr lang="zh-TW" altLang="en-US"/>
           </a:p>
@@ -262,13 +1532,7 @@
       </p:sp>
       <p:sp>
         <p:nvSpPr>
-          <p:cNvPr id="5" name="頁尾版面配置區 4">
-            <a:extLst>
-              <a:ext uri="{FF2B5EF4-FFF2-40B4-BE49-F238E27FC236}">
-                <a16:creationId xmlns:a16="http://schemas.microsoft.com/office/drawing/2014/main" id="{30427B34-CB13-41C7-B2F2-CED9BDC5B595}"/>
-              </a:ext>
-            </a:extLst>
-          </p:cNvPr>
+          <p:cNvPr id="5" name="Footer Placeholder 4"/>
           <p:cNvSpPr>
             <a:spLocks noGrp="1"/>
           </p:cNvSpPr>
@@ -276,10 +1540,23 @@
             <p:ph type="ftr" sz="quarter" idx="11"/>
           </p:nvPr>
         </p:nvSpPr>
-        <p:spPr/>
-        <p:txBody>
-          <a:bodyPr/>
-          <a:lstStyle/>
+        <p:spPr>
+          <a:xfrm>
+            <a:off x="2584054" y="6453386"/>
+            <a:ext cx="7023377" cy="404614"/>
+          </a:xfrm>
+        </p:spPr>
+        <p:txBody>
+          <a:bodyPr/>
+          <a:lstStyle>
+            <a:lvl1pPr algn="ctr">
+              <a:defRPr baseline="0">
+                <a:solidFill>
+                  <a:schemeClr val="tx2"/>
+                </a:solidFill>
+              </a:defRPr>
+            </a:lvl1pPr>
+          </a:lstStyle>
           <a:p>
             <a:endParaRPr lang="zh-TW" altLang="en-US"/>
           </a:p>
@@ -287,13 +1564,7 @@
       </p:sp>
       <p:sp>
         <p:nvSpPr>
-          <p:cNvPr id="6" name="投影片編號版面配置區 5">
-            <a:extLst>
-              <a:ext uri="{FF2B5EF4-FFF2-40B4-BE49-F238E27FC236}">
-                <a16:creationId xmlns:a16="http://schemas.microsoft.com/office/drawing/2014/main" id="{76FA962E-5B03-439A-928C-87366876542D}"/>
-              </a:ext>
-            </a:extLst>
-          </p:cNvPr>
+          <p:cNvPr id="6" name="Slide Number Placeholder 5"/>
           <p:cNvSpPr>
             <a:spLocks noGrp="1"/>
           </p:cNvSpPr>
@@ -301,12 +1572,25 @@
             <p:ph type="sldNum" sz="quarter" idx="12"/>
           </p:nvPr>
         </p:nvSpPr>
-        <p:spPr/>
-        <p:txBody>
-          <a:bodyPr/>
-          <a:lstStyle/>
-          <a:p>
-            <a:fld id="{E31EC408-072F-4346-BD0A-D6AA5788A305}" type="slidenum">
+        <p:spPr>
+          <a:xfrm>
+            <a:off x="9830683" y="6453386"/>
+            <a:ext cx="1596292" cy="404614"/>
+          </a:xfrm>
+        </p:spPr>
+        <p:txBody>
+          <a:bodyPr/>
+          <a:lstStyle>
+            <a:lvl1pPr>
+              <a:defRPr baseline="0">
+                <a:solidFill>
+                  <a:schemeClr val="tx2"/>
+                </a:solidFill>
+              </a:defRPr>
+            </a:lvl1pPr>
+          </a:lstStyle>
+          <a:p>
+            <a:fld id="{0B402C23-E9B2-44DD-96F4-996A93D268C2}" type="slidenum">
               <a:rPr lang="zh-TW" altLang="en-US" smtClean="0"/>
               <a:t>‹#›</a:t>
             </a:fld>
@@ -314,10 +1598,139 @@
           </a:p>
         </p:txBody>
       </p:sp>
+      <p:grpSp>
+        <p:nvGrpSpPr>
+          <p:cNvPr id="7" name="Group 6"/>
+          <p:cNvGrpSpPr/>
+          <p:nvPr/>
+        </p:nvGrpSpPr>
+        <p:grpSpPr>
+          <a:xfrm>
+            <a:off x="752858" y="744469"/>
+            <a:ext cx="10674117" cy="5349671"/>
+            <a:chOff x="752858" y="744469"/>
+            <a:chExt cx="10674117" cy="5349671"/>
+          </a:xfrm>
+        </p:grpSpPr>
+        <p:sp>
+          <p:nvSpPr>
+            <p:cNvPr id="11" name="Freeform 6"/>
+            <p:cNvSpPr/>
+            <p:nvPr/>
+          </p:nvSpPr>
+          <p:spPr bwMode="auto">
+            <a:xfrm>
+              <a:off x="8151962" y="1685652"/>
+              <a:ext cx="3275013" cy="4408488"/>
+            </a:xfrm>
+            <a:custGeom>
+              <a:avLst/>
+              <a:gdLst/>
+              <a:ahLst/>
+              <a:cxnLst/>
+              <a:rect l="l" t="t" r="r" b="b"/>
+              <a:pathLst>
+                <a:path w="10000" h="10000">
+                  <a:moveTo>
+                    <a:pt x="8761" y="0"/>
+                  </a:moveTo>
+                  <a:lnTo>
+                    <a:pt x="10000" y="0"/>
+                  </a:lnTo>
+                  <a:lnTo>
+                    <a:pt x="10000" y="10000"/>
+                  </a:lnTo>
+                  <a:lnTo>
+                    <a:pt x="0" y="10000"/>
+                  </a:lnTo>
+                  <a:lnTo>
+                    <a:pt x="0" y="9126"/>
+                  </a:lnTo>
+                  <a:lnTo>
+                    <a:pt x="8761" y="9127"/>
+                  </a:lnTo>
+                  <a:lnTo>
+                    <a:pt x="8761" y="0"/>
+                  </a:lnTo>
+                  <a:close/>
+                </a:path>
+              </a:pathLst>
+            </a:custGeom>
+            <a:solidFill>
+              <a:schemeClr val="tx2"/>
+            </a:solidFill>
+            <a:ln w="0">
+              <a:noFill/>
+              <a:prstDash val="solid"/>
+              <a:round/>
+              <a:headEnd/>
+              <a:tailEnd/>
+            </a:ln>
+          </p:spPr>
+        </p:sp>
+        <p:sp>
+          <p:nvSpPr>
+            <p:cNvPr id="14" name="Freeform 6"/>
+            <p:cNvSpPr/>
+            <p:nvPr/>
+          </p:nvSpPr>
+          <p:spPr bwMode="auto">
+            <a:xfrm flipH="1" flipV="1">
+              <a:off x="752858" y="744469"/>
+              <a:ext cx="3275668" cy="4408488"/>
+            </a:xfrm>
+            <a:custGeom>
+              <a:avLst/>
+              <a:gdLst/>
+              <a:ahLst/>
+              <a:cxnLst/>
+              <a:rect l="l" t="t" r="r" b="b"/>
+              <a:pathLst>
+                <a:path w="10002" h="10000">
+                  <a:moveTo>
+                    <a:pt x="8763" y="0"/>
+                  </a:moveTo>
+                  <a:lnTo>
+                    <a:pt x="10002" y="0"/>
+                  </a:lnTo>
+                  <a:lnTo>
+                    <a:pt x="10002" y="10000"/>
+                  </a:lnTo>
+                  <a:lnTo>
+                    <a:pt x="2" y="10000"/>
+                  </a:lnTo>
+                  <a:cubicBezTo>
+                    <a:pt x="-2" y="9698"/>
+                    <a:pt x="4" y="9427"/>
+                    <a:pt x="0" y="9125"/>
+                  </a:cubicBezTo>
+                  <a:lnTo>
+                    <a:pt x="8763" y="9128"/>
+                  </a:lnTo>
+                  <a:lnTo>
+                    <a:pt x="8763" y="0"/>
+                  </a:lnTo>
+                  <a:close/>
+                </a:path>
+              </a:pathLst>
+            </a:custGeom>
+            <a:solidFill>
+              <a:schemeClr val="tx2"/>
+            </a:solidFill>
+            <a:ln w="0">
+              <a:noFill/>
+              <a:prstDash val="solid"/>
+              <a:round/>
+              <a:headEnd/>
+              <a:tailEnd/>
+            </a:ln>
+          </p:spPr>
+        </p:sp>
+      </p:grpSp>
     </p:spTree>
     <p:extLst>
       <p:ext uri="{BB962C8B-B14F-4D97-AF65-F5344CB8AC3E}">
-        <p14:creationId xmlns:p14="http://schemas.microsoft.com/office/powerpoint/2010/main" val="2963035110"/>
+        <p14:creationId xmlns:p14="http://schemas.microsoft.com/office/powerpoint/2010/main" val="166541669"/>
       </p:ext>
     </p:extLst>
   </p:cSld>
@@ -346,13 +1759,7 @@
       </p:grpSpPr>
       <p:sp>
         <p:nvSpPr>
-          <p:cNvPr id="2" name="標題 1">
-            <a:extLst>
-              <a:ext uri="{FF2B5EF4-FFF2-40B4-BE49-F238E27FC236}">
-                <a16:creationId xmlns:a16="http://schemas.microsoft.com/office/drawing/2014/main" id="{A02F0018-7F8E-4206-A929-07CDC6B5F34A}"/>
-              </a:ext>
-            </a:extLst>
-          </p:cNvPr>
+          <p:cNvPr id="2" name="Title 1"/>
           <p:cNvSpPr>
             <a:spLocks noGrp="1"/>
           </p:cNvSpPr>
@@ -369,18 +1776,13 @@
               <a:rPr lang="zh-TW" altLang="en-US"/>
               <a:t>按一下以編輯母片標題樣式</a:t>
             </a:r>
-          </a:p>
-        </p:txBody>
-      </p:sp>
-      <p:sp>
-        <p:nvSpPr>
-          <p:cNvPr id="3" name="直排文字版面配置區 2">
-            <a:extLst>
-              <a:ext uri="{FF2B5EF4-FFF2-40B4-BE49-F238E27FC236}">
-                <a16:creationId xmlns:a16="http://schemas.microsoft.com/office/drawing/2014/main" id="{9B801E88-34C3-4545-A358-81F5614FED64}"/>
-              </a:ext>
-            </a:extLst>
-          </p:cNvPr>
+            <a:endParaRPr lang="en-US" dirty="0"/>
+          </a:p>
+        </p:txBody>
+      </p:sp>
+      <p:sp>
+        <p:nvSpPr>
+          <p:cNvPr id="3" name="Vertical Text Placeholder 2"/>
           <p:cNvSpPr>
             <a:spLocks noGrp="1"/>
           </p:cNvSpPr>
@@ -388,7 +1790,12 @@
             <p:ph type="body" orient="vert" idx="1"/>
           </p:nvPr>
         </p:nvSpPr>
-        <p:spPr/>
+        <p:spPr>
+          <a:xfrm>
+            <a:off x="1371600" y="2295525"/>
+            <a:ext cx="9601200" cy="3571875"/>
+          </a:xfrm>
+        </p:spPr>
         <p:txBody>
           <a:bodyPr vert="eaVert"/>
           <a:lstStyle/>
@@ -426,18 +1833,13 @@
               <a:rPr lang="zh-TW" altLang="en-US"/>
               <a:t>第五層</a:t>
             </a:r>
-          </a:p>
-        </p:txBody>
-      </p:sp>
-      <p:sp>
-        <p:nvSpPr>
-          <p:cNvPr id="4" name="日期版面配置區 3">
-            <a:extLst>
-              <a:ext uri="{FF2B5EF4-FFF2-40B4-BE49-F238E27FC236}">
-                <a16:creationId xmlns:a16="http://schemas.microsoft.com/office/drawing/2014/main" id="{60AFD716-8B99-4230-B55F-C8B88ECBB171}"/>
-              </a:ext>
-            </a:extLst>
-          </p:cNvPr>
+            <a:endParaRPr lang="en-US" dirty="0"/>
+          </a:p>
+        </p:txBody>
+      </p:sp>
+      <p:sp>
+        <p:nvSpPr>
+          <p:cNvPr id="4" name="Date Placeholder 3"/>
           <p:cNvSpPr>
             <a:spLocks noGrp="1"/>
           </p:cNvSpPr>
@@ -450,9 +1852,9 @@
           <a:bodyPr/>
           <a:lstStyle/>
           <a:p>
-            <a:fld id="{C3C90D7E-32D6-4894-AE08-7BBB3E610FC9}" type="datetimeFigureOut">
+            <a:fld id="{184AAABA-C1B6-4688-A4CA-61429140C7B4}" type="datetimeFigureOut">
               <a:rPr lang="zh-TW" altLang="en-US" smtClean="0"/>
-              <a:t>2024/9/16</a:t>
+              <a:t>2024/9/19</a:t>
             </a:fld>
             <a:endParaRPr lang="zh-TW" altLang="en-US"/>
           </a:p>
@@ -460,13 +1862,7 @@
       </p:sp>
       <p:sp>
         <p:nvSpPr>
-          <p:cNvPr id="5" name="頁尾版面配置區 4">
-            <a:extLst>
-              <a:ext uri="{FF2B5EF4-FFF2-40B4-BE49-F238E27FC236}">
-                <a16:creationId xmlns:a16="http://schemas.microsoft.com/office/drawing/2014/main" id="{EA374743-76D9-4BF8-A60C-2F50B2636A8A}"/>
-              </a:ext>
-            </a:extLst>
-          </p:cNvPr>
+          <p:cNvPr id="5" name="Footer Placeholder 4"/>
           <p:cNvSpPr>
             <a:spLocks noGrp="1"/>
           </p:cNvSpPr>
@@ -485,13 +1881,7 @@
       </p:sp>
       <p:sp>
         <p:nvSpPr>
-          <p:cNvPr id="6" name="投影片編號版面配置區 5">
-            <a:extLst>
-              <a:ext uri="{FF2B5EF4-FFF2-40B4-BE49-F238E27FC236}">
-                <a16:creationId xmlns:a16="http://schemas.microsoft.com/office/drawing/2014/main" id="{00454594-6C11-4013-A666-A151E960EC9B}"/>
-              </a:ext>
-            </a:extLst>
-          </p:cNvPr>
+          <p:cNvPr id="6" name="Slide Number Placeholder 5"/>
           <p:cNvSpPr>
             <a:spLocks noGrp="1"/>
           </p:cNvSpPr>
@@ -504,7 +1894,7 @@
           <a:bodyPr/>
           <a:lstStyle/>
           <a:p>
-            <a:fld id="{E31EC408-072F-4346-BD0A-D6AA5788A305}" type="slidenum">
+            <a:fld id="{0B402C23-E9B2-44DD-96F4-996A93D268C2}" type="slidenum">
               <a:rPr lang="zh-TW" altLang="en-US" smtClean="0"/>
               <a:t>‹#›</a:t>
             </a:fld>
@@ -515,7 +1905,7 @@
     </p:spTree>
     <p:extLst>
       <p:ext uri="{BB962C8B-B14F-4D97-AF65-F5344CB8AC3E}">
-        <p14:creationId xmlns:p14="http://schemas.microsoft.com/office/powerpoint/2010/main" val="188953001"/>
+        <p14:creationId xmlns:p14="http://schemas.microsoft.com/office/powerpoint/2010/main" val="251490933"/>
       </p:ext>
     </p:extLst>
   </p:cSld>
@@ -544,13 +1934,7 @@
       </p:grpSpPr>
       <p:sp>
         <p:nvSpPr>
-          <p:cNvPr id="2" name="直排標題 1">
-            <a:extLst>
-              <a:ext uri="{FF2B5EF4-FFF2-40B4-BE49-F238E27FC236}">
-                <a16:creationId xmlns:a16="http://schemas.microsoft.com/office/drawing/2014/main" id="{70F760AC-E708-4605-85E2-7D0F424B3E29}"/>
-              </a:ext>
-            </a:extLst>
-          </p:cNvPr>
+          <p:cNvPr id="2" name="Vertical Title 1"/>
           <p:cNvSpPr>
             <a:spLocks noGrp="1"/>
           </p:cNvSpPr>
@@ -560,8 +1944,8 @@
         </p:nvSpPr>
         <p:spPr>
           <a:xfrm>
-            <a:off x="8724900" y="365125"/>
-            <a:ext cx="2628900" cy="5811838"/>
+            <a:off x="9596561" y="624156"/>
+            <a:ext cx="1565766" cy="5243244"/>
           </a:xfrm>
         </p:spPr>
         <p:txBody>
@@ -572,18 +1956,13 @@
               <a:rPr lang="zh-TW" altLang="en-US"/>
               <a:t>按一下以編輯母片標題樣式</a:t>
             </a:r>
-          </a:p>
-        </p:txBody>
-      </p:sp>
-      <p:sp>
-        <p:nvSpPr>
-          <p:cNvPr id="3" name="直排文字版面配置區 2">
-            <a:extLst>
-              <a:ext uri="{FF2B5EF4-FFF2-40B4-BE49-F238E27FC236}">
-                <a16:creationId xmlns:a16="http://schemas.microsoft.com/office/drawing/2014/main" id="{84BECF48-F3B6-4D47-82A8-C6AE92EDC2F0}"/>
-              </a:ext>
-            </a:extLst>
-          </p:cNvPr>
+            <a:endParaRPr lang="en-US" dirty="0"/>
+          </a:p>
+        </p:txBody>
+      </p:sp>
+      <p:sp>
+        <p:nvSpPr>
+          <p:cNvPr id="3" name="Vertical Text Placeholder 2"/>
           <p:cNvSpPr>
             <a:spLocks noGrp="1"/>
           </p:cNvSpPr>
@@ -593,8 +1972,8 @@
         </p:nvSpPr>
         <p:spPr>
           <a:xfrm>
-            <a:off x="838200" y="365125"/>
-            <a:ext cx="7734300" cy="5811838"/>
+            <a:off x="1371600" y="624156"/>
+            <a:ext cx="8179641" cy="5243244"/>
           </a:xfrm>
         </p:spPr>
         <p:txBody>
@@ -634,18 +2013,13 @@
               <a:rPr lang="zh-TW" altLang="en-US"/>
               <a:t>第五層</a:t>
             </a:r>
-          </a:p>
-        </p:txBody>
-      </p:sp>
-      <p:sp>
-        <p:nvSpPr>
-          <p:cNvPr id="4" name="日期版面配置區 3">
-            <a:extLst>
-              <a:ext uri="{FF2B5EF4-FFF2-40B4-BE49-F238E27FC236}">
-                <a16:creationId xmlns:a16="http://schemas.microsoft.com/office/drawing/2014/main" id="{215DE52A-093E-4116-A2FE-F61BA999B89F}"/>
-              </a:ext>
-            </a:extLst>
-          </p:cNvPr>
+            <a:endParaRPr lang="en-US" dirty="0"/>
+          </a:p>
+        </p:txBody>
+      </p:sp>
+      <p:sp>
+        <p:nvSpPr>
+          <p:cNvPr id="4" name="Date Placeholder 3"/>
           <p:cNvSpPr>
             <a:spLocks noGrp="1"/>
           </p:cNvSpPr>
@@ -658,9 +2032,9 @@
           <a:bodyPr/>
           <a:lstStyle/>
           <a:p>
-            <a:fld id="{C3C90D7E-32D6-4894-AE08-7BBB3E610FC9}" type="datetimeFigureOut">
+            <a:fld id="{184AAABA-C1B6-4688-A4CA-61429140C7B4}" type="datetimeFigureOut">
               <a:rPr lang="zh-TW" altLang="en-US" smtClean="0"/>
-              <a:t>2024/9/16</a:t>
+              <a:t>2024/9/19</a:t>
             </a:fld>
             <a:endParaRPr lang="zh-TW" altLang="en-US"/>
           </a:p>
@@ -668,13 +2042,7 @@
       </p:sp>
       <p:sp>
         <p:nvSpPr>
-          <p:cNvPr id="5" name="頁尾版面配置區 4">
-            <a:extLst>
-              <a:ext uri="{FF2B5EF4-FFF2-40B4-BE49-F238E27FC236}">
-                <a16:creationId xmlns:a16="http://schemas.microsoft.com/office/drawing/2014/main" id="{34553FE1-A5D9-4070-AA9C-378F491D4677}"/>
-              </a:ext>
-            </a:extLst>
-          </p:cNvPr>
+          <p:cNvPr id="5" name="Footer Placeholder 4"/>
           <p:cNvSpPr>
             <a:spLocks noGrp="1"/>
           </p:cNvSpPr>
@@ -693,13 +2061,7 @@
       </p:sp>
       <p:sp>
         <p:nvSpPr>
-          <p:cNvPr id="6" name="投影片編號版面配置區 5">
-            <a:extLst>
-              <a:ext uri="{FF2B5EF4-FFF2-40B4-BE49-F238E27FC236}">
-                <a16:creationId xmlns:a16="http://schemas.microsoft.com/office/drawing/2014/main" id="{928EFDDC-5B11-4543-8144-518625EDA57F}"/>
-              </a:ext>
-            </a:extLst>
-          </p:cNvPr>
+          <p:cNvPr id="6" name="Slide Number Placeholder 5"/>
           <p:cNvSpPr>
             <a:spLocks noGrp="1"/>
           </p:cNvSpPr>
@@ -712,7 +2074,7 @@
           <a:bodyPr/>
           <a:lstStyle/>
           <a:p>
-            <a:fld id="{E31EC408-072F-4346-BD0A-D6AA5788A305}" type="slidenum">
+            <a:fld id="{0B402C23-E9B2-44DD-96F4-996A93D268C2}" type="slidenum">
               <a:rPr lang="zh-TW" altLang="en-US" smtClean="0"/>
               <a:t>‹#›</a:t>
             </a:fld>
@@ -723,7 +2085,7 @@
     </p:spTree>
     <p:extLst>
       <p:ext uri="{BB962C8B-B14F-4D97-AF65-F5344CB8AC3E}">
-        <p14:creationId xmlns:p14="http://schemas.microsoft.com/office/powerpoint/2010/main" val="2483123943"/>
+        <p14:creationId xmlns:p14="http://schemas.microsoft.com/office/powerpoint/2010/main" val="723598881"/>
       </p:ext>
     </p:extLst>
   </p:cSld>
@@ -752,13 +2114,7 @@
       </p:grpSpPr>
       <p:sp>
         <p:nvSpPr>
-          <p:cNvPr id="2" name="標題 1">
-            <a:extLst>
-              <a:ext uri="{FF2B5EF4-FFF2-40B4-BE49-F238E27FC236}">
-                <a16:creationId xmlns:a16="http://schemas.microsoft.com/office/drawing/2014/main" id="{A1BFCF4C-FB58-444C-B754-A594851E4C7B}"/>
-              </a:ext>
-            </a:extLst>
-          </p:cNvPr>
+          <p:cNvPr id="2" name="Title 1"/>
           <p:cNvSpPr>
             <a:spLocks noGrp="1"/>
           </p:cNvSpPr>
@@ -775,18 +2131,13 @@
               <a:rPr lang="zh-TW" altLang="en-US"/>
               <a:t>按一下以編輯母片標題樣式</a:t>
             </a:r>
-          </a:p>
-        </p:txBody>
-      </p:sp>
-      <p:sp>
-        <p:nvSpPr>
-          <p:cNvPr id="3" name="內容版面配置區 2">
-            <a:extLst>
-              <a:ext uri="{FF2B5EF4-FFF2-40B4-BE49-F238E27FC236}">
-                <a16:creationId xmlns:a16="http://schemas.microsoft.com/office/drawing/2014/main" id="{987C475D-648F-4511-A6FE-04B04F755F93}"/>
-              </a:ext>
-            </a:extLst>
-          </p:cNvPr>
+            <a:endParaRPr lang="en-US" dirty="0"/>
+          </a:p>
+        </p:txBody>
+      </p:sp>
+      <p:sp>
+        <p:nvSpPr>
+          <p:cNvPr id="3" name="Content Placeholder 2"/>
           <p:cNvSpPr>
             <a:spLocks noGrp="1"/>
           </p:cNvSpPr>
@@ -832,18 +2183,13 @@
               <a:rPr lang="zh-TW" altLang="en-US"/>
               <a:t>第五層</a:t>
             </a:r>
-          </a:p>
-        </p:txBody>
-      </p:sp>
-      <p:sp>
-        <p:nvSpPr>
-          <p:cNvPr id="4" name="日期版面配置區 3">
-            <a:extLst>
-              <a:ext uri="{FF2B5EF4-FFF2-40B4-BE49-F238E27FC236}">
-                <a16:creationId xmlns:a16="http://schemas.microsoft.com/office/drawing/2014/main" id="{F511FCF8-D8F7-4914-920F-D63F2D97F713}"/>
-              </a:ext>
-            </a:extLst>
-          </p:cNvPr>
+            <a:endParaRPr lang="en-US" dirty="0"/>
+          </a:p>
+        </p:txBody>
+      </p:sp>
+      <p:sp>
+        <p:nvSpPr>
+          <p:cNvPr id="4" name="Date Placeholder 3"/>
           <p:cNvSpPr>
             <a:spLocks noGrp="1"/>
           </p:cNvSpPr>
@@ -856,9 +2202,9 @@
           <a:bodyPr/>
           <a:lstStyle/>
           <a:p>
-            <a:fld id="{C3C90D7E-32D6-4894-AE08-7BBB3E610FC9}" type="datetimeFigureOut">
+            <a:fld id="{184AAABA-C1B6-4688-A4CA-61429140C7B4}" type="datetimeFigureOut">
               <a:rPr lang="zh-TW" altLang="en-US" smtClean="0"/>
-              <a:t>2024/9/16</a:t>
+              <a:t>2024/9/19</a:t>
             </a:fld>
             <a:endParaRPr lang="zh-TW" altLang="en-US"/>
           </a:p>
@@ -866,13 +2212,7 @@
       </p:sp>
       <p:sp>
         <p:nvSpPr>
-          <p:cNvPr id="5" name="頁尾版面配置區 4">
-            <a:extLst>
-              <a:ext uri="{FF2B5EF4-FFF2-40B4-BE49-F238E27FC236}">
-                <a16:creationId xmlns:a16="http://schemas.microsoft.com/office/drawing/2014/main" id="{7E1D3E8F-338D-4B4D-B411-5282866FF95D}"/>
-              </a:ext>
-            </a:extLst>
-          </p:cNvPr>
+          <p:cNvPr id="5" name="Footer Placeholder 4"/>
           <p:cNvSpPr>
             <a:spLocks noGrp="1"/>
           </p:cNvSpPr>
@@ -891,13 +2231,7 @@
       </p:sp>
       <p:sp>
         <p:nvSpPr>
-          <p:cNvPr id="6" name="投影片編號版面配置區 5">
-            <a:extLst>
-              <a:ext uri="{FF2B5EF4-FFF2-40B4-BE49-F238E27FC236}">
-                <a16:creationId xmlns:a16="http://schemas.microsoft.com/office/drawing/2014/main" id="{F7DF3AD5-06B6-42D8-AEDF-66CCE6582524}"/>
-              </a:ext>
-            </a:extLst>
-          </p:cNvPr>
+          <p:cNvPr id="6" name="Slide Number Placeholder 5"/>
           <p:cNvSpPr>
             <a:spLocks noGrp="1"/>
           </p:cNvSpPr>
@@ -910,7 +2244,7 @@
           <a:bodyPr/>
           <a:lstStyle/>
           <a:p>
-            <a:fld id="{E31EC408-072F-4346-BD0A-D6AA5788A305}" type="slidenum">
+            <a:fld id="{0B402C23-E9B2-44DD-96F4-996A93D268C2}" type="slidenum">
               <a:rPr lang="zh-TW" altLang="en-US" smtClean="0"/>
               <a:t>‹#›</a:t>
             </a:fld>
@@ -921,7 +2255,7 @@
     </p:spTree>
     <p:extLst>
       <p:ext uri="{BB962C8B-B14F-4D97-AF65-F5344CB8AC3E}">
-        <p14:creationId xmlns:p14="http://schemas.microsoft.com/office/powerpoint/2010/main" val="4198509733"/>
+        <p14:creationId xmlns:p14="http://schemas.microsoft.com/office/powerpoint/2010/main" val="4247284210"/>
       </p:ext>
     </p:extLst>
   </p:cSld>
@@ -932,7 +2266,7 @@
 </file>
 
 <file path=ppt/slideLayouts/slideLayout3.xml><?xml version="1.0" encoding="utf-8"?>
-<p:sldLayout xmlns:a="http://schemas.openxmlformats.org/drawingml/2006/main" xmlns:r="http://schemas.openxmlformats.org/officeDocument/2006/relationships" xmlns:p="http://schemas.openxmlformats.org/presentationml/2006/main" type="secHead" preserve="1">
+<p:sldLayout xmlns:a="http://schemas.openxmlformats.org/drawingml/2006/main" xmlns:r="http://schemas.openxmlformats.org/officeDocument/2006/relationships" xmlns:p="http://schemas.openxmlformats.org/presentationml/2006/main" showMasterSp="0" type="secHead" preserve="1">
   <p:cSld name="章節標題">
     <p:spTree>
       <p:nvGrpSpPr>
@@ -950,13 +2284,7 @@
       </p:grpSpPr>
       <p:sp>
         <p:nvSpPr>
-          <p:cNvPr id="2" name="標題 1">
-            <a:extLst>
-              <a:ext uri="{FF2B5EF4-FFF2-40B4-BE49-F238E27FC236}">
-                <a16:creationId xmlns:a16="http://schemas.microsoft.com/office/drawing/2014/main" id="{5986B870-2B24-4658-9AEB-3C92E8E40B41}"/>
-              </a:ext>
-            </a:extLst>
-          </p:cNvPr>
+          <p:cNvPr id="2" name="Title 1"/>
           <p:cNvSpPr>
             <a:spLocks noGrp="1"/>
           </p:cNvSpPr>
@@ -966,15 +2294,21 @@
         </p:nvSpPr>
         <p:spPr>
           <a:xfrm>
-            <a:off x="831850" y="1709738"/>
-            <a:ext cx="10515600" cy="2852737"/>
+            <a:off x="765025" y="1301360"/>
+            <a:ext cx="9612971" cy="2852737"/>
           </a:xfrm>
         </p:spPr>
         <p:txBody>
-          <a:bodyPr anchor="b"/>
+          <a:bodyPr anchor="b">
+            <a:normAutofit/>
+          </a:bodyPr>
           <a:lstStyle>
-            <a:lvl1pPr>
-              <a:defRPr sz="6000"/>
+            <a:lvl1pPr algn="r">
+              <a:defRPr sz="7200" cap="all" baseline="0">
+                <a:solidFill>
+                  <a:schemeClr val="tx2"/>
+                </a:solidFill>
+              </a:defRPr>
             </a:lvl1pPr>
           </a:lstStyle>
           <a:p>
@@ -982,18 +2316,13 @@
               <a:rPr lang="zh-TW" altLang="en-US"/>
               <a:t>按一下以編輯母片標題樣式</a:t>
             </a:r>
-          </a:p>
-        </p:txBody>
-      </p:sp>
-      <p:sp>
-        <p:nvSpPr>
-          <p:cNvPr id="3" name="文字版面配置區 2">
-            <a:extLst>
-              <a:ext uri="{FF2B5EF4-FFF2-40B4-BE49-F238E27FC236}">
-                <a16:creationId xmlns:a16="http://schemas.microsoft.com/office/drawing/2014/main" id="{90235018-E757-4630-8511-F466B919268F}"/>
-              </a:ext>
-            </a:extLst>
-          </p:cNvPr>
+            <a:endParaRPr lang="en-US" dirty="0"/>
+          </a:p>
+        </p:txBody>
+      </p:sp>
+      <p:sp>
+        <p:nvSpPr>
+          <p:cNvPr id="3" name="Text Placeholder 2"/>
           <p:cNvSpPr>
             <a:spLocks noGrp="1"/>
           </p:cNvSpPr>
@@ -1003,20 +2332,27 @@
         </p:nvSpPr>
         <p:spPr>
           <a:xfrm>
-            <a:off x="831850" y="4589463"/>
-            <a:ext cx="10515600" cy="1500187"/>
+            <a:off x="765025" y="4216328"/>
+            <a:ext cx="9612971" cy="1143324"/>
           </a:xfrm>
         </p:spPr>
         <p:txBody>
           <a:bodyPr/>
           <a:lstStyle>
-            <a:lvl1pPr marL="0" indent="0">
+            <a:lvl1pPr marL="0" indent="0" algn="r">
+              <a:lnSpc>
+                <a:spcPct val="112000"/>
+              </a:lnSpc>
+              <a:spcBef>
+                <a:spcPts val="0"/>
+              </a:spcBef>
+              <a:spcAft>
+                <a:spcPts val="0"/>
+              </a:spcAft>
               <a:buNone/>
               <a:defRPr sz="2400">
                 <a:solidFill>
-                  <a:schemeClr val="tx1">
-                    <a:tint val="75000"/>
-                  </a:schemeClr>
+                  <a:schemeClr val="tx2"/>
                 </a:solidFill>
               </a:defRPr>
             </a:lvl1pPr>
@@ -1112,13 +2448,7 @@
       </p:sp>
       <p:sp>
         <p:nvSpPr>
-          <p:cNvPr id="4" name="日期版面配置區 3">
-            <a:extLst>
-              <a:ext uri="{FF2B5EF4-FFF2-40B4-BE49-F238E27FC236}">
-                <a16:creationId xmlns:a16="http://schemas.microsoft.com/office/drawing/2014/main" id="{37546C76-CF19-433D-9070-0A54A149F1B2}"/>
-              </a:ext>
-            </a:extLst>
-          </p:cNvPr>
+          <p:cNvPr id="4" name="Date Placeholder 3"/>
           <p:cNvSpPr>
             <a:spLocks noGrp="1"/>
           </p:cNvSpPr>
@@ -1126,14 +2456,27 @@
             <p:ph type="dt" sz="half" idx="10"/>
           </p:nvPr>
         </p:nvSpPr>
-        <p:spPr/>
-        <p:txBody>
-          <a:bodyPr/>
-          <a:lstStyle/>
-          <a:p>
-            <a:fld id="{C3C90D7E-32D6-4894-AE08-7BBB3E610FC9}" type="datetimeFigureOut">
+        <p:spPr>
+          <a:xfrm>
+            <a:off x="738908" y="6453386"/>
+            <a:ext cx="1622409" cy="404614"/>
+          </a:xfrm>
+        </p:spPr>
+        <p:txBody>
+          <a:bodyPr/>
+          <a:lstStyle>
+            <a:lvl1pPr>
+              <a:defRPr>
+                <a:solidFill>
+                  <a:schemeClr val="tx2"/>
+                </a:solidFill>
+              </a:defRPr>
+            </a:lvl1pPr>
+          </a:lstStyle>
+          <a:p>
+            <a:fld id="{184AAABA-C1B6-4688-A4CA-61429140C7B4}" type="datetimeFigureOut">
               <a:rPr lang="zh-TW" altLang="en-US" smtClean="0"/>
-              <a:t>2024/9/16</a:t>
+              <a:t>2024/9/19</a:t>
             </a:fld>
             <a:endParaRPr lang="zh-TW" altLang="en-US"/>
           </a:p>
@@ -1141,13 +2484,7 @@
       </p:sp>
       <p:sp>
         <p:nvSpPr>
-          <p:cNvPr id="5" name="頁尾版面配置區 4">
-            <a:extLst>
-              <a:ext uri="{FF2B5EF4-FFF2-40B4-BE49-F238E27FC236}">
-                <a16:creationId xmlns:a16="http://schemas.microsoft.com/office/drawing/2014/main" id="{9C9DC25F-827C-4564-AD0E-7FD815D53AF7}"/>
-              </a:ext>
-            </a:extLst>
-          </p:cNvPr>
+          <p:cNvPr id="5" name="Footer Placeholder 4"/>
           <p:cNvSpPr>
             <a:spLocks noGrp="1"/>
           </p:cNvSpPr>
@@ -1155,10 +2492,23 @@
             <p:ph type="ftr" sz="quarter" idx="11"/>
           </p:nvPr>
         </p:nvSpPr>
-        <p:spPr/>
-        <p:txBody>
-          <a:bodyPr/>
-          <a:lstStyle/>
+        <p:spPr>
+          <a:xfrm>
+            <a:off x="2584312" y="6453386"/>
+            <a:ext cx="7023377" cy="404614"/>
+          </a:xfrm>
+        </p:spPr>
+        <p:txBody>
+          <a:bodyPr/>
+          <a:lstStyle>
+            <a:lvl1pPr algn="ctr">
+              <a:defRPr>
+                <a:solidFill>
+                  <a:schemeClr val="tx2"/>
+                </a:solidFill>
+              </a:defRPr>
+            </a:lvl1pPr>
+          </a:lstStyle>
           <a:p>
             <a:endParaRPr lang="zh-TW" altLang="en-US"/>
           </a:p>
@@ -1166,13 +2516,7 @@
       </p:sp>
       <p:sp>
         <p:nvSpPr>
-          <p:cNvPr id="6" name="投影片編號版面配置區 5">
-            <a:extLst>
-              <a:ext uri="{FF2B5EF4-FFF2-40B4-BE49-F238E27FC236}">
-                <a16:creationId xmlns:a16="http://schemas.microsoft.com/office/drawing/2014/main" id="{8C0653A6-68AA-4213-8D62-EAF9243D6998}"/>
-              </a:ext>
-            </a:extLst>
-          </p:cNvPr>
+          <p:cNvPr id="6" name="Slide Number Placeholder 5"/>
           <p:cNvSpPr>
             <a:spLocks noGrp="1"/>
           </p:cNvSpPr>
@@ -1180,12 +2524,25 @@
             <p:ph type="sldNum" sz="quarter" idx="12"/>
           </p:nvPr>
         </p:nvSpPr>
-        <p:spPr/>
-        <p:txBody>
-          <a:bodyPr/>
-          <a:lstStyle/>
-          <a:p>
-            <a:fld id="{E31EC408-072F-4346-BD0A-D6AA5788A305}" type="slidenum">
+        <p:spPr>
+          <a:xfrm>
+            <a:off x="9830683" y="6453386"/>
+            <a:ext cx="1596292" cy="404614"/>
+          </a:xfrm>
+        </p:spPr>
+        <p:txBody>
+          <a:bodyPr/>
+          <a:lstStyle>
+            <a:lvl1pPr>
+              <a:defRPr>
+                <a:solidFill>
+                  <a:schemeClr val="tx2"/>
+                </a:solidFill>
+              </a:defRPr>
+            </a:lvl1pPr>
+          </a:lstStyle>
+          <a:p>
+            <a:fld id="{0B402C23-E9B2-44DD-96F4-996A93D268C2}" type="slidenum">
               <a:rPr lang="zh-TW" altLang="en-US" smtClean="0"/>
               <a:t>‹#›</a:t>
             </a:fld>
@@ -1193,10 +2550,66 @@
           </a:p>
         </p:txBody>
       </p:sp>
+      <p:sp>
+        <p:nvSpPr>
+          <p:cNvPr id="7" name="Freeform 6" title="Crop Mark"/>
+          <p:cNvSpPr/>
+          <p:nvPr/>
+        </p:nvSpPr>
+        <p:spPr bwMode="auto">
+          <a:xfrm>
+            <a:off x="8151962" y="1685652"/>
+            <a:ext cx="3275013" cy="4408488"/>
+          </a:xfrm>
+          <a:custGeom>
+            <a:avLst/>
+            <a:gdLst/>
+            <a:ahLst/>
+            <a:cxnLst/>
+            <a:rect l="0" t="0" r="r" b="b"/>
+            <a:pathLst>
+              <a:path w="4125" h="5554">
+                <a:moveTo>
+                  <a:pt x="3614" y="0"/>
+                </a:moveTo>
+                <a:lnTo>
+                  <a:pt x="4125" y="0"/>
+                </a:lnTo>
+                <a:lnTo>
+                  <a:pt x="4125" y="5554"/>
+                </a:lnTo>
+                <a:lnTo>
+                  <a:pt x="0" y="5554"/>
+                </a:lnTo>
+                <a:lnTo>
+                  <a:pt x="0" y="5074"/>
+                </a:lnTo>
+                <a:lnTo>
+                  <a:pt x="3614" y="5074"/>
+                </a:lnTo>
+                <a:lnTo>
+                  <a:pt x="3614" y="0"/>
+                </a:lnTo>
+                <a:close/>
+              </a:path>
+            </a:pathLst>
+          </a:custGeom>
+          <a:solidFill>
+            <a:schemeClr val="tx2"/>
+          </a:solidFill>
+          <a:ln w="0">
+            <a:noFill/>
+            <a:prstDash val="solid"/>
+            <a:round/>
+            <a:headEnd/>
+            <a:tailEnd/>
+          </a:ln>
+        </p:spPr>
+      </p:sp>
     </p:spTree>
     <p:extLst>
       <p:ext uri="{BB962C8B-B14F-4D97-AF65-F5344CB8AC3E}">
-        <p14:creationId xmlns:p14="http://schemas.microsoft.com/office/powerpoint/2010/main" val="3126775509"/>
+        <p14:creationId xmlns:p14="http://schemas.microsoft.com/office/powerpoint/2010/main" val="785144454"/>
       </p:ext>
     </p:extLst>
   </p:cSld>
@@ -1225,13 +2638,7 @@
       </p:grpSpPr>
       <p:sp>
         <p:nvSpPr>
-          <p:cNvPr id="2" name="標題 1">
-            <a:extLst>
-              <a:ext uri="{FF2B5EF4-FFF2-40B4-BE49-F238E27FC236}">
-                <a16:creationId xmlns:a16="http://schemas.microsoft.com/office/drawing/2014/main" id="{F8A74D77-9E6E-4FD1-97AD-0ADC1228B6AF}"/>
-              </a:ext>
-            </a:extLst>
-          </p:cNvPr>
+          <p:cNvPr id="2" name="Title 1"/>
           <p:cNvSpPr>
             <a:spLocks noGrp="1"/>
           </p:cNvSpPr>
@@ -1242,24 +2649,27 @@
         <p:spPr/>
         <p:txBody>
           <a:bodyPr/>
-          <a:lstStyle/>
+          <a:lstStyle>
+            <a:lvl1pPr>
+              <a:defRPr>
+                <a:solidFill>
+                  <a:schemeClr val="tx2"/>
+                </a:solidFill>
+              </a:defRPr>
+            </a:lvl1pPr>
+          </a:lstStyle>
           <a:p>
             <a:r>
               <a:rPr lang="zh-TW" altLang="en-US"/>
               <a:t>按一下以編輯母片標題樣式</a:t>
             </a:r>
-          </a:p>
-        </p:txBody>
-      </p:sp>
-      <p:sp>
-        <p:nvSpPr>
-          <p:cNvPr id="3" name="內容版面配置區 2">
-            <a:extLst>
-              <a:ext uri="{FF2B5EF4-FFF2-40B4-BE49-F238E27FC236}">
-                <a16:creationId xmlns:a16="http://schemas.microsoft.com/office/drawing/2014/main" id="{9FDE4E9B-689C-4373-B281-9636BE211982}"/>
-              </a:ext>
-            </a:extLst>
-          </p:cNvPr>
+            <a:endParaRPr lang="en-US" dirty="0"/>
+          </a:p>
+        </p:txBody>
+      </p:sp>
+      <p:sp>
+        <p:nvSpPr>
+          <p:cNvPr id="3" name="Content Placeholder 2"/>
           <p:cNvSpPr>
             <a:spLocks noGrp="1"/>
           </p:cNvSpPr>
@@ -1269,13 +2679,49 @@
         </p:nvSpPr>
         <p:spPr>
           <a:xfrm>
-            <a:off x="838200" y="1825625"/>
-            <a:ext cx="5181600" cy="4351338"/>
+            <a:off x="1371600" y="2285999"/>
+            <a:ext cx="4447786" cy="3581401"/>
           </a:xfrm>
         </p:spPr>
         <p:txBody>
           <a:bodyPr/>
-          <a:lstStyle/>
+          <a:lstStyle>
+            <a:lvl1pPr>
+              <a:defRPr baseline="0">
+                <a:solidFill>
+                  <a:schemeClr val="tx2"/>
+                </a:solidFill>
+              </a:defRPr>
+            </a:lvl1pPr>
+            <a:lvl2pPr>
+              <a:defRPr baseline="0">
+                <a:solidFill>
+                  <a:schemeClr val="tx2"/>
+                </a:solidFill>
+              </a:defRPr>
+            </a:lvl2pPr>
+            <a:lvl3pPr>
+              <a:defRPr baseline="0">
+                <a:solidFill>
+                  <a:schemeClr val="tx2"/>
+                </a:solidFill>
+              </a:defRPr>
+            </a:lvl3pPr>
+            <a:lvl4pPr>
+              <a:defRPr baseline="0">
+                <a:solidFill>
+                  <a:schemeClr val="tx2"/>
+                </a:solidFill>
+              </a:defRPr>
+            </a:lvl4pPr>
+            <a:lvl5pPr>
+              <a:defRPr baseline="0">
+                <a:solidFill>
+                  <a:schemeClr val="tx2"/>
+                </a:solidFill>
+              </a:defRPr>
+            </a:lvl5pPr>
+          </a:lstStyle>
           <a:p>
             <a:pPr lvl="0"/>
             <a:r>
@@ -1310,18 +2756,13 @@
               <a:rPr lang="zh-TW" altLang="en-US"/>
               <a:t>第五層</a:t>
             </a:r>
-          </a:p>
-        </p:txBody>
-      </p:sp>
-      <p:sp>
-        <p:nvSpPr>
-          <p:cNvPr id="4" name="內容版面配置區 3">
-            <a:extLst>
-              <a:ext uri="{FF2B5EF4-FFF2-40B4-BE49-F238E27FC236}">
-                <a16:creationId xmlns:a16="http://schemas.microsoft.com/office/drawing/2014/main" id="{CD25EC10-0BDA-4ECA-AB8E-059AC3378E22}"/>
-              </a:ext>
-            </a:extLst>
-          </p:cNvPr>
+            <a:endParaRPr lang="en-US" dirty="0"/>
+          </a:p>
+        </p:txBody>
+      </p:sp>
+      <p:sp>
+        <p:nvSpPr>
+          <p:cNvPr id="4" name="Content Placeholder 3"/>
           <p:cNvSpPr>
             <a:spLocks noGrp="1"/>
           </p:cNvSpPr>
@@ -1331,74 +2772,105 @@
         </p:nvSpPr>
         <p:spPr>
           <a:xfrm>
-            <a:off x="6172200" y="1825625"/>
-            <a:ext cx="5181600" cy="4351338"/>
+            <a:off x="6525403" y="2285999"/>
+            <a:ext cx="4447786" cy="3581401"/>
           </a:xfrm>
         </p:spPr>
         <p:txBody>
           <a:bodyPr/>
+          <a:lstStyle>
+            <a:lvl1pPr>
+              <a:defRPr>
+                <a:solidFill>
+                  <a:schemeClr val="tx2"/>
+                </a:solidFill>
+              </a:defRPr>
+            </a:lvl1pPr>
+            <a:lvl2pPr>
+              <a:defRPr>
+                <a:solidFill>
+                  <a:schemeClr val="tx2"/>
+                </a:solidFill>
+              </a:defRPr>
+            </a:lvl2pPr>
+            <a:lvl3pPr>
+              <a:defRPr>
+                <a:solidFill>
+                  <a:schemeClr val="tx2"/>
+                </a:solidFill>
+              </a:defRPr>
+            </a:lvl3pPr>
+            <a:lvl4pPr>
+              <a:defRPr>
+                <a:solidFill>
+                  <a:schemeClr val="tx2"/>
+                </a:solidFill>
+              </a:defRPr>
+            </a:lvl4pPr>
+            <a:lvl5pPr>
+              <a:defRPr>
+                <a:solidFill>
+                  <a:schemeClr val="tx2"/>
+                </a:solidFill>
+              </a:defRPr>
+            </a:lvl5pPr>
+          </a:lstStyle>
+          <a:p>
+            <a:pPr lvl="0"/>
+            <a:r>
+              <a:rPr lang="zh-TW" altLang="en-US"/>
+              <a:t>按一下以編輯母片文字樣式</a:t>
+            </a:r>
+          </a:p>
+          <a:p>
+            <a:pPr lvl="1"/>
+            <a:r>
+              <a:rPr lang="zh-TW" altLang="en-US"/>
+              <a:t>第二層</a:t>
+            </a:r>
+          </a:p>
+          <a:p>
+            <a:pPr lvl="2"/>
+            <a:r>
+              <a:rPr lang="zh-TW" altLang="en-US"/>
+              <a:t>第三層</a:t>
+            </a:r>
+          </a:p>
+          <a:p>
+            <a:pPr lvl="3"/>
+            <a:r>
+              <a:rPr lang="zh-TW" altLang="en-US"/>
+              <a:t>第四層</a:t>
+            </a:r>
+          </a:p>
+          <a:p>
+            <a:pPr lvl="4"/>
+            <a:r>
+              <a:rPr lang="zh-TW" altLang="en-US"/>
+              <a:t>第五層</a:t>
+            </a:r>
+            <a:endParaRPr lang="en-US" dirty="0"/>
+          </a:p>
+        </p:txBody>
+      </p:sp>
+      <p:sp>
+        <p:nvSpPr>
+          <p:cNvPr id="5" name="Date Placeholder 4"/>
+          <p:cNvSpPr>
+            <a:spLocks noGrp="1"/>
+          </p:cNvSpPr>
+          <p:nvPr>
+            <p:ph type="dt" sz="half" idx="10"/>
+          </p:nvPr>
+        </p:nvSpPr>
+        <p:spPr/>
+        <p:txBody>
+          <a:bodyPr/>
           <a:lstStyle/>
           <a:p>
-            <a:pPr lvl="0"/>
-            <a:r>
-              <a:rPr lang="zh-TW" altLang="en-US"/>
-              <a:t>按一下以編輯母片文字樣式</a:t>
-            </a:r>
-          </a:p>
-          <a:p>
-            <a:pPr lvl="1"/>
-            <a:r>
-              <a:rPr lang="zh-TW" altLang="en-US"/>
-              <a:t>第二層</a:t>
-            </a:r>
-          </a:p>
-          <a:p>
-            <a:pPr lvl="2"/>
-            <a:r>
-              <a:rPr lang="zh-TW" altLang="en-US"/>
-              <a:t>第三層</a:t>
-            </a:r>
-          </a:p>
-          <a:p>
-            <a:pPr lvl="3"/>
-            <a:r>
-              <a:rPr lang="zh-TW" altLang="en-US"/>
-              <a:t>第四層</a:t>
-            </a:r>
-          </a:p>
-          <a:p>
-            <a:pPr lvl="4"/>
-            <a:r>
-              <a:rPr lang="zh-TW" altLang="en-US"/>
-              <a:t>第五層</a:t>
-            </a:r>
-          </a:p>
-        </p:txBody>
-      </p:sp>
-      <p:sp>
-        <p:nvSpPr>
-          <p:cNvPr id="5" name="日期版面配置區 4">
-            <a:extLst>
-              <a:ext uri="{FF2B5EF4-FFF2-40B4-BE49-F238E27FC236}">
-                <a16:creationId xmlns:a16="http://schemas.microsoft.com/office/drawing/2014/main" id="{63DAF127-0983-4C38-869C-C0A513FA9147}"/>
-              </a:ext>
-            </a:extLst>
-          </p:cNvPr>
-          <p:cNvSpPr>
-            <a:spLocks noGrp="1"/>
-          </p:cNvSpPr>
-          <p:nvPr>
-            <p:ph type="dt" sz="half" idx="10"/>
-          </p:nvPr>
-        </p:nvSpPr>
-        <p:spPr/>
-        <p:txBody>
-          <a:bodyPr/>
-          <a:lstStyle/>
-          <a:p>
-            <a:fld id="{C3C90D7E-32D6-4894-AE08-7BBB3E610FC9}" type="datetimeFigureOut">
+            <a:fld id="{184AAABA-C1B6-4688-A4CA-61429140C7B4}" type="datetimeFigureOut">
               <a:rPr lang="zh-TW" altLang="en-US" smtClean="0"/>
-              <a:t>2024/9/16</a:t>
+              <a:t>2024/9/19</a:t>
             </a:fld>
             <a:endParaRPr lang="zh-TW" altLang="en-US"/>
           </a:p>
@@ -1406,13 +2878,7 @@
       </p:sp>
       <p:sp>
         <p:nvSpPr>
-          <p:cNvPr id="6" name="頁尾版面配置區 5">
-            <a:extLst>
-              <a:ext uri="{FF2B5EF4-FFF2-40B4-BE49-F238E27FC236}">
-                <a16:creationId xmlns:a16="http://schemas.microsoft.com/office/drawing/2014/main" id="{E014CBA6-CCE3-4CF4-8E13-D895EDBD8F25}"/>
-              </a:ext>
-            </a:extLst>
-          </p:cNvPr>
+          <p:cNvPr id="6" name="Footer Placeholder 5"/>
           <p:cNvSpPr>
             <a:spLocks noGrp="1"/>
           </p:cNvSpPr>
@@ -1431,13 +2897,7 @@
       </p:sp>
       <p:sp>
         <p:nvSpPr>
-          <p:cNvPr id="7" name="投影片編號版面配置區 6">
-            <a:extLst>
-              <a:ext uri="{FF2B5EF4-FFF2-40B4-BE49-F238E27FC236}">
-                <a16:creationId xmlns:a16="http://schemas.microsoft.com/office/drawing/2014/main" id="{5CEAA8E5-79B3-445E-B8C3-29BD56CE6D7A}"/>
-              </a:ext>
-            </a:extLst>
-          </p:cNvPr>
+          <p:cNvPr id="7" name="Slide Number Placeholder 6"/>
           <p:cNvSpPr>
             <a:spLocks noGrp="1"/>
           </p:cNvSpPr>
@@ -1450,7 +2910,7 @@
           <a:bodyPr/>
           <a:lstStyle/>
           <a:p>
-            <a:fld id="{E31EC408-072F-4346-BD0A-D6AA5788A305}" type="slidenum">
+            <a:fld id="{0B402C23-E9B2-44DD-96F4-996A93D268C2}" type="slidenum">
               <a:rPr lang="zh-TW" altLang="en-US" smtClean="0"/>
               <a:t>‹#›</a:t>
             </a:fld>
@@ -1461,7 +2921,7 @@
     </p:spTree>
     <p:extLst>
       <p:ext uri="{BB962C8B-B14F-4D97-AF65-F5344CB8AC3E}">
-        <p14:creationId xmlns:p14="http://schemas.microsoft.com/office/powerpoint/2010/main" val="3858213488"/>
+        <p14:creationId xmlns:p14="http://schemas.microsoft.com/office/powerpoint/2010/main" val="1629223427"/>
       </p:ext>
     </p:extLst>
   </p:cSld>
@@ -1490,13 +2950,7 @@
       </p:grpSpPr>
       <p:sp>
         <p:nvSpPr>
-          <p:cNvPr id="2" name="標題 1">
-            <a:extLst>
-              <a:ext uri="{FF2B5EF4-FFF2-40B4-BE49-F238E27FC236}">
-                <a16:creationId xmlns:a16="http://schemas.microsoft.com/office/drawing/2014/main" id="{A00F76B6-8DEC-4A74-A06A-BA0146321CD8}"/>
-              </a:ext>
-            </a:extLst>
-          </p:cNvPr>
+          <p:cNvPr id="2" name="Title 1"/>
           <p:cNvSpPr>
             <a:spLocks noGrp="1"/>
           </p:cNvSpPr>
@@ -1506,30 +2960,33 @@
         </p:nvSpPr>
         <p:spPr>
           <a:xfrm>
-            <a:off x="839788" y="365125"/>
-            <a:ext cx="10515600" cy="1325563"/>
+            <a:off x="1371600" y="685800"/>
+            <a:ext cx="9601200" cy="1485900"/>
           </a:xfrm>
         </p:spPr>
         <p:txBody>
           <a:bodyPr/>
-          <a:lstStyle/>
+          <a:lstStyle>
+            <a:lvl1pPr>
+              <a:defRPr>
+                <a:solidFill>
+                  <a:schemeClr val="tx2"/>
+                </a:solidFill>
+              </a:defRPr>
+            </a:lvl1pPr>
+          </a:lstStyle>
           <a:p>
             <a:r>
               <a:rPr lang="zh-TW" altLang="en-US"/>
               <a:t>按一下以編輯母片標題樣式</a:t>
             </a:r>
-          </a:p>
-        </p:txBody>
-      </p:sp>
-      <p:sp>
-        <p:nvSpPr>
-          <p:cNvPr id="3" name="文字版面配置區 2">
-            <a:extLst>
-              <a:ext uri="{FF2B5EF4-FFF2-40B4-BE49-F238E27FC236}">
-                <a16:creationId xmlns:a16="http://schemas.microsoft.com/office/drawing/2014/main" id="{EF00F5C5-99A7-4F16-855A-F170362659F7}"/>
-              </a:ext>
-            </a:extLst>
-          </p:cNvPr>
+            <a:endParaRPr lang="en-US" dirty="0"/>
+          </a:p>
+        </p:txBody>
+      </p:sp>
+      <p:sp>
+        <p:nvSpPr>
+          <p:cNvPr id="3" name="Text Placeholder 2"/>
           <p:cNvSpPr>
             <a:spLocks noGrp="1"/>
           </p:cNvSpPr>
@@ -1539,16 +2996,31 @@
         </p:nvSpPr>
         <p:spPr>
           <a:xfrm>
-            <a:off x="839788" y="1681163"/>
-            <a:ext cx="5157787" cy="823912"/>
+            <a:off x="1371600" y="2340864"/>
+            <a:ext cx="4443984" cy="823912"/>
           </a:xfrm>
         </p:spPr>
         <p:txBody>
-          <a:bodyPr anchor="b"/>
+          <a:bodyPr anchor="b">
+            <a:noAutofit/>
+          </a:bodyPr>
           <a:lstStyle>
             <a:lvl1pPr marL="0" indent="0">
+              <a:lnSpc>
+                <a:spcPct val="84000"/>
+              </a:lnSpc>
+              <a:spcBef>
+                <a:spcPts val="0"/>
+              </a:spcBef>
+              <a:spcAft>
+                <a:spcPts val="0"/>
+              </a:spcAft>
               <a:buNone/>
-              <a:defRPr sz="2400" b="1"/>
+              <a:defRPr sz="3000" b="0" baseline="0">
+                <a:solidFill>
+                  <a:schemeClr val="tx2"/>
+                </a:solidFill>
+              </a:defRPr>
             </a:lvl1pPr>
             <a:lvl2pPr marL="457200" indent="0">
               <a:buNone/>
@@ -1594,13 +3066,7 @@
       </p:sp>
       <p:sp>
         <p:nvSpPr>
-          <p:cNvPr id="4" name="內容版面配置區 3">
-            <a:extLst>
-              <a:ext uri="{FF2B5EF4-FFF2-40B4-BE49-F238E27FC236}">
-                <a16:creationId xmlns:a16="http://schemas.microsoft.com/office/drawing/2014/main" id="{6722BEB2-C9B4-4C14-8234-D17E84349984}"/>
-              </a:ext>
-            </a:extLst>
-          </p:cNvPr>
+          <p:cNvPr id="4" name="Content Placeholder 3"/>
           <p:cNvSpPr>
             <a:spLocks noGrp="1"/>
           </p:cNvSpPr>
@@ -1610,13 +3076,49 @@
         </p:nvSpPr>
         <p:spPr>
           <a:xfrm>
-            <a:off x="839788" y="2505075"/>
-            <a:ext cx="5157787" cy="3684588"/>
+            <a:off x="1371600" y="3305207"/>
+            <a:ext cx="4443984" cy="2562193"/>
           </a:xfrm>
         </p:spPr>
         <p:txBody>
           <a:bodyPr/>
-          <a:lstStyle/>
+          <a:lstStyle>
+            <a:lvl1pPr>
+              <a:defRPr baseline="0">
+                <a:solidFill>
+                  <a:schemeClr val="tx2"/>
+                </a:solidFill>
+              </a:defRPr>
+            </a:lvl1pPr>
+            <a:lvl2pPr>
+              <a:defRPr baseline="0">
+                <a:solidFill>
+                  <a:schemeClr val="tx2"/>
+                </a:solidFill>
+              </a:defRPr>
+            </a:lvl2pPr>
+            <a:lvl3pPr>
+              <a:defRPr baseline="0">
+                <a:solidFill>
+                  <a:schemeClr val="tx2"/>
+                </a:solidFill>
+              </a:defRPr>
+            </a:lvl3pPr>
+            <a:lvl4pPr>
+              <a:defRPr baseline="0">
+                <a:solidFill>
+                  <a:schemeClr val="tx2"/>
+                </a:solidFill>
+              </a:defRPr>
+            </a:lvl4pPr>
+            <a:lvl5pPr>
+              <a:defRPr baseline="0">
+                <a:solidFill>
+                  <a:schemeClr val="tx2"/>
+                </a:solidFill>
+              </a:defRPr>
+            </a:lvl5pPr>
+          </a:lstStyle>
           <a:p>
             <a:pPr lvl="0"/>
             <a:r>
@@ -1651,18 +3153,13 @@
               <a:rPr lang="zh-TW" altLang="en-US"/>
               <a:t>第五層</a:t>
             </a:r>
-          </a:p>
-        </p:txBody>
-      </p:sp>
-      <p:sp>
-        <p:nvSpPr>
-          <p:cNvPr id="5" name="文字版面配置區 4">
-            <a:extLst>
-              <a:ext uri="{FF2B5EF4-FFF2-40B4-BE49-F238E27FC236}">
-                <a16:creationId xmlns:a16="http://schemas.microsoft.com/office/drawing/2014/main" id="{E4A41162-A0AC-4211-940F-4B92208F9B0E}"/>
-              </a:ext>
-            </a:extLst>
-          </p:cNvPr>
+            <a:endParaRPr lang="en-US" dirty="0"/>
+          </a:p>
+        </p:txBody>
+      </p:sp>
+      <p:sp>
+        <p:nvSpPr>
+          <p:cNvPr id="5" name="Text Placeholder 4"/>
           <p:cNvSpPr>
             <a:spLocks noGrp="1"/>
           </p:cNvSpPr>
@@ -1672,16 +3169,31 @@
         </p:nvSpPr>
         <p:spPr>
           <a:xfrm>
-            <a:off x="6172200" y="1681163"/>
-            <a:ext cx="5183188" cy="823912"/>
+            <a:off x="6525014" y="2340864"/>
+            <a:ext cx="4443984" cy="823912"/>
           </a:xfrm>
         </p:spPr>
         <p:txBody>
-          <a:bodyPr anchor="b"/>
+          <a:bodyPr anchor="b">
+            <a:noAutofit/>
+          </a:bodyPr>
           <a:lstStyle>
             <a:lvl1pPr marL="0" indent="0">
+              <a:lnSpc>
+                <a:spcPct val="84000"/>
+              </a:lnSpc>
+              <a:spcBef>
+                <a:spcPts val="0"/>
+              </a:spcBef>
+              <a:spcAft>
+                <a:spcPts val="0"/>
+              </a:spcAft>
               <a:buNone/>
-              <a:defRPr sz="2400" b="1"/>
+              <a:defRPr sz="3000" b="0" baseline="0">
+                <a:solidFill>
+                  <a:schemeClr val="tx2"/>
+                </a:solidFill>
+              </a:defRPr>
             </a:lvl1pPr>
             <a:lvl2pPr marL="457200" indent="0">
               <a:buNone/>
@@ -1727,13 +3239,7 @@
       </p:sp>
       <p:sp>
         <p:nvSpPr>
-          <p:cNvPr id="6" name="內容版面配置區 5">
-            <a:extLst>
-              <a:ext uri="{FF2B5EF4-FFF2-40B4-BE49-F238E27FC236}">
-                <a16:creationId xmlns:a16="http://schemas.microsoft.com/office/drawing/2014/main" id="{E8EA159A-F9D7-4F58-A7C3-6E5B65E42266}"/>
-              </a:ext>
-            </a:extLst>
-          </p:cNvPr>
+          <p:cNvPr id="6" name="Content Placeholder 5"/>
           <p:cNvSpPr>
             <a:spLocks noGrp="1"/>
           </p:cNvSpPr>
@@ -1743,74 +3249,105 @@
         </p:nvSpPr>
         <p:spPr>
           <a:xfrm>
-            <a:off x="6172200" y="2505075"/>
-            <a:ext cx="5183188" cy="3684588"/>
+            <a:off x="6525014" y="3305207"/>
+            <a:ext cx="4443984" cy="2562193"/>
           </a:xfrm>
         </p:spPr>
         <p:txBody>
           <a:bodyPr/>
+          <a:lstStyle>
+            <a:lvl1pPr>
+              <a:defRPr baseline="0">
+                <a:solidFill>
+                  <a:schemeClr val="tx2"/>
+                </a:solidFill>
+              </a:defRPr>
+            </a:lvl1pPr>
+            <a:lvl2pPr>
+              <a:defRPr baseline="0">
+                <a:solidFill>
+                  <a:schemeClr val="tx2"/>
+                </a:solidFill>
+              </a:defRPr>
+            </a:lvl2pPr>
+            <a:lvl3pPr>
+              <a:defRPr baseline="0">
+                <a:solidFill>
+                  <a:schemeClr val="tx2"/>
+                </a:solidFill>
+              </a:defRPr>
+            </a:lvl3pPr>
+            <a:lvl4pPr>
+              <a:defRPr baseline="0">
+                <a:solidFill>
+                  <a:schemeClr val="tx2"/>
+                </a:solidFill>
+              </a:defRPr>
+            </a:lvl4pPr>
+            <a:lvl5pPr>
+              <a:defRPr baseline="0">
+                <a:solidFill>
+                  <a:schemeClr val="tx2"/>
+                </a:solidFill>
+              </a:defRPr>
+            </a:lvl5pPr>
+          </a:lstStyle>
+          <a:p>
+            <a:pPr lvl="0"/>
+            <a:r>
+              <a:rPr lang="zh-TW" altLang="en-US"/>
+              <a:t>按一下以編輯母片文字樣式</a:t>
+            </a:r>
+          </a:p>
+          <a:p>
+            <a:pPr lvl="1"/>
+            <a:r>
+              <a:rPr lang="zh-TW" altLang="en-US"/>
+              <a:t>第二層</a:t>
+            </a:r>
+          </a:p>
+          <a:p>
+            <a:pPr lvl="2"/>
+            <a:r>
+              <a:rPr lang="zh-TW" altLang="en-US"/>
+              <a:t>第三層</a:t>
+            </a:r>
+          </a:p>
+          <a:p>
+            <a:pPr lvl="3"/>
+            <a:r>
+              <a:rPr lang="zh-TW" altLang="en-US"/>
+              <a:t>第四層</a:t>
+            </a:r>
+          </a:p>
+          <a:p>
+            <a:pPr lvl="4"/>
+            <a:r>
+              <a:rPr lang="zh-TW" altLang="en-US"/>
+              <a:t>第五層</a:t>
+            </a:r>
+            <a:endParaRPr lang="en-US" dirty="0"/>
+          </a:p>
+        </p:txBody>
+      </p:sp>
+      <p:sp>
+        <p:nvSpPr>
+          <p:cNvPr id="7" name="Date Placeholder 6"/>
+          <p:cNvSpPr>
+            <a:spLocks noGrp="1"/>
+          </p:cNvSpPr>
+          <p:nvPr>
+            <p:ph type="dt" sz="half" idx="10"/>
+          </p:nvPr>
+        </p:nvSpPr>
+        <p:spPr/>
+        <p:txBody>
+          <a:bodyPr/>
           <a:lstStyle/>
           <a:p>
-            <a:pPr lvl="0"/>
-            <a:r>
-              <a:rPr lang="zh-TW" altLang="en-US"/>
-              <a:t>按一下以編輯母片文字樣式</a:t>
-            </a:r>
-          </a:p>
-          <a:p>
-            <a:pPr lvl="1"/>
-            <a:r>
-              <a:rPr lang="zh-TW" altLang="en-US"/>
-              <a:t>第二層</a:t>
-            </a:r>
-          </a:p>
-          <a:p>
-            <a:pPr lvl="2"/>
-            <a:r>
-              <a:rPr lang="zh-TW" altLang="en-US"/>
-              <a:t>第三層</a:t>
-            </a:r>
-          </a:p>
-          <a:p>
-            <a:pPr lvl="3"/>
-            <a:r>
-              <a:rPr lang="zh-TW" altLang="en-US"/>
-              <a:t>第四層</a:t>
-            </a:r>
-          </a:p>
-          <a:p>
-            <a:pPr lvl="4"/>
-            <a:r>
-              <a:rPr lang="zh-TW" altLang="en-US"/>
-              <a:t>第五層</a:t>
-            </a:r>
-          </a:p>
-        </p:txBody>
-      </p:sp>
-      <p:sp>
-        <p:nvSpPr>
-          <p:cNvPr id="7" name="日期版面配置區 6">
-            <a:extLst>
-              <a:ext uri="{FF2B5EF4-FFF2-40B4-BE49-F238E27FC236}">
-                <a16:creationId xmlns:a16="http://schemas.microsoft.com/office/drawing/2014/main" id="{AE973E80-9141-48B7-A9D7-605A4541768F}"/>
-              </a:ext>
-            </a:extLst>
-          </p:cNvPr>
-          <p:cNvSpPr>
-            <a:spLocks noGrp="1"/>
-          </p:cNvSpPr>
-          <p:nvPr>
-            <p:ph type="dt" sz="half" idx="10"/>
-          </p:nvPr>
-        </p:nvSpPr>
-        <p:spPr/>
-        <p:txBody>
-          <a:bodyPr/>
-          <a:lstStyle/>
-          <a:p>
-            <a:fld id="{C3C90D7E-32D6-4894-AE08-7BBB3E610FC9}" type="datetimeFigureOut">
+            <a:fld id="{184AAABA-C1B6-4688-A4CA-61429140C7B4}" type="datetimeFigureOut">
               <a:rPr lang="zh-TW" altLang="en-US" smtClean="0"/>
-              <a:t>2024/9/16</a:t>
+              <a:t>2024/9/19</a:t>
             </a:fld>
             <a:endParaRPr lang="zh-TW" altLang="en-US"/>
           </a:p>
@@ -1818,13 +3355,7 @@
       </p:sp>
       <p:sp>
         <p:nvSpPr>
-          <p:cNvPr id="8" name="頁尾版面配置區 7">
-            <a:extLst>
-              <a:ext uri="{FF2B5EF4-FFF2-40B4-BE49-F238E27FC236}">
-                <a16:creationId xmlns:a16="http://schemas.microsoft.com/office/drawing/2014/main" id="{6520B07A-79F8-43E7-8013-632DD2AED223}"/>
-              </a:ext>
-            </a:extLst>
-          </p:cNvPr>
+          <p:cNvPr id="8" name="Footer Placeholder 7"/>
           <p:cNvSpPr>
             <a:spLocks noGrp="1"/>
           </p:cNvSpPr>
@@ -1843,13 +3374,7 @@
       </p:sp>
       <p:sp>
         <p:nvSpPr>
-          <p:cNvPr id="9" name="投影片編號版面配置區 8">
-            <a:extLst>
-              <a:ext uri="{FF2B5EF4-FFF2-40B4-BE49-F238E27FC236}">
-                <a16:creationId xmlns:a16="http://schemas.microsoft.com/office/drawing/2014/main" id="{3B997D8F-4F1C-4DE6-A82C-3E0C38ACAE96}"/>
-              </a:ext>
-            </a:extLst>
-          </p:cNvPr>
+          <p:cNvPr id="9" name="Slide Number Placeholder 8"/>
           <p:cNvSpPr>
             <a:spLocks noGrp="1"/>
           </p:cNvSpPr>
@@ -1862,7 +3387,7 @@
           <a:bodyPr/>
           <a:lstStyle/>
           <a:p>
-            <a:fld id="{E31EC408-072F-4346-BD0A-D6AA5788A305}" type="slidenum">
+            <a:fld id="{0B402C23-E9B2-44DD-96F4-996A93D268C2}" type="slidenum">
               <a:rPr lang="zh-TW" altLang="en-US" smtClean="0"/>
               <a:t>‹#›</a:t>
             </a:fld>
@@ -1873,7 +3398,7 @@
     </p:spTree>
     <p:extLst>
       <p:ext uri="{BB962C8B-B14F-4D97-AF65-F5344CB8AC3E}">
-        <p14:creationId xmlns:p14="http://schemas.microsoft.com/office/powerpoint/2010/main" val="3379995638"/>
+        <p14:creationId xmlns:p14="http://schemas.microsoft.com/office/powerpoint/2010/main" val="3117848973"/>
       </p:ext>
     </p:extLst>
   </p:cSld>
@@ -1902,13 +3427,7 @@
       </p:grpSpPr>
       <p:sp>
         <p:nvSpPr>
-          <p:cNvPr id="2" name="標題 1">
-            <a:extLst>
-              <a:ext uri="{FF2B5EF4-FFF2-40B4-BE49-F238E27FC236}">
-                <a16:creationId xmlns:a16="http://schemas.microsoft.com/office/drawing/2014/main" id="{6CE04611-FD10-429D-89AA-73C259B64293}"/>
-              </a:ext>
-            </a:extLst>
-          </p:cNvPr>
+          <p:cNvPr id="2" name="Title 1"/>
           <p:cNvSpPr>
             <a:spLocks noGrp="1"/>
           </p:cNvSpPr>
@@ -1925,18 +3444,13 @@
               <a:rPr lang="zh-TW" altLang="en-US"/>
               <a:t>按一下以編輯母片標題樣式</a:t>
             </a:r>
-          </a:p>
-        </p:txBody>
-      </p:sp>
-      <p:sp>
-        <p:nvSpPr>
-          <p:cNvPr id="3" name="日期版面配置區 2">
-            <a:extLst>
-              <a:ext uri="{FF2B5EF4-FFF2-40B4-BE49-F238E27FC236}">
-                <a16:creationId xmlns:a16="http://schemas.microsoft.com/office/drawing/2014/main" id="{2D9009F3-A280-4DA8-ACC4-187DE2172BCA}"/>
-              </a:ext>
-            </a:extLst>
-          </p:cNvPr>
+            <a:endParaRPr lang="en-US" dirty="0"/>
+          </a:p>
+        </p:txBody>
+      </p:sp>
+      <p:sp>
+        <p:nvSpPr>
+          <p:cNvPr id="3" name="Date Placeholder 2"/>
           <p:cNvSpPr>
             <a:spLocks noGrp="1"/>
           </p:cNvSpPr>
@@ -1949,9 +3463,9 @@
           <a:bodyPr/>
           <a:lstStyle/>
           <a:p>
-            <a:fld id="{C3C90D7E-32D6-4894-AE08-7BBB3E610FC9}" type="datetimeFigureOut">
+            <a:fld id="{184AAABA-C1B6-4688-A4CA-61429140C7B4}" type="datetimeFigureOut">
               <a:rPr lang="zh-TW" altLang="en-US" smtClean="0"/>
-              <a:t>2024/9/16</a:t>
+              <a:t>2024/9/19</a:t>
             </a:fld>
             <a:endParaRPr lang="zh-TW" altLang="en-US"/>
           </a:p>
@@ -1959,13 +3473,7 @@
       </p:sp>
       <p:sp>
         <p:nvSpPr>
-          <p:cNvPr id="4" name="頁尾版面配置區 3">
-            <a:extLst>
-              <a:ext uri="{FF2B5EF4-FFF2-40B4-BE49-F238E27FC236}">
-                <a16:creationId xmlns:a16="http://schemas.microsoft.com/office/drawing/2014/main" id="{F8FD791E-F627-4DDB-AD69-F7639FDD1767}"/>
-              </a:ext>
-            </a:extLst>
-          </p:cNvPr>
+          <p:cNvPr id="4" name="Footer Placeholder 3"/>
           <p:cNvSpPr>
             <a:spLocks noGrp="1"/>
           </p:cNvSpPr>
@@ -1984,13 +3492,7 @@
       </p:sp>
       <p:sp>
         <p:nvSpPr>
-          <p:cNvPr id="5" name="投影片編號版面配置區 4">
-            <a:extLst>
-              <a:ext uri="{FF2B5EF4-FFF2-40B4-BE49-F238E27FC236}">
-                <a16:creationId xmlns:a16="http://schemas.microsoft.com/office/drawing/2014/main" id="{CE9C3C73-9A1B-4A20-B40C-BF8E0726E9AE}"/>
-              </a:ext>
-            </a:extLst>
-          </p:cNvPr>
+          <p:cNvPr id="5" name="Slide Number Placeholder 4"/>
           <p:cNvSpPr>
             <a:spLocks noGrp="1"/>
           </p:cNvSpPr>
@@ -2003,7 +3505,7 @@
           <a:bodyPr/>
           <a:lstStyle/>
           <a:p>
-            <a:fld id="{E31EC408-072F-4346-BD0A-D6AA5788A305}" type="slidenum">
+            <a:fld id="{0B402C23-E9B2-44DD-96F4-996A93D268C2}" type="slidenum">
               <a:rPr lang="zh-TW" altLang="en-US" smtClean="0"/>
               <a:t>‹#›</a:t>
             </a:fld>
@@ -2014,7 +3516,7 @@
     </p:spTree>
     <p:extLst>
       <p:ext uri="{BB962C8B-B14F-4D97-AF65-F5344CB8AC3E}">
-        <p14:creationId xmlns:p14="http://schemas.microsoft.com/office/powerpoint/2010/main" val="3116621787"/>
+        <p14:creationId xmlns:p14="http://schemas.microsoft.com/office/powerpoint/2010/main" val="2757560947"/>
       </p:ext>
     </p:extLst>
   </p:cSld>
@@ -2043,13 +3545,7 @@
       </p:grpSpPr>
       <p:sp>
         <p:nvSpPr>
-          <p:cNvPr id="2" name="日期版面配置區 1">
-            <a:extLst>
-              <a:ext uri="{FF2B5EF4-FFF2-40B4-BE49-F238E27FC236}">
-                <a16:creationId xmlns:a16="http://schemas.microsoft.com/office/drawing/2014/main" id="{1E1D8EED-F2A7-4221-9887-0DBB62EB3F80}"/>
-              </a:ext>
-            </a:extLst>
-          </p:cNvPr>
+          <p:cNvPr id="2" name="Date Placeholder 1"/>
           <p:cNvSpPr>
             <a:spLocks noGrp="1"/>
           </p:cNvSpPr>
@@ -2062,9 +3558,9 @@
           <a:bodyPr/>
           <a:lstStyle/>
           <a:p>
-            <a:fld id="{C3C90D7E-32D6-4894-AE08-7BBB3E610FC9}" type="datetimeFigureOut">
+            <a:fld id="{184AAABA-C1B6-4688-A4CA-61429140C7B4}" type="datetimeFigureOut">
               <a:rPr lang="zh-TW" altLang="en-US" smtClean="0"/>
-              <a:t>2024/9/16</a:t>
+              <a:t>2024/9/19</a:t>
             </a:fld>
             <a:endParaRPr lang="zh-TW" altLang="en-US"/>
           </a:p>
@@ -2072,13 +3568,7 @@
       </p:sp>
       <p:sp>
         <p:nvSpPr>
-          <p:cNvPr id="3" name="頁尾版面配置區 2">
-            <a:extLst>
-              <a:ext uri="{FF2B5EF4-FFF2-40B4-BE49-F238E27FC236}">
-                <a16:creationId xmlns:a16="http://schemas.microsoft.com/office/drawing/2014/main" id="{10593B39-DC86-45A7-85EF-B4DB9C28DC80}"/>
-              </a:ext>
-            </a:extLst>
-          </p:cNvPr>
+          <p:cNvPr id="3" name="Footer Placeholder 2"/>
           <p:cNvSpPr>
             <a:spLocks noGrp="1"/>
           </p:cNvSpPr>
@@ -2097,13 +3587,7 @@
       </p:sp>
       <p:sp>
         <p:nvSpPr>
-          <p:cNvPr id="4" name="投影片編號版面配置區 3">
-            <a:extLst>
-              <a:ext uri="{FF2B5EF4-FFF2-40B4-BE49-F238E27FC236}">
-                <a16:creationId xmlns:a16="http://schemas.microsoft.com/office/drawing/2014/main" id="{3D9056B2-6966-4CAF-94D1-2295A737E168}"/>
-              </a:ext>
-            </a:extLst>
-          </p:cNvPr>
+          <p:cNvPr id="4" name="Slide Number Placeholder 3"/>
           <p:cNvSpPr>
             <a:spLocks noGrp="1"/>
           </p:cNvSpPr>
@@ -2116,7 +3600,7 @@
           <a:bodyPr/>
           <a:lstStyle/>
           <a:p>
-            <a:fld id="{E31EC408-072F-4346-BD0A-D6AA5788A305}" type="slidenum">
+            <a:fld id="{0B402C23-E9B2-44DD-96F4-996A93D268C2}" type="slidenum">
               <a:rPr lang="zh-TW" altLang="en-US" smtClean="0"/>
               <a:t>‹#›</a:t>
             </a:fld>
@@ -2127,7 +3611,7 @@
     </p:spTree>
     <p:extLst>
       <p:ext uri="{BB962C8B-B14F-4D97-AF65-F5344CB8AC3E}">
-        <p14:creationId xmlns:p14="http://schemas.microsoft.com/office/powerpoint/2010/main" val="3887241942"/>
+        <p14:creationId xmlns:p14="http://schemas.microsoft.com/office/powerpoint/2010/main" val="2389286596"/>
       </p:ext>
     </p:extLst>
   </p:cSld>
@@ -2138,7 +3622,7 @@
 </file>
 
 <file path=ppt/slideLayouts/slideLayout8.xml><?xml version="1.0" encoding="utf-8"?>
-<p:sldLayout xmlns:a="http://schemas.openxmlformats.org/drawingml/2006/main" xmlns:r="http://schemas.openxmlformats.org/officeDocument/2006/relationships" xmlns:p="http://schemas.openxmlformats.org/presentationml/2006/main" type="objTx" preserve="1">
+<p:sldLayout xmlns:a="http://schemas.openxmlformats.org/drawingml/2006/main" xmlns:r="http://schemas.openxmlformats.org/officeDocument/2006/relationships" xmlns:p="http://schemas.openxmlformats.org/presentationml/2006/main" showMasterSp="0" type="objTx" preserve="1">
   <p:cSld name="含輔助字幕的內容">
     <p:spTree>
       <p:nvGrpSpPr>
@@ -2156,31 +3640,72 @@
       </p:grpSpPr>
       <p:sp>
         <p:nvSpPr>
-          <p:cNvPr id="2" name="標題 1">
-            <a:extLst>
-              <a:ext uri="{FF2B5EF4-FFF2-40B4-BE49-F238E27FC236}">
-                <a16:creationId xmlns:a16="http://schemas.microsoft.com/office/drawing/2014/main" id="{5C3076DF-D16B-4600-9550-96C6A8DD7F1A}"/>
-              </a:ext>
-            </a:extLst>
-          </p:cNvPr>
-          <p:cNvSpPr>
-            <a:spLocks noGrp="1"/>
-          </p:cNvSpPr>
-          <p:nvPr>
-            <p:ph type="title"/>
-          </p:nvPr>
+          <p:cNvPr id="8" name="Rectangle 7" title="Background Shape"/>
+          <p:cNvSpPr/>
+          <p:nvPr/>
         </p:nvSpPr>
         <p:spPr>
           <a:xfrm>
-            <a:off x="839788" y="457200"/>
-            <a:ext cx="3932237" cy="1600200"/>
+            <a:off x="0" y="376"/>
+            <a:ext cx="5303520" cy="6857624"/>
+          </a:xfrm>
+          <a:prstGeom prst="rect">
+            <a:avLst/>
+          </a:prstGeom>
+          <a:solidFill>
+            <a:schemeClr val="accent1"/>
+          </a:solidFill>
+          <a:ln>
+            <a:noFill/>
+          </a:ln>
+        </p:spPr>
+        <p:style>
+          <a:lnRef idx="2">
+            <a:schemeClr val="accent1">
+              <a:shade val="50000"/>
+            </a:schemeClr>
+          </a:lnRef>
+          <a:fillRef idx="1">
+            <a:schemeClr val="accent1"/>
+          </a:fillRef>
+          <a:effectRef idx="0">
+            <a:schemeClr val="accent1"/>
+          </a:effectRef>
+          <a:fontRef idx="minor">
+            <a:schemeClr val="lt1"/>
+          </a:fontRef>
+        </p:style>
+      </p:sp>
+      <p:sp>
+        <p:nvSpPr>
+          <p:cNvPr id="2" name="Title 1"/>
+          <p:cNvSpPr>
+            <a:spLocks noGrp="1"/>
+          </p:cNvSpPr>
+          <p:nvPr>
+            <p:ph type="title"/>
+          </p:nvPr>
+        </p:nvSpPr>
+        <p:spPr>
+          <a:xfrm>
+            <a:off x="723900" y="685800"/>
+            <a:ext cx="3855720" cy="2157884"/>
           </a:xfrm>
         </p:spPr>
         <p:txBody>
-          <a:bodyPr anchor="b"/>
+          <a:bodyPr anchor="t">
+            <a:noAutofit/>
+          </a:bodyPr>
           <a:lstStyle>
             <a:lvl1pPr>
-              <a:defRPr sz="3200"/>
+              <a:lnSpc>
+                <a:spcPct val="84000"/>
+              </a:lnSpc>
+              <a:defRPr sz="4800" baseline="0">
+                <a:solidFill>
+                  <a:schemeClr val="tx2"/>
+                </a:solidFill>
+              </a:defRPr>
             </a:lvl1pPr>
           </a:lstStyle>
           <a:p>
@@ -2188,18 +3713,13 @@
               <a:rPr lang="zh-TW" altLang="en-US"/>
               <a:t>按一下以編輯母片標題樣式</a:t>
             </a:r>
-          </a:p>
-        </p:txBody>
-      </p:sp>
-      <p:sp>
-        <p:nvSpPr>
-          <p:cNvPr id="3" name="內容版面配置區 2">
-            <a:extLst>
-              <a:ext uri="{FF2B5EF4-FFF2-40B4-BE49-F238E27FC236}">
-                <a16:creationId xmlns:a16="http://schemas.microsoft.com/office/drawing/2014/main" id="{9CD3D667-FDE5-4F5D-9495-588EC18912CE}"/>
-              </a:ext>
-            </a:extLst>
-          </p:cNvPr>
+            <a:endParaRPr lang="en-US" dirty="0"/>
+          </a:p>
+        </p:txBody>
+      </p:sp>
+      <p:sp>
+        <p:nvSpPr>
+          <p:cNvPr id="3" name="Content Placeholder 2"/>
           <p:cNvSpPr>
             <a:spLocks noGrp="1"/>
           </p:cNvSpPr>
@@ -2209,39 +3729,39 @@
         </p:nvSpPr>
         <p:spPr>
           <a:xfrm>
-            <a:off x="5183188" y="987425"/>
-            <a:ext cx="6172200" cy="4873625"/>
+            <a:off x="6256020" y="685801"/>
+            <a:ext cx="5212080" cy="5175250"/>
           </a:xfrm>
         </p:spPr>
         <p:txBody>
           <a:bodyPr/>
           <a:lstStyle>
             <a:lvl1pPr>
-              <a:defRPr sz="3200"/>
+              <a:defRPr sz="2000"/>
             </a:lvl1pPr>
             <a:lvl2pPr>
-              <a:defRPr sz="2800"/>
+              <a:defRPr sz="2000"/>
             </a:lvl2pPr>
             <a:lvl3pPr>
-              <a:defRPr sz="2400"/>
+              <a:defRPr sz="1800"/>
             </a:lvl3pPr>
             <a:lvl4pPr>
-              <a:defRPr sz="2000"/>
+              <a:defRPr sz="1800"/>
             </a:lvl4pPr>
             <a:lvl5pPr>
-              <a:defRPr sz="2000"/>
+              <a:defRPr sz="1600"/>
             </a:lvl5pPr>
             <a:lvl6pPr>
-              <a:defRPr sz="2000"/>
+              <a:defRPr sz="1600"/>
             </a:lvl6pPr>
             <a:lvl7pPr>
-              <a:defRPr sz="2000"/>
+              <a:defRPr sz="1600"/>
             </a:lvl7pPr>
             <a:lvl8pPr>
-              <a:defRPr sz="2000"/>
+              <a:defRPr sz="1600"/>
             </a:lvl8pPr>
             <a:lvl9pPr>
-              <a:defRPr sz="2000"/>
+              <a:defRPr sz="1600"/>
             </a:lvl9pPr>
           </a:lstStyle>
           <a:p>
@@ -2278,18 +3798,13 @@
               <a:rPr lang="zh-TW" altLang="en-US"/>
               <a:t>第五層</a:t>
             </a:r>
-          </a:p>
-        </p:txBody>
-      </p:sp>
-      <p:sp>
-        <p:nvSpPr>
-          <p:cNvPr id="4" name="文字版面配置區 3">
-            <a:extLst>
-              <a:ext uri="{FF2B5EF4-FFF2-40B4-BE49-F238E27FC236}">
-                <a16:creationId xmlns:a16="http://schemas.microsoft.com/office/drawing/2014/main" id="{22F511E7-BEEF-4F51-BA0E-52C1908D5608}"/>
-              </a:ext>
-            </a:extLst>
-          </p:cNvPr>
+            <a:endParaRPr lang="en-US" dirty="0"/>
+          </a:p>
+        </p:txBody>
+      </p:sp>
+      <p:sp>
+        <p:nvSpPr>
+          <p:cNvPr id="4" name="Text Placeholder 3"/>
           <p:cNvSpPr>
             <a:spLocks noGrp="1"/>
           </p:cNvSpPr>
@@ -2299,14 +3814,23 @@
         </p:nvSpPr>
         <p:spPr>
           <a:xfrm>
-            <a:off x="839788" y="2057400"/>
-            <a:ext cx="3932237" cy="3811588"/>
+            <a:off x="723900" y="2856344"/>
+            <a:ext cx="3855720" cy="3011056"/>
           </a:xfrm>
         </p:spPr>
         <p:txBody>
           <a:bodyPr/>
           <a:lstStyle>
             <a:lvl1pPr marL="0" indent="0">
+              <a:lnSpc>
+                <a:spcPct val="113000"/>
+              </a:lnSpc>
+              <a:spcBef>
+                <a:spcPts val="0"/>
+              </a:spcBef>
+              <a:spcAft>
+                <a:spcPts val="1500"/>
+              </a:spcAft>
               <a:buNone/>
               <a:defRPr sz="1600"/>
             </a:lvl1pPr>
@@ -2354,13 +3878,7 @@
       </p:sp>
       <p:sp>
         <p:nvSpPr>
-          <p:cNvPr id="5" name="日期版面配置區 4">
-            <a:extLst>
-              <a:ext uri="{FF2B5EF4-FFF2-40B4-BE49-F238E27FC236}">
-                <a16:creationId xmlns:a16="http://schemas.microsoft.com/office/drawing/2014/main" id="{88060697-A92E-4178-A790-FCBB90D70573}"/>
-              </a:ext>
-            </a:extLst>
-          </p:cNvPr>
+          <p:cNvPr id="5" name="Date Placeholder 4"/>
           <p:cNvSpPr>
             <a:spLocks noGrp="1"/>
           </p:cNvSpPr>
@@ -2368,14 +3886,27 @@
             <p:ph type="dt" sz="half" idx="10"/>
           </p:nvPr>
         </p:nvSpPr>
-        <p:spPr/>
-        <p:txBody>
-          <a:bodyPr/>
-          <a:lstStyle/>
-          <a:p>
-            <a:fld id="{C3C90D7E-32D6-4894-AE08-7BBB3E610FC9}" type="datetimeFigureOut">
+        <p:spPr>
+          <a:xfrm>
+            <a:off x="723900" y="6453386"/>
+            <a:ext cx="1204572" cy="404614"/>
+          </a:xfrm>
+        </p:spPr>
+        <p:txBody>
+          <a:bodyPr/>
+          <a:lstStyle>
+            <a:lvl1pPr>
+              <a:defRPr>
+                <a:solidFill>
+                  <a:schemeClr val="tx2"/>
+                </a:solidFill>
+              </a:defRPr>
+            </a:lvl1pPr>
+          </a:lstStyle>
+          <a:p>
+            <a:fld id="{184AAABA-C1B6-4688-A4CA-61429140C7B4}" type="datetimeFigureOut">
               <a:rPr lang="zh-TW" altLang="en-US" smtClean="0"/>
-              <a:t>2024/9/16</a:t>
+              <a:t>2024/9/19</a:t>
             </a:fld>
             <a:endParaRPr lang="zh-TW" altLang="en-US"/>
           </a:p>
@@ -2383,13 +3914,7 @@
       </p:sp>
       <p:sp>
         <p:nvSpPr>
-          <p:cNvPr id="6" name="頁尾版面配置區 5">
-            <a:extLst>
-              <a:ext uri="{FF2B5EF4-FFF2-40B4-BE49-F238E27FC236}">
-                <a16:creationId xmlns:a16="http://schemas.microsoft.com/office/drawing/2014/main" id="{2A8E3F57-A99A-4C4C-BF14-EE42AB99CE78}"/>
-              </a:ext>
-            </a:extLst>
-          </p:cNvPr>
+          <p:cNvPr id="6" name="Footer Placeholder 5"/>
           <p:cNvSpPr>
             <a:spLocks noGrp="1"/>
           </p:cNvSpPr>
@@ -2397,10 +3922,23 @@
             <p:ph type="ftr" sz="quarter" idx="11"/>
           </p:nvPr>
         </p:nvSpPr>
-        <p:spPr/>
-        <p:txBody>
-          <a:bodyPr/>
-          <a:lstStyle/>
+        <p:spPr>
+          <a:xfrm>
+            <a:off x="2205945" y="6453386"/>
+            <a:ext cx="2373675" cy="404614"/>
+          </a:xfrm>
+        </p:spPr>
+        <p:txBody>
+          <a:bodyPr/>
+          <a:lstStyle>
+            <a:lvl1pPr>
+              <a:defRPr>
+                <a:solidFill>
+                  <a:schemeClr val="tx2"/>
+                </a:solidFill>
+              </a:defRPr>
+            </a:lvl1pPr>
+          </a:lstStyle>
           <a:p>
             <a:endParaRPr lang="zh-TW" altLang="en-US"/>
           </a:p>
@@ -2408,13 +3946,7 @@
       </p:sp>
       <p:sp>
         <p:nvSpPr>
-          <p:cNvPr id="7" name="投影片編號版面配置區 6">
-            <a:extLst>
-              <a:ext uri="{FF2B5EF4-FFF2-40B4-BE49-F238E27FC236}">
-                <a16:creationId xmlns:a16="http://schemas.microsoft.com/office/drawing/2014/main" id="{39234440-6924-48D7-AC1A-200D5946BCA9}"/>
-              </a:ext>
-            </a:extLst>
-          </p:cNvPr>
+          <p:cNvPr id="7" name="Slide Number Placeholder 6"/>
           <p:cNvSpPr>
             <a:spLocks noGrp="1"/>
           </p:cNvSpPr>
@@ -2422,12 +3954,25 @@
             <p:ph type="sldNum" sz="quarter" idx="12"/>
           </p:nvPr>
         </p:nvSpPr>
-        <p:spPr/>
-        <p:txBody>
-          <a:bodyPr/>
-          <a:lstStyle/>
-          <a:p>
-            <a:fld id="{E31EC408-072F-4346-BD0A-D6AA5788A305}" type="slidenum">
+        <p:spPr>
+          <a:xfrm>
+            <a:off x="9883140" y="6453386"/>
+            <a:ext cx="1596292" cy="404614"/>
+          </a:xfrm>
+        </p:spPr>
+        <p:txBody>
+          <a:bodyPr/>
+          <a:lstStyle>
+            <a:lvl1pPr>
+              <a:defRPr>
+                <a:solidFill>
+                  <a:schemeClr val="tx2"/>
+                </a:solidFill>
+              </a:defRPr>
+            </a:lvl1pPr>
+          </a:lstStyle>
+          <a:p>
+            <a:fld id="{0B402C23-E9B2-44DD-96F4-996A93D268C2}" type="slidenum">
               <a:rPr lang="zh-TW" altLang="en-US" smtClean="0"/>
               <a:t>‹#›</a:t>
             </a:fld>
@@ -2435,10 +3980,48 @@
           </a:p>
         </p:txBody>
       </p:sp>
+      <p:sp>
+        <p:nvSpPr>
+          <p:cNvPr id="9" name="Rectangle 8" title="Divider Bar"/>
+          <p:cNvSpPr/>
+          <p:nvPr/>
+        </p:nvSpPr>
+        <p:spPr>
+          <a:xfrm>
+            <a:off x="5303520" y="376"/>
+            <a:ext cx="228600" cy="6858000"/>
+          </a:xfrm>
+          <a:prstGeom prst="rect">
+            <a:avLst/>
+          </a:prstGeom>
+          <a:solidFill>
+            <a:schemeClr val="tx2"/>
+          </a:solidFill>
+          <a:ln>
+            <a:noFill/>
+          </a:ln>
+        </p:spPr>
+        <p:style>
+          <a:lnRef idx="2">
+            <a:schemeClr val="accent1">
+              <a:shade val="50000"/>
+            </a:schemeClr>
+          </a:lnRef>
+          <a:fillRef idx="1">
+            <a:schemeClr val="accent1"/>
+          </a:fillRef>
+          <a:effectRef idx="0">
+            <a:schemeClr val="accent1"/>
+          </a:effectRef>
+          <a:fontRef idx="minor">
+            <a:schemeClr val="lt1"/>
+          </a:fontRef>
+        </p:style>
+      </p:sp>
     </p:spTree>
     <p:extLst>
       <p:ext uri="{BB962C8B-B14F-4D97-AF65-F5344CB8AC3E}">
-        <p14:creationId xmlns:p14="http://schemas.microsoft.com/office/powerpoint/2010/main" val="2036183199"/>
+        <p14:creationId xmlns:p14="http://schemas.microsoft.com/office/powerpoint/2010/main" val="4240780451"/>
       </p:ext>
     </p:extLst>
   </p:cSld>
@@ -2449,7 +4032,7 @@
 </file>
 
 <file path=ppt/slideLayouts/slideLayout9.xml><?xml version="1.0" encoding="utf-8"?>
-<p:sldLayout xmlns:a="http://schemas.openxmlformats.org/drawingml/2006/main" xmlns:r="http://schemas.openxmlformats.org/officeDocument/2006/relationships" xmlns:p="http://schemas.openxmlformats.org/presentationml/2006/main" type="picTx" preserve="1">
+<p:sldLayout xmlns:a="http://schemas.openxmlformats.org/drawingml/2006/main" xmlns:r="http://schemas.openxmlformats.org/officeDocument/2006/relationships" xmlns:p="http://schemas.openxmlformats.org/presentationml/2006/main" showMasterSp="0" type="picTx" preserve="1">
   <p:cSld name="含輔助字幕的圖片">
     <p:spTree>
       <p:nvGrpSpPr>
@@ -2467,31 +4050,68 @@
       </p:grpSpPr>
       <p:sp>
         <p:nvSpPr>
-          <p:cNvPr id="2" name="標題 1">
-            <a:extLst>
-              <a:ext uri="{FF2B5EF4-FFF2-40B4-BE49-F238E27FC236}">
-                <a16:creationId xmlns:a16="http://schemas.microsoft.com/office/drawing/2014/main" id="{B2E81694-0B93-4D65-9DA3-21597478A96C}"/>
-              </a:ext>
-            </a:extLst>
-          </p:cNvPr>
-          <p:cNvSpPr>
-            <a:spLocks noGrp="1"/>
-          </p:cNvSpPr>
-          <p:nvPr>
-            <p:ph type="title"/>
-          </p:nvPr>
+          <p:cNvPr id="8" name="Rectangle 7" title="Background Shape"/>
+          <p:cNvSpPr/>
+          <p:nvPr/>
         </p:nvSpPr>
         <p:spPr>
           <a:xfrm>
-            <a:off x="839788" y="457200"/>
-            <a:ext cx="3932237" cy="1600200"/>
+            <a:off x="0" y="376"/>
+            <a:ext cx="5303520" cy="6857624"/>
+          </a:xfrm>
+          <a:prstGeom prst="rect">
+            <a:avLst/>
+          </a:prstGeom>
+          <a:solidFill>
+            <a:schemeClr val="accent1"/>
+          </a:solidFill>
+          <a:ln>
+            <a:noFill/>
+          </a:ln>
+        </p:spPr>
+        <p:style>
+          <a:lnRef idx="2">
+            <a:schemeClr val="accent1">
+              <a:shade val="50000"/>
+            </a:schemeClr>
+          </a:lnRef>
+          <a:fillRef idx="1">
+            <a:schemeClr val="accent1"/>
+          </a:fillRef>
+          <a:effectRef idx="0">
+            <a:schemeClr val="accent1"/>
+          </a:effectRef>
+          <a:fontRef idx="minor">
+            <a:schemeClr val="lt1"/>
+          </a:fontRef>
+        </p:style>
+      </p:sp>
+      <p:sp>
+        <p:nvSpPr>
+          <p:cNvPr id="2" name="Title 1"/>
+          <p:cNvSpPr>
+            <a:spLocks noGrp="1"/>
+          </p:cNvSpPr>
+          <p:nvPr>
+            <p:ph type="title"/>
+          </p:nvPr>
+        </p:nvSpPr>
+        <p:spPr>
+          <a:xfrm>
+            <a:off x="723900" y="685800"/>
+            <a:ext cx="3855720" cy="2157884"/>
           </a:xfrm>
         </p:spPr>
         <p:txBody>
-          <a:bodyPr anchor="b"/>
+          <a:bodyPr anchor="t">
+            <a:normAutofit/>
+          </a:bodyPr>
           <a:lstStyle>
             <a:lvl1pPr>
-              <a:defRPr sz="3200"/>
+              <a:lnSpc>
+                <a:spcPct val="84000"/>
+              </a:lnSpc>
+              <a:defRPr sz="4800" baseline="0"/>
             </a:lvl1pPr>
           </a:lstStyle>
           <a:p>
@@ -2499,20 +4119,15 @@
               <a:rPr lang="zh-TW" altLang="en-US"/>
               <a:t>按一下以編輯母片標題樣式</a:t>
             </a:r>
-          </a:p>
-        </p:txBody>
-      </p:sp>
-      <p:sp>
-        <p:nvSpPr>
-          <p:cNvPr id="3" name="圖片版面配置區 2">
-            <a:extLst>
-              <a:ext uri="{FF2B5EF4-FFF2-40B4-BE49-F238E27FC236}">
-                <a16:creationId xmlns:a16="http://schemas.microsoft.com/office/drawing/2014/main" id="{23E4D718-8CB0-4334-BB8A-FB8B57D7CDC6}"/>
-              </a:ext>
-            </a:extLst>
-          </p:cNvPr>
-          <p:cNvSpPr>
-            <a:spLocks noGrp="1"/>
+            <a:endParaRPr lang="en-US" dirty="0"/>
+          </a:p>
+        </p:txBody>
+      </p:sp>
+      <p:sp>
+        <p:nvSpPr>
+          <p:cNvPr id="3" name="Picture Placeholder 2"/>
+          <p:cNvSpPr>
+            <a:spLocks noGrp="1" noChangeAspect="1"/>
           </p:cNvSpPr>
           <p:nvPr>
             <p:ph type="pic" idx="1"/>
@@ -2520,24 +4135,26 @@
         </p:nvSpPr>
         <p:spPr>
           <a:xfrm>
-            <a:off x="5183188" y="987425"/>
-            <a:ext cx="6172200" cy="4873625"/>
+            <a:off x="5532120" y="0"/>
+            <a:ext cx="6659880" cy="6857999"/>
           </a:xfrm>
         </p:spPr>
         <p:txBody>
-          <a:bodyPr/>
+          <a:bodyPr anchor="t">
+            <a:normAutofit/>
+          </a:bodyPr>
           <a:lstStyle>
             <a:lvl1pPr marL="0" indent="0">
               <a:buNone/>
-              <a:defRPr sz="3200"/>
+              <a:defRPr sz="2000"/>
             </a:lvl1pPr>
             <a:lvl2pPr marL="457200" indent="0">
               <a:buNone/>
-              <a:defRPr sz="2800"/>
+              <a:defRPr sz="2000"/>
             </a:lvl2pPr>
             <a:lvl3pPr marL="914400" indent="0">
               <a:buNone/>
-              <a:defRPr sz="2400"/>
+              <a:defRPr sz="2000"/>
             </a:lvl3pPr>
             <a:lvl4pPr marL="1371600" indent="0">
               <a:buNone/>
@@ -2565,19 +4182,17 @@
             </a:lvl9pPr>
           </a:lstStyle>
           <a:p>
-            <a:endParaRPr lang="zh-TW" altLang="en-US"/>
-          </a:p>
-        </p:txBody>
-      </p:sp>
-      <p:sp>
-        <p:nvSpPr>
-          <p:cNvPr id="4" name="文字版面配置區 3">
-            <a:extLst>
-              <a:ext uri="{FF2B5EF4-FFF2-40B4-BE49-F238E27FC236}">
-                <a16:creationId xmlns:a16="http://schemas.microsoft.com/office/drawing/2014/main" id="{0DC47463-53E7-4FE3-B60B-1657D11127BD}"/>
-              </a:ext>
-            </a:extLst>
-          </p:cNvPr>
+            <a:r>
+              <a:rPr lang="zh-TW" altLang="en-US"/>
+              <a:t>按一下圖示以新增圖片</a:t>
+            </a:r>
+            <a:endParaRPr lang="en-US" dirty="0"/>
+          </a:p>
+        </p:txBody>
+      </p:sp>
+      <p:sp>
+        <p:nvSpPr>
+          <p:cNvPr id="4" name="Text Placeholder 3"/>
           <p:cNvSpPr>
             <a:spLocks noGrp="1"/>
           </p:cNvSpPr>
@@ -2587,14 +4202,23 @@
         </p:nvSpPr>
         <p:spPr>
           <a:xfrm>
-            <a:off x="839788" y="2057400"/>
-            <a:ext cx="3932237" cy="3811588"/>
+            <a:off x="723900" y="2855968"/>
+            <a:ext cx="3855720" cy="3011432"/>
           </a:xfrm>
         </p:spPr>
         <p:txBody>
           <a:bodyPr/>
           <a:lstStyle>
             <a:lvl1pPr marL="0" indent="0">
+              <a:lnSpc>
+                <a:spcPct val="113000"/>
+              </a:lnSpc>
+              <a:spcBef>
+                <a:spcPts val="0"/>
+              </a:spcBef>
+              <a:spcAft>
+                <a:spcPts val="1500"/>
+              </a:spcAft>
               <a:buNone/>
               <a:defRPr sz="1600"/>
             </a:lvl1pPr>
@@ -2642,13 +4266,7 @@
       </p:sp>
       <p:sp>
         <p:nvSpPr>
-          <p:cNvPr id="5" name="日期版面配置區 4">
-            <a:extLst>
-              <a:ext uri="{FF2B5EF4-FFF2-40B4-BE49-F238E27FC236}">
-                <a16:creationId xmlns:a16="http://schemas.microsoft.com/office/drawing/2014/main" id="{28875DC5-6AFF-40C0-8C77-F81A0A3E1B0F}"/>
-              </a:ext>
-            </a:extLst>
-          </p:cNvPr>
+          <p:cNvPr id="5" name="Date Placeholder 4"/>
           <p:cNvSpPr>
             <a:spLocks noGrp="1"/>
           </p:cNvSpPr>
@@ -2656,14 +4274,27 @@
             <p:ph type="dt" sz="half" idx="10"/>
           </p:nvPr>
         </p:nvSpPr>
-        <p:spPr/>
-        <p:txBody>
-          <a:bodyPr/>
-          <a:lstStyle/>
-          <a:p>
-            <a:fld id="{C3C90D7E-32D6-4894-AE08-7BBB3E610FC9}" type="datetimeFigureOut">
+        <p:spPr>
+          <a:xfrm>
+            <a:off x="723900" y="6453386"/>
+            <a:ext cx="1204572" cy="404614"/>
+          </a:xfrm>
+        </p:spPr>
+        <p:txBody>
+          <a:bodyPr/>
+          <a:lstStyle>
+            <a:lvl1pPr>
+              <a:defRPr>
+                <a:solidFill>
+                  <a:schemeClr val="tx2"/>
+                </a:solidFill>
+              </a:defRPr>
+            </a:lvl1pPr>
+          </a:lstStyle>
+          <a:p>
+            <a:fld id="{184AAABA-C1B6-4688-A4CA-61429140C7B4}" type="datetimeFigureOut">
               <a:rPr lang="zh-TW" altLang="en-US" smtClean="0"/>
-              <a:t>2024/9/16</a:t>
+              <a:t>2024/9/19</a:t>
             </a:fld>
             <a:endParaRPr lang="zh-TW" altLang="en-US"/>
           </a:p>
@@ -2671,13 +4302,7 @@
       </p:sp>
       <p:sp>
         <p:nvSpPr>
-          <p:cNvPr id="6" name="頁尾版面配置區 5">
-            <a:extLst>
-              <a:ext uri="{FF2B5EF4-FFF2-40B4-BE49-F238E27FC236}">
-                <a16:creationId xmlns:a16="http://schemas.microsoft.com/office/drawing/2014/main" id="{24F8A973-6D07-4F0C-97A0-280FEFC238E0}"/>
-              </a:ext>
-            </a:extLst>
-          </p:cNvPr>
+          <p:cNvPr id="6" name="Footer Placeholder 5"/>
           <p:cNvSpPr>
             <a:spLocks noGrp="1"/>
           </p:cNvSpPr>
@@ -2685,10 +4310,23 @@
             <p:ph type="ftr" sz="quarter" idx="11"/>
           </p:nvPr>
         </p:nvSpPr>
-        <p:spPr/>
-        <p:txBody>
-          <a:bodyPr/>
-          <a:lstStyle/>
+        <p:spPr>
+          <a:xfrm>
+            <a:off x="2205945" y="6453386"/>
+            <a:ext cx="2373675" cy="404614"/>
+          </a:xfrm>
+        </p:spPr>
+        <p:txBody>
+          <a:bodyPr/>
+          <a:lstStyle>
+            <a:lvl1pPr>
+              <a:defRPr>
+                <a:solidFill>
+                  <a:schemeClr val="tx2"/>
+                </a:solidFill>
+              </a:defRPr>
+            </a:lvl1pPr>
+          </a:lstStyle>
           <a:p>
             <a:endParaRPr lang="zh-TW" altLang="en-US"/>
           </a:p>
@@ -2696,13 +4334,7 @@
       </p:sp>
       <p:sp>
         <p:nvSpPr>
-          <p:cNvPr id="7" name="投影片編號版面配置區 6">
-            <a:extLst>
-              <a:ext uri="{FF2B5EF4-FFF2-40B4-BE49-F238E27FC236}">
-                <a16:creationId xmlns:a16="http://schemas.microsoft.com/office/drawing/2014/main" id="{DB60BB1E-F41B-40F0-929B-5208374980BF}"/>
-              </a:ext>
-            </a:extLst>
-          </p:cNvPr>
+          <p:cNvPr id="7" name="Slide Number Placeholder 6"/>
           <p:cNvSpPr>
             <a:spLocks noGrp="1"/>
           </p:cNvSpPr>
@@ -2710,12 +4342,25 @@
             <p:ph type="sldNum" sz="quarter" idx="12"/>
           </p:nvPr>
         </p:nvSpPr>
-        <p:spPr/>
-        <p:txBody>
-          <a:bodyPr/>
-          <a:lstStyle/>
-          <a:p>
-            <a:fld id="{E31EC408-072F-4346-BD0A-D6AA5788A305}" type="slidenum">
+        <p:spPr>
+          <a:xfrm>
+            <a:off x="9883140" y="6453386"/>
+            <a:ext cx="1596292" cy="404614"/>
+          </a:xfrm>
+        </p:spPr>
+        <p:txBody>
+          <a:bodyPr/>
+          <a:lstStyle>
+            <a:lvl1pPr>
+              <a:defRPr>
+                <a:solidFill>
+                  <a:schemeClr val="tx2"/>
+                </a:solidFill>
+              </a:defRPr>
+            </a:lvl1pPr>
+          </a:lstStyle>
+          <a:p>
+            <a:fld id="{0B402C23-E9B2-44DD-96F4-996A93D268C2}" type="slidenum">
               <a:rPr lang="zh-TW" altLang="en-US" smtClean="0"/>
               <a:t>‹#›</a:t>
             </a:fld>
@@ -2723,10 +4368,48 @@
           </a:p>
         </p:txBody>
       </p:sp>
+      <p:sp>
+        <p:nvSpPr>
+          <p:cNvPr id="9" name="Rectangle 8" title="Divider Bar"/>
+          <p:cNvSpPr/>
+          <p:nvPr/>
+        </p:nvSpPr>
+        <p:spPr>
+          <a:xfrm>
+            <a:off x="5303520" y="376"/>
+            <a:ext cx="228600" cy="6858000"/>
+          </a:xfrm>
+          <a:prstGeom prst="rect">
+            <a:avLst/>
+          </a:prstGeom>
+          <a:solidFill>
+            <a:schemeClr val="tx2"/>
+          </a:solidFill>
+          <a:ln>
+            <a:noFill/>
+          </a:ln>
+        </p:spPr>
+        <p:style>
+          <a:lnRef idx="2">
+            <a:schemeClr val="accent1">
+              <a:shade val="50000"/>
+            </a:schemeClr>
+          </a:lnRef>
+          <a:fillRef idx="1">
+            <a:schemeClr val="accent1"/>
+          </a:fillRef>
+          <a:effectRef idx="0">
+            <a:schemeClr val="accent1"/>
+          </a:effectRef>
+          <a:fontRef idx="minor">
+            <a:schemeClr val="lt1"/>
+          </a:fontRef>
+        </p:style>
+      </p:sp>
     </p:spTree>
     <p:extLst>
       <p:ext uri="{BB962C8B-B14F-4D97-AF65-F5344CB8AC3E}">
-        <p14:creationId xmlns:p14="http://schemas.microsoft.com/office/powerpoint/2010/main" val="3148270851"/>
+        <p14:creationId xmlns:p14="http://schemas.microsoft.com/office/powerpoint/2010/main" val="3368637449"/>
       </p:ext>
     </p:extLst>
   </p:cSld>
@@ -2740,8 +4423,8 @@
 <p:sldMaster xmlns:a="http://schemas.openxmlformats.org/drawingml/2006/main" xmlns:r="http://schemas.openxmlformats.org/officeDocument/2006/relationships" xmlns:p="http://schemas.openxmlformats.org/presentationml/2006/main">
   <p:cSld>
     <p:bg>
-      <p:bgRef idx="1001">
-        <a:schemeClr val="bg1"/>
+      <p:bgRef idx="1002">
+        <a:schemeClr val="bg2"/>
       </p:bgRef>
     </p:bg>
     <p:spTree>
@@ -2760,13 +4443,7 @@
       </p:grpSpPr>
       <p:sp>
         <p:nvSpPr>
-          <p:cNvPr id="2" name="標題版面配置區 1">
-            <a:extLst>
-              <a:ext uri="{FF2B5EF4-FFF2-40B4-BE49-F238E27FC236}">
-                <a16:creationId xmlns:a16="http://schemas.microsoft.com/office/drawing/2014/main" id="{B8575AAC-624C-4B52-ABD4-699B1E35D2CF}"/>
-              </a:ext>
-            </a:extLst>
-          </p:cNvPr>
+          <p:cNvPr id="2" name="Title Placeholder 1"/>
           <p:cNvSpPr>
             <a:spLocks noGrp="1"/>
           </p:cNvSpPr>
@@ -2776,15 +4453,15 @@
         </p:nvSpPr>
         <p:spPr>
           <a:xfrm>
-            <a:off x="838200" y="365125"/>
-            <a:ext cx="10515600" cy="1325563"/>
+            <a:off x="1371600" y="685800"/>
+            <a:ext cx="9601200" cy="1485900"/>
           </a:xfrm>
           <a:prstGeom prst="rect">
             <a:avLst/>
           </a:prstGeom>
         </p:spPr>
         <p:txBody>
-          <a:bodyPr vert="horz" lIns="91440" tIns="45720" rIns="91440" bIns="45720" rtlCol="0" anchor="ctr">
+          <a:bodyPr vert="horz" lIns="91440" tIns="45720" rIns="91440" bIns="45720" rtlCol="0" anchor="t">
             <a:normAutofit/>
           </a:bodyPr>
           <a:lstStyle/>
@@ -2793,18 +4470,13 @@
               <a:rPr lang="zh-TW" altLang="en-US"/>
               <a:t>按一下以編輯母片標題樣式</a:t>
             </a:r>
-          </a:p>
-        </p:txBody>
-      </p:sp>
-      <p:sp>
-        <p:nvSpPr>
-          <p:cNvPr id="3" name="文字版面配置區 2">
-            <a:extLst>
-              <a:ext uri="{FF2B5EF4-FFF2-40B4-BE49-F238E27FC236}">
-                <a16:creationId xmlns:a16="http://schemas.microsoft.com/office/drawing/2014/main" id="{76722991-C57D-471F-8271-C419A1CFB074}"/>
-              </a:ext>
-            </a:extLst>
-          </p:cNvPr>
+            <a:endParaRPr lang="en-US" dirty="0"/>
+          </a:p>
+        </p:txBody>
+      </p:sp>
+      <p:sp>
+        <p:nvSpPr>
+          <p:cNvPr id="3" name="Text Placeholder 2"/>
           <p:cNvSpPr>
             <a:spLocks noGrp="1"/>
           </p:cNvSpPr>
@@ -2814,8 +4486,8 @@
         </p:nvSpPr>
         <p:spPr>
           <a:xfrm>
-            <a:off x="838200" y="1825625"/>
-            <a:ext cx="10515600" cy="4351338"/>
+            <a:off x="1371600" y="2286000"/>
+            <a:ext cx="9601200" cy="3581400"/>
           </a:xfrm>
           <a:prstGeom prst="rect">
             <a:avLst/>
@@ -2860,18 +4532,13 @@
               <a:rPr lang="zh-TW" altLang="en-US"/>
               <a:t>第五層</a:t>
             </a:r>
-          </a:p>
-        </p:txBody>
-      </p:sp>
-      <p:sp>
-        <p:nvSpPr>
-          <p:cNvPr id="4" name="日期版面配置區 3">
-            <a:extLst>
-              <a:ext uri="{FF2B5EF4-FFF2-40B4-BE49-F238E27FC236}">
-                <a16:creationId xmlns:a16="http://schemas.microsoft.com/office/drawing/2014/main" id="{85C839DD-8CBF-4E23-A0C7-7C039E950BB8}"/>
-              </a:ext>
-            </a:extLst>
-          </p:cNvPr>
+            <a:endParaRPr lang="en-US" dirty="0"/>
+          </a:p>
+        </p:txBody>
+      </p:sp>
+      <p:sp>
+        <p:nvSpPr>
+          <p:cNvPr id="4" name="Date Placeholder 3"/>
           <p:cNvSpPr>
             <a:spLocks noGrp="1"/>
           </p:cNvSpPr>
@@ -2881,8 +4548,8 @@
         </p:nvSpPr>
         <p:spPr>
           <a:xfrm>
-            <a:off x="838200" y="6356350"/>
-            <a:ext cx="2743200" cy="365125"/>
+            <a:off x="1390650" y="6453386"/>
+            <a:ext cx="1204572" cy="404614"/>
           </a:xfrm>
           <a:prstGeom prst="rect">
             <a:avLst/>
@@ -2892,19 +4559,17 @@
           <a:bodyPr vert="horz" lIns="91440" tIns="45720" rIns="91440" bIns="45720" rtlCol="0" anchor="ctr"/>
           <a:lstStyle>
             <a:lvl1pPr algn="l">
-              <a:defRPr sz="1200">
+              <a:defRPr sz="1200" baseline="0">
                 <a:solidFill>
-                  <a:schemeClr val="tx1">
-                    <a:tint val="75000"/>
-                  </a:schemeClr>
+                  <a:schemeClr val="tx2"/>
                 </a:solidFill>
               </a:defRPr>
             </a:lvl1pPr>
           </a:lstStyle>
           <a:p>
-            <a:fld id="{C3C90D7E-32D6-4894-AE08-7BBB3E610FC9}" type="datetimeFigureOut">
+            <a:fld id="{184AAABA-C1B6-4688-A4CA-61429140C7B4}" type="datetimeFigureOut">
               <a:rPr lang="zh-TW" altLang="en-US" smtClean="0"/>
-              <a:t>2024/9/16</a:t>
+              <a:t>2024/9/19</a:t>
             </a:fld>
             <a:endParaRPr lang="zh-TW" altLang="en-US"/>
           </a:p>
@@ -2912,13 +4577,7 @@
       </p:sp>
       <p:sp>
         <p:nvSpPr>
-          <p:cNvPr id="5" name="頁尾版面配置區 4">
-            <a:extLst>
-              <a:ext uri="{FF2B5EF4-FFF2-40B4-BE49-F238E27FC236}">
-                <a16:creationId xmlns:a16="http://schemas.microsoft.com/office/drawing/2014/main" id="{12802D8A-77D4-418C-8190-43B6ADED2131}"/>
-              </a:ext>
-            </a:extLst>
-          </p:cNvPr>
+          <p:cNvPr id="5" name="Footer Placeholder 4"/>
           <p:cNvSpPr>
             <a:spLocks noGrp="1"/>
           </p:cNvSpPr>
@@ -2928,8 +4587,8 @@
         </p:nvSpPr>
         <p:spPr>
           <a:xfrm>
-            <a:off x="4038600" y="6356350"/>
-            <a:ext cx="4114800" cy="365125"/>
+            <a:off x="2893564" y="6453386"/>
+            <a:ext cx="6280830" cy="404614"/>
           </a:xfrm>
           <a:prstGeom prst="rect">
             <a:avLst/>
@@ -2938,12 +4597,10 @@
         <p:txBody>
           <a:bodyPr vert="horz" lIns="91440" tIns="45720" rIns="91440" bIns="45720" rtlCol="0" anchor="ctr"/>
           <a:lstStyle>
-            <a:lvl1pPr algn="ctr">
-              <a:defRPr sz="1200">
+            <a:lvl1pPr algn="l">
+              <a:defRPr sz="1200" baseline="0">
                 <a:solidFill>
-                  <a:schemeClr val="tx1">
-                    <a:tint val="75000"/>
-                  </a:schemeClr>
+                  <a:schemeClr val="tx2"/>
                 </a:solidFill>
               </a:defRPr>
             </a:lvl1pPr>
@@ -2955,13 +4612,7 @@
       </p:sp>
       <p:sp>
         <p:nvSpPr>
-          <p:cNvPr id="6" name="投影片編號版面配置區 5">
-            <a:extLst>
-              <a:ext uri="{FF2B5EF4-FFF2-40B4-BE49-F238E27FC236}">
-                <a16:creationId xmlns:a16="http://schemas.microsoft.com/office/drawing/2014/main" id="{7072B55E-2BE2-4AF4-AFF8-2A716F492F1C}"/>
-              </a:ext>
-            </a:extLst>
-          </p:cNvPr>
+          <p:cNvPr id="6" name="Slide Number Placeholder 5"/>
           <p:cNvSpPr>
             <a:spLocks noGrp="1"/>
           </p:cNvSpPr>
@@ -2971,8 +4622,8 @@
         </p:nvSpPr>
         <p:spPr>
           <a:xfrm>
-            <a:off x="8610600" y="6356350"/>
-            <a:ext cx="2743200" cy="365125"/>
+            <a:off x="9472736" y="6453386"/>
+            <a:ext cx="1596292" cy="404614"/>
           </a:xfrm>
           <a:prstGeom prst="rect">
             <a:avLst/>
@@ -2982,17 +4633,15 @@
           <a:bodyPr vert="horz" lIns="91440" tIns="45720" rIns="91440" bIns="45720" rtlCol="0" anchor="ctr"/>
           <a:lstStyle>
             <a:lvl1pPr algn="r">
-              <a:defRPr sz="1200">
+              <a:defRPr sz="1200" baseline="0">
                 <a:solidFill>
-                  <a:schemeClr val="tx1">
-                    <a:tint val="75000"/>
-                  </a:schemeClr>
+                  <a:schemeClr val="tx2"/>
                 </a:solidFill>
               </a:defRPr>
             </a:lvl1pPr>
           </a:lstStyle>
           <a:p>
-            <a:fld id="{E31EC408-072F-4346-BD0A-D6AA5788A305}" type="slidenum">
+            <a:fld id="{0B402C23-E9B2-44DD-96F4-996A93D268C2}" type="slidenum">
               <a:rPr lang="zh-TW" altLang="en-US" smtClean="0"/>
               <a:t>‹#›</a:t>
             </a:fld>
@@ -3000,40 +4649,78 @@
           </a:p>
         </p:txBody>
       </p:sp>
+      <p:sp>
+        <p:nvSpPr>
+          <p:cNvPr id="9" name="Rectangle 8" title="Side bar"/>
+          <p:cNvSpPr/>
+          <p:nvPr/>
+        </p:nvSpPr>
+        <p:spPr>
+          <a:xfrm>
+            <a:off x="478095" y="376"/>
+            <a:ext cx="228600" cy="6858000"/>
+          </a:xfrm>
+          <a:prstGeom prst="rect">
+            <a:avLst/>
+          </a:prstGeom>
+          <a:solidFill>
+            <a:schemeClr val="tx2"/>
+          </a:solidFill>
+          <a:ln>
+            <a:noFill/>
+          </a:ln>
+        </p:spPr>
+        <p:style>
+          <a:lnRef idx="2">
+            <a:schemeClr val="accent1">
+              <a:shade val="50000"/>
+            </a:schemeClr>
+          </a:lnRef>
+          <a:fillRef idx="1">
+            <a:schemeClr val="accent1"/>
+          </a:fillRef>
+          <a:effectRef idx="0">
+            <a:schemeClr val="accent1"/>
+          </a:effectRef>
+          <a:fontRef idx="minor">
+            <a:schemeClr val="lt1"/>
+          </a:fontRef>
+        </p:style>
+      </p:sp>
     </p:spTree>
     <p:extLst>
       <p:ext uri="{BB962C8B-B14F-4D97-AF65-F5344CB8AC3E}">
-        <p14:creationId xmlns:p14="http://schemas.microsoft.com/office/powerpoint/2010/main" val="2016052060"/>
+        <p14:creationId xmlns:p14="http://schemas.microsoft.com/office/powerpoint/2010/main" val="2942058656"/>
       </p:ext>
     </p:extLst>
   </p:cSld>
-  <p:clrMap bg1="lt1" tx1="dk1" bg2="lt2" tx2="dk2" accent1="accent1" accent2="accent2" accent3="accent3" accent4="accent4" accent5="accent5" accent6="accent6" hlink="hlink" folHlink="folHlink"/>
+  <p:clrMap bg1="dk1" tx1="lt1" bg2="dk2" tx2="lt2" accent1="accent1" accent2="accent2" accent3="accent3" accent4="accent4" accent5="accent5" accent6="accent6" hlink="hlink" folHlink="folHlink"/>
   <p:sldLayoutIdLst>
-    <p:sldLayoutId id="2147483649" r:id="rId1"/>
-    <p:sldLayoutId id="2147483650" r:id="rId2"/>
-    <p:sldLayoutId id="2147483651" r:id="rId3"/>
-    <p:sldLayoutId id="2147483652" r:id="rId4"/>
-    <p:sldLayoutId id="2147483653" r:id="rId5"/>
-    <p:sldLayoutId id="2147483654" r:id="rId6"/>
-    <p:sldLayoutId id="2147483655" r:id="rId7"/>
-    <p:sldLayoutId id="2147483656" r:id="rId8"/>
-    <p:sldLayoutId id="2147483657" r:id="rId9"/>
-    <p:sldLayoutId id="2147483658" r:id="rId10"/>
-    <p:sldLayoutId id="2147483659" r:id="rId11"/>
+    <p:sldLayoutId id="2147483798" r:id="rId1"/>
+    <p:sldLayoutId id="2147483799" r:id="rId2"/>
+    <p:sldLayoutId id="2147483800" r:id="rId3"/>
+    <p:sldLayoutId id="2147483801" r:id="rId4"/>
+    <p:sldLayoutId id="2147483802" r:id="rId5"/>
+    <p:sldLayoutId id="2147483803" r:id="rId6"/>
+    <p:sldLayoutId id="2147483804" r:id="rId7"/>
+    <p:sldLayoutId id="2147483805" r:id="rId8"/>
+    <p:sldLayoutId id="2147483806" r:id="rId9"/>
+    <p:sldLayoutId id="2147483807" r:id="rId10"/>
+    <p:sldLayoutId id="2147483808" r:id="rId11"/>
   </p:sldLayoutIdLst>
   <p:txStyles>
     <p:titleStyle>
       <a:lvl1pPr algn="l" defTabSz="914400" rtl="0" eaLnBrk="1" latinLnBrk="0" hangingPunct="1">
         <a:lnSpc>
-          <a:spcPct val="90000"/>
+          <a:spcPct val="89000"/>
         </a:lnSpc>
         <a:spcBef>
           <a:spcPct val="0"/>
         </a:spcBef>
         <a:buNone/>
-        <a:defRPr sz="4400" kern="1200">
+        <a:defRPr sz="4400" kern="1200" baseline="0">
           <a:solidFill>
-            <a:schemeClr val="tx1"/>
+            <a:schemeClr val="tx2"/>
           </a:solidFill>
           <a:latin typeface="+mj-lt"/>
           <a:ea typeface="+mj-ea"/>
@@ -3042,162 +4729,189 @@
       </a:lvl1pPr>
     </p:titleStyle>
     <p:bodyStyle>
-      <a:lvl1pPr marL="228600" indent="-228600" algn="l" defTabSz="914400" rtl="0" eaLnBrk="1" latinLnBrk="0" hangingPunct="1">
+      <a:lvl1pPr marL="384048" indent="-384048" algn="l" defTabSz="914400" rtl="0" eaLnBrk="1" latinLnBrk="0" hangingPunct="1">
         <a:lnSpc>
-          <a:spcPct val="90000"/>
+          <a:spcPct val="94000"/>
         </a:lnSpc>
         <a:spcBef>
           <a:spcPts val="1000"/>
         </a:spcBef>
-        <a:buFont typeface="Arial" panose="020B0604020202020204" pitchFamily="34" charset="0"/>
-        <a:buChar char="•"/>
-        <a:defRPr sz="2800" kern="1200">
+        <a:spcAft>
+          <a:spcPts val="200"/>
+        </a:spcAft>
+        <a:buFont typeface="Franklin Gothic Book" panose="020B0503020102020204" pitchFamily="34" charset="0"/>
+        <a:buChar char="■"/>
+        <a:defRPr sz="2000" kern="1200" baseline="0">
           <a:solidFill>
-            <a:schemeClr val="tx1"/>
+            <a:schemeClr val="tx2"/>
           </a:solidFill>
           <a:latin typeface="+mn-lt"/>
           <a:ea typeface="+mn-ea"/>
           <a:cs typeface="+mn-cs"/>
         </a:defRPr>
       </a:lvl1pPr>
-      <a:lvl2pPr marL="685800" indent="-228600" algn="l" defTabSz="914400" rtl="0" eaLnBrk="1" latinLnBrk="0" hangingPunct="1">
+      <a:lvl2pPr marL="914400" indent="-384048" algn="l" defTabSz="914400" rtl="0" eaLnBrk="1" latinLnBrk="0" hangingPunct="1">
         <a:lnSpc>
-          <a:spcPct val="90000"/>
+          <a:spcPct val="94000"/>
         </a:lnSpc>
         <a:spcBef>
           <a:spcPts val="500"/>
         </a:spcBef>
-        <a:buFont typeface="Arial" panose="020B0604020202020204" pitchFamily="34" charset="0"/>
-        <a:buChar char="•"/>
-        <a:defRPr sz="2400" kern="1200">
+        <a:spcAft>
+          <a:spcPts val="200"/>
+        </a:spcAft>
+        <a:buFont typeface="Franklin Gothic Book" panose="020B0503020102020204" pitchFamily="34" charset="0"/>
+        <a:buChar char="–"/>
+        <a:defRPr sz="2000" i="1" kern="1200" baseline="0">
           <a:solidFill>
-            <a:schemeClr val="tx1"/>
+            <a:schemeClr val="tx2"/>
           </a:solidFill>
           <a:latin typeface="+mn-lt"/>
           <a:ea typeface="+mn-ea"/>
           <a:cs typeface="+mn-cs"/>
         </a:defRPr>
       </a:lvl2pPr>
-      <a:lvl3pPr marL="1143000" indent="-228600" algn="l" defTabSz="914400" rtl="0" eaLnBrk="1" latinLnBrk="0" hangingPunct="1">
+      <a:lvl3pPr marL="1371600" indent="-384048" algn="l" defTabSz="914400" rtl="0" eaLnBrk="1" latinLnBrk="0" hangingPunct="1">
         <a:lnSpc>
-          <a:spcPct val="90000"/>
+          <a:spcPct val="94000"/>
         </a:lnSpc>
         <a:spcBef>
           <a:spcPts val="500"/>
         </a:spcBef>
-        <a:buFont typeface="Arial" panose="020B0604020202020204" pitchFamily="34" charset="0"/>
-        <a:buChar char="•"/>
-        <a:defRPr sz="2000" kern="1200">
+        <a:spcAft>
+          <a:spcPts val="200"/>
+        </a:spcAft>
+        <a:buFont typeface="Franklin Gothic Book" panose="020B0503020102020204" pitchFamily="34" charset="0"/>
+        <a:buChar char="■"/>
+        <a:defRPr sz="1800" kern="1200" baseline="0">
           <a:solidFill>
-            <a:schemeClr val="tx1"/>
+            <a:schemeClr val="tx2"/>
           </a:solidFill>
           <a:latin typeface="+mn-lt"/>
           <a:ea typeface="+mn-ea"/>
           <a:cs typeface="+mn-cs"/>
         </a:defRPr>
       </a:lvl3pPr>
-      <a:lvl4pPr marL="1600200" indent="-228600" algn="l" defTabSz="914400" rtl="0" eaLnBrk="1" latinLnBrk="0" hangingPunct="1">
+      <a:lvl4pPr marL="1828800" indent="-384048" algn="l" defTabSz="914400" rtl="0" eaLnBrk="1" latinLnBrk="0" hangingPunct="1">
         <a:lnSpc>
-          <a:spcPct val="90000"/>
+          <a:spcPct val="94000"/>
         </a:lnSpc>
         <a:spcBef>
           <a:spcPts val="500"/>
         </a:spcBef>
-        <a:buFont typeface="Arial" panose="020B0604020202020204" pitchFamily="34" charset="0"/>
-        <a:buChar char="•"/>
-        <a:defRPr sz="1800" kern="1200">
+        <a:spcAft>
+          <a:spcPts val="200"/>
+        </a:spcAft>
+        <a:buFont typeface="Franklin Gothic Book" panose="020B0503020102020204" pitchFamily="34" charset="0"/>
+        <a:buChar char="–"/>
+        <a:defRPr sz="1800" i="1" kern="1200" baseline="0">
           <a:solidFill>
-            <a:schemeClr val="tx1"/>
+            <a:schemeClr val="tx2"/>
           </a:solidFill>
           <a:latin typeface="+mn-lt"/>
           <a:ea typeface="+mn-ea"/>
           <a:cs typeface="+mn-cs"/>
         </a:defRPr>
       </a:lvl4pPr>
-      <a:lvl5pPr marL="2057400" indent="-228600" algn="l" defTabSz="914400" rtl="0" eaLnBrk="1" latinLnBrk="0" hangingPunct="1">
+      <a:lvl5pPr marL="2286000" indent="-384048" algn="l" defTabSz="914400" rtl="0" eaLnBrk="1" latinLnBrk="0" hangingPunct="1">
         <a:lnSpc>
-          <a:spcPct val="90000"/>
+          <a:spcPct val="94000"/>
         </a:lnSpc>
         <a:spcBef>
           <a:spcPts val="500"/>
         </a:spcBef>
-        <a:buFont typeface="Arial" panose="020B0604020202020204" pitchFamily="34" charset="0"/>
-        <a:buChar char="•"/>
-        <a:defRPr sz="1800" kern="1200">
+        <a:spcAft>
+          <a:spcPts val="200"/>
+        </a:spcAft>
+        <a:buFont typeface="Franklin Gothic Book" panose="020B0503020102020204" pitchFamily="34" charset="0"/>
+        <a:buChar char="■"/>
+        <a:defRPr sz="1600" kern="1200" baseline="0">
           <a:solidFill>
-            <a:schemeClr val="tx1"/>
+            <a:schemeClr val="tx2"/>
           </a:solidFill>
           <a:latin typeface="+mn-lt"/>
           <a:ea typeface="+mn-ea"/>
           <a:cs typeface="+mn-cs"/>
         </a:defRPr>
       </a:lvl5pPr>
-      <a:lvl6pPr marL="2514600" indent="-228600" algn="l" defTabSz="914400" rtl="0" eaLnBrk="1" latinLnBrk="0" hangingPunct="1">
+      <a:lvl6pPr marL="2743200" indent="-384048" algn="l" defTabSz="914400" rtl="0" eaLnBrk="1" latinLnBrk="0" hangingPunct="1">
         <a:lnSpc>
-          <a:spcPct val="90000"/>
+          <a:spcPct val="94000"/>
         </a:lnSpc>
         <a:spcBef>
           <a:spcPts val="500"/>
         </a:spcBef>
-        <a:buFont typeface="Arial" panose="020B0604020202020204" pitchFamily="34" charset="0"/>
-        <a:buChar char="•"/>
-        <a:defRPr sz="1800" kern="1200">
+        <a:spcAft>
+          <a:spcPts val="200"/>
+        </a:spcAft>
+        <a:buFont typeface="Franklin Gothic Book" panose="020B0503020102020204" pitchFamily="34" charset="0"/>
+        <a:buChar char="–"/>
+        <a:defRPr sz="1600" i="1" kern="1200" baseline="0">
           <a:solidFill>
-            <a:schemeClr val="tx1"/>
+            <a:schemeClr val="tx2"/>
           </a:solidFill>
           <a:latin typeface="+mn-lt"/>
           <a:ea typeface="+mn-ea"/>
           <a:cs typeface="+mn-cs"/>
         </a:defRPr>
       </a:lvl6pPr>
-      <a:lvl7pPr marL="2971800" indent="-228600" algn="l" defTabSz="914400" rtl="0" eaLnBrk="1" latinLnBrk="0" hangingPunct="1">
+      <a:lvl7pPr marL="3200400" indent="-384048" algn="l" defTabSz="914400" rtl="0" eaLnBrk="1" latinLnBrk="0" hangingPunct="1">
         <a:lnSpc>
-          <a:spcPct val="90000"/>
+          <a:spcPct val="94000"/>
         </a:lnSpc>
         <a:spcBef>
           <a:spcPts val="500"/>
         </a:spcBef>
-        <a:buFont typeface="Arial" panose="020B0604020202020204" pitchFamily="34" charset="0"/>
-        <a:buChar char="•"/>
-        <a:defRPr sz="1800" kern="1200">
+        <a:spcAft>
+          <a:spcPts val="200"/>
+        </a:spcAft>
+        <a:buFont typeface="Franklin Gothic Book" panose="020B0503020102020204" pitchFamily="34" charset="0"/>
+        <a:buChar char="■"/>
+        <a:defRPr sz="1400" kern="1200" baseline="0">
           <a:solidFill>
-            <a:schemeClr val="tx1"/>
+            <a:schemeClr val="tx2"/>
           </a:solidFill>
           <a:latin typeface="+mn-lt"/>
           <a:ea typeface="+mn-ea"/>
           <a:cs typeface="+mn-cs"/>
         </a:defRPr>
       </a:lvl7pPr>
-      <a:lvl8pPr marL="3429000" indent="-228600" algn="l" defTabSz="914400" rtl="0" eaLnBrk="1" latinLnBrk="0" hangingPunct="1">
+      <a:lvl8pPr marL="3657600" indent="-384048" algn="l" defTabSz="914400" rtl="0" eaLnBrk="1" latinLnBrk="0" hangingPunct="1">
         <a:lnSpc>
-          <a:spcPct val="90000"/>
+          <a:spcPct val="94000"/>
         </a:lnSpc>
         <a:spcBef>
           <a:spcPts val="500"/>
         </a:spcBef>
-        <a:buFont typeface="Arial" panose="020B0604020202020204" pitchFamily="34" charset="0"/>
-        <a:buChar char="•"/>
-        <a:defRPr sz="1800" kern="1200">
+        <a:spcAft>
+          <a:spcPts val="200"/>
+        </a:spcAft>
+        <a:buFont typeface="Franklin Gothic Book" panose="020B0503020102020204" pitchFamily="34" charset="0"/>
+        <a:buChar char="–"/>
+        <a:defRPr sz="1400" i="1" kern="1200" baseline="0">
           <a:solidFill>
-            <a:schemeClr val="tx1"/>
+            <a:schemeClr val="tx2"/>
           </a:solidFill>
           <a:latin typeface="+mn-lt"/>
           <a:ea typeface="+mn-ea"/>
           <a:cs typeface="+mn-cs"/>
         </a:defRPr>
       </a:lvl8pPr>
-      <a:lvl9pPr marL="3886200" indent="-228600" algn="l" defTabSz="914400" rtl="0" eaLnBrk="1" latinLnBrk="0" hangingPunct="1">
+      <a:lvl9pPr marL="4114800" indent="-384048" algn="l" defTabSz="914400" rtl="0" eaLnBrk="1" latinLnBrk="0" hangingPunct="1">
         <a:lnSpc>
-          <a:spcPct val="90000"/>
+          <a:spcPct val="94000"/>
         </a:lnSpc>
         <a:spcBef>
           <a:spcPts val="500"/>
         </a:spcBef>
-        <a:buFont typeface="Arial" panose="020B0604020202020204" pitchFamily="34" charset="0"/>
-        <a:buChar char="•"/>
-        <a:defRPr sz="1800" kern="1200">
+        <a:spcAft>
+          <a:spcPts val="200"/>
+        </a:spcAft>
+        <a:buFont typeface="Franklin Gothic Book" panose="020B0503020102020204" pitchFamily="34" charset="0"/>
+        <a:buChar char="■"/>
+        <a:defRPr sz="1400" kern="1200" baseline="0">
           <a:solidFill>
-            <a:schemeClr val="tx1"/>
+            <a:schemeClr val="tx2"/>
           </a:solidFill>
           <a:latin typeface="+mn-lt"/>
           <a:ea typeface="+mn-ea"/>
@@ -3207,7 +4921,7 @@
     </p:bodyStyle>
     <p:otherStyle>
       <a:defPPr>
-        <a:defRPr lang="zh-TW"/>
+        <a:defRPr lang="en-US"/>
       </a:defPPr>
       <a:lvl1pPr marL="0" algn="l" defTabSz="914400" rtl="0" eaLnBrk="1" latinLnBrk="0" hangingPunct="1">
         <a:defRPr sz="1800" kern="1200">
@@ -3301,6 +5015,52 @@
       </a:lvl9pPr>
     </p:otherStyle>
   </p:txStyles>
+  <p:extLst>
+    <p:ext uri="{27BBF7A9-308A-43DC-89C8-2F10F3537804}">
+      <p15:sldGuideLst xmlns:p15="http://schemas.microsoft.com/office/powerpoint/2012/main">
+        <p15:guide id="3" orient="horz" pos="1368">
+          <p15:clr>
+            <a:srgbClr val="F26B43"/>
+          </p15:clr>
+        </p15:guide>
+        <p15:guide id="4" orient="horz" pos="1440">
+          <p15:clr>
+            <a:srgbClr val="F26B43"/>
+          </p15:clr>
+        </p15:guide>
+        <p15:guide id="6" orient="horz" pos="3696">
+          <p15:clr>
+            <a:srgbClr val="F26B43"/>
+          </p15:clr>
+        </p15:guide>
+        <p15:guide id="7" orient="horz" pos="432">
+          <p15:clr>
+            <a:srgbClr val="F26B43"/>
+          </p15:clr>
+        </p15:guide>
+        <p15:guide id="8" orient="horz" pos="1512">
+          <p15:clr>
+            <a:srgbClr val="F26B43"/>
+          </p15:clr>
+        </p15:guide>
+        <p15:guide id="9" pos="6912">
+          <p15:clr>
+            <a:srgbClr val="F26B43"/>
+          </p15:clr>
+        </p15:guide>
+        <p15:guide id="10" pos="936">
+          <p15:clr>
+            <a:srgbClr val="F26B43"/>
+          </p15:clr>
+        </p15:guide>
+        <p15:guide id="11" pos="864">
+          <p15:clr>
+            <a:srgbClr val="F26B43"/>
+          </p15:clr>
+        </p15:guide>
+      </p15:sldGuideLst>
+    </p:ext>
+  </p:extLst>
 </p:sldMaster>
 </file>
 
@@ -3323,10 +5083,64 @@
       </p:grpSpPr>
       <p:sp>
         <p:nvSpPr>
+          <p:cNvPr id="4" name="矩形 3">
+            <a:extLst>
+              <a:ext uri="{FF2B5EF4-FFF2-40B4-BE49-F238E27FC236}">
+                <a16:creationId xmlns:a16="http://schemas.microsoft.com/office/drawing/2014/main" id="{7E2D81DD-8688-44E5-85B0-5875404C8A5F}"/>
+              </a:ext>
+            </a:extLst>
+          </p:cNvPr>
+          <p:cNvSpPr/>
+          <p:nvPr/>
+        </p:nvSpPr>
+        <p:spPr>
+          <a:xfrm>
+            <a:off x="7916091" y="1391194"/>
+            <a:ext cx="3794760" cy="4892040"/>
+          </a:xfrm>
+          <a:prstGeom prst="rect">
+            <a:avLst/>
+          </a:prstGeom>
+          <a:solidFill>
+            <a:srgbClr val="464741"/>
+          </a:solidFill>
+          <a:ln>
+            <a:solidFill>
+              <a:srgbClr val="464741"/>
+            </a:solidFill>
+          </a:ln>
+        </p:spPr>
+        <p:style>
+          <a:lnRef idx="2">
+            <a:schemeClr val="accent1">
+              <a:shade val="50000"/>
+            </a:schemeClr>
+          </a:lnRef>
+          <a:fillRef idx="1">
+            <a:schemeClr val="accent1"/>
+          </a:fillRef>
+          <a:effectRef idx="0">
+            <a:schemeClr val="accent1"/>
+          </a:effectRef>
+          <a:fontRef idx="minor">
+            <a:schemeClr val="lt1"/>
+          </a:fontRef>
+        </p:style>
+        <p:txBody>
+          <a:bodyPr rtlCol="0" anchor="ctr"/>
+          <a:lstStyle/>
+          <a:p>
+            <a:pPr algn="ctr"/>
+            <a:endParaRPr lang="zh-TW" altLang="en-US"/>
+          </a:p>
+        </p:txBody>
+      </p:sp>
+      <p:sp>
+        <p:nvSpPr>
           <p:cNvPr id="2" name="標題 1">
             <a:extLst>
               <a:ext uri="{FF2B5EF4-FFF2-40B4-BE49-F238E27FC236}">
-                <a16:creationId xmlns:a16="http://schemas.microsoft.com/office/drawing/2014/main" id="{32532283-9F93-4E44-8138-32796965361F}"/>
+                <a16:creationId xmlns:a16="http://schemas.microsoft.com/office/drawing/2014/main" id="{389DB364-ECC6-4638-B970-C55A92B0E5EB}"/>
               </a:ext>
             </a:extLst>
           </p:cNvPr>
@@ -3337,12 +5151,20 @@
             <p:ph type="ctrTitle"/>
           </p:nvPr>
         </p:nvSpPr>
-        <p:spPr/>
+        <p:spPr>
+          <a:xfrm>
+            <a:off x="1915129" y="1788454"/>
+            <a:ext cx="3969688" cy="2098226"/>
+          </a:xfrm>
+        </p:spPr>
         <p:txBody>
           <a:bodyPr/>
           <a:lstStyle/>
           <a:p>
-            <a:endParaRPr lang="zh-TW" altLang="en-US"/>
+            <a:r>
+              <a:rPr lang="zh-TW" altLang="en-US" dirty="0"/>
+              <a:t>自我介紹</a:t>
+            </a:r>
           </a:p>
         </p:txBody>
       </p:sp>
@@ -3351,7 +5173,7 @@
           <p:cNvPr id="3" name="副標題 2">
             <a:extLst>
               <a:ext uri="{FF2B5EF4-FFF2-40B4-BE49-F238E27FC236}">
-                <a16:creationId xmlns:a16="http://schemas.microsoft.com/office/drawing/2014/main" id="{8C946F38-524D-4B98-B9CB-80AEE57E455A}"/>
+                <a16:creationId xmlns:a16="http://schemas.microsoft.com/office/drawing/2014/main" id="{91F436C1-771D-402D-B3D4-BF35C120313D}"/>
               </a:ext>
             </a:extLst>
           </p:cNvPr>
@@ -3362,19 +5184,793 @@
             <p:ph type="subTitle" idx="1"/>
           </p:nvPr>
         </p:nvSpPr>
-        <p:spPr/>
-        <p:txBody>
-          <a:bodyPr/>
+        <p:spPr>
+          <a:xfrm>
+            <a:off x="1915129" y="3956279"/>
+            <a:ext cx="3969688" cy="1086237"/>
+          </a:xfrm>
+        </p:spPr>
+        <p:txBody>
+          <a:bodyPr>
+            <a:normAutofit/>
+          </a:bodyPr>
           <a:lstStyle/>
           <a:p>
-            <a:endParaRPr lang="zh-TW" altLang="en-US"/>
+            <a:r>
+              <a:rPr lang="en-US" altLang="zh-TW" sz="2400" dirty="0"/>
+              <a:t>(nizima live)</a:t>
+            </a:r>
+            <a:endParaRPr lang="zh-TW" altLang="en-US" sz="2400" dirty="0"/>
           </a:p>
         </p:txBody>
       </p:sp>
     </p:spTree>
     <p:extLst>
       <p:ext uri="{BB962C8B-B14F-4D97-AF65-F5344CB8AC3E}">
-        <p14:creationId xmlns:p14="http://schemas.microsoft.com/office/powerpoint/2010/main" val="1328321055"/>
+        <p14:creationId xmlns:p14="http://schemas.microsoft.com/office/powerpoint/2010/main" val="3363628640"/>
+      </p:ext>
+    </p:extLst>
+  </p:cSld>
+  <p:clrMapOvr>
+    <a:masterClrMapping/>
+  </p:clrMapOvr>
+</p:sld>
+</file>
+
+<file path=ppt/slides/slide2.xml><?xml version="1.0" encoding="utf-8"?>
+<p:sld xmlns:a="http://schemas.openxmlformats.org/drawingml/2006/main" xmlns:r="http://schemas.openxmlformats.org/officeDocument/2006/relationships" xmlns:p="http://schemas.openxmlformats.org/presentationml/2006/main">
+  <p:cSld>
+    <p:spTree>
+      <p:nvGrpSpPr>
+        <p:cNvPr id="1" name=""/>
+        <p:cNvGrpSpPr/>
+        <p:nvPr/>
+      </p:nvGrpSpPr>
+      <p:grpSpPr>
+        <a:xfrm>
+          <a:off x="0" y="0"/>
+          <a:ext cx="0" cy="0"/>
+          <a:chOff x="0" y="0"/>
+          <a:chExt cx="0" cy="0"/>
+        </a:xfrm>
+      </p:grpSpPr>
+      <p:sp>
+        <p:nvSpPr>
+          <p:cNvPr id="2" name="標題 1">
+            <a:extLst>
+              <a:ext uri="{FF2B5EF4-FFF2-40B4-BE49-F238E27FC236}">
+                <a16:creationId xmlns:a16="http://schemas.microsoft.com/office/drawing/2014/main" id="{0D2ACC20-8CB6-400D-BADF-6410B9C513F3}"/>
+              </a:ext>
+            </a:extLst>
+          </p:cNvPr>
+          <p:cNvSpPr>
+            <a:spLocks noGrp="1"/>
+          </p:cNvSpPr>
+          <p:nvPr>
+            <p:ph type="title"/>
+          </p:nvPr>
+        </p:nvSpPr>
+        <p:spPr/>
+        <p:txBody>
+          <a:bodyPr/>
+          <a:lstStyle/>
+          <a:p>
+            <a:r>
+              <a:rPr lang="en-US" altLang="zh-TW" dirty="0"/>
+              <a:t>1. </a:t>
+            </a:r>
+            <a:r>
+              <a:rPr lang="zh-TW" altLang="en-US" dirty="0"/>
+              <a:t>目標</a:t>
+            </a:r>
+          </a:p>
+        </p:txBody>
+      </p:sp>
+      <p:pic>
+        <p:nvPicPr>
+          <p:cNvPr id="1026" name="Picture 2" descr="日式動漫風格的男性角色，深藍色頭髮，黃色眼睛，頭髮遮住耳朵，頭上有貓耳，穿著深藍色毛衣，正在進行網路直播">
+            <a:extLst>
+              <a:ext uri="{FF2B5EF4-FFF2-40B4-BE49-F238E27FC236}">
+                <a16:creationId xmlns:a16="http://schemas.microsoft.com/office/drawing/2014/main" id="{21DA8078-64E1-4EF7-B45B-AF96BB2ED9BB}"/>
+              </a:ext>
+            </a:extLst>
+          </p:cNvPr>
+          <p:cNvPicPr>
+            <a:picLocks noChangeAspect="1" noChangeArrowheads="1"/>
+          </p:cNvPicPr>
+          <p:nvPr/>
+        </p:nvPicPr>
+        <p:blipFill>
+          <a:blip r:embed="rId3">
+            <a:extLst>
+              <a:ext uri="{28A0092B-C50C-407E-A947-70E740481C1C}">
+                <a14:useLocalDpi xmlns:a14="http://schemas.microsoft.com/office/drawing/2010/main" val="0"/>
+              </a:ext>
+            </a:extLst>
+          </a:blip>
+          <a:srcRect/>
+          <a:stretch>
+            <a:fillRect/>
+          </a:stretch>
+        </p:blipFill>
+        <p:spPr bwMode="auto">
+          <a:xfrm>
+            <a:off x="1371600" y="1428750"/>
+            <a:ext cx="4972594" cy="4972594"/>
+          </a:xfrm>
+          <a:prstGeom prst="rect">
+            <a:avLst/>
+          </a:prstGeom>
+          <a:noFill/>
+          <a:extLst>
+            <a:ext uri="{909E8E84-426E-40DD-AFC4-6F175D3DCCD1}">
+              <a14:hiddenFill xmlns:a14="http://schemas.microsoft.com/office/drawing/2010/main">
+                <a:solidFill>
+                  <a:srgbClr val="FFFFFF"/>
+                </a:solidFill>
+              </a14:hiddenFill>
+            </a:ext>
+          </a:extLst>
+        </p:spPr>
+      </p:pic>
+    </p:spTree>
+    <p:extLst>
+      <p:ext uri="{BB962C8B-B14F-4D97-AF65-F5344CB8AC3E}">
+        <p14:creationId xmlns:p14="http://schemas.microsoft.com/office/powerpoint/2010/main" val="3799405302"/>
+      </p:ext>
+    </p:extLst>
+  </p:cSld>
+  <p:clrMapOvr>
+    <a:masterClrMapping/>
+  </p:clrMapOvr>
+</p:sld>
+</file>
+
+<file path=ppt/slides/slide3.xml><?xml version="1.0" encoding="utf-8"?>
+<p:sld xmlns:a="http://schemas.openxmlformats.org/drawingml/2006/main" xmlns:r="http://schemas.openxmlformats.org/officeDocument/2006/relationships" xmlns:p="http://schemas.openxmlformats.org/presentationml/2006/main">
+  <p:cSld>
+    <p:spTree>
+      <p:nvGrpSpPr>
+        <p:cNvPr id="1" name=""/>
+        <p:cNvGrpSpPr/>
+        <p:nvPr/>
+      </p:nvGrpSpPr>
+      <p:grpSpPr>
+        <a:xfrm>
+          <a:off x="0" y="0"/>
+          <a:ext cx="0" cy="0"/>
+          <a:chOff x="0" y="0"/>
+          <a:chExt cx="0" cy="0"/>
+        </a:xfrm>
+      </p:grpSpPr>
+      <p:sp>
+        <p:nvSpPr>
+          <p:cNvPr id="2" name="標題 1">
+            <a:extLst>
+              <a:ext uri="{FF2B5EF4-FFF2-40B4-BE49-F238E27FC236}">
+                <a16:creationId xmlns:a16="http://schemas.microsoft.com/office/drawing/2014/main" id="{0D2ACC20-8CB6-400D-BADF-6410B9C513F3}"/>
+              </a:ext>
+            </a:extLst>
+          </p:cNvPr>
+          <p:cNvSpPr>
+            <a:spLocks noGrp="1"/>
+          </p:cNvSpPr>
+          <p:nvPr>
+            <p:ph type="title"/>
+          </p:nvPr>
+        </p:nvSpPr>
+        <p:spPr/>
+        <p:txBody>
+          <a:bodyPr/>
+          <a:lstStyle/>
+          <a:p>
+            <a:r>
+              <a:rPr lang="en-US" altLang="zh-TW" dirty="0"/>
+              <a:t>2. </a:t>
+            </a:r>
+            <a:r>
+              <a:rPr lang="zh-TW" altLang="en-US" dirty="0"/>
+              <a:t>阻礙</a:t>
+            </a:r>
+          </a:p>
+        </p:txBody>
+      </p:sp>
+      <p:pic>
+        <p:nvPicPr>
+          <p:cNvPr id="2050" name="Picture 2" descr="日式動漫風格的男性角色，深藍色頭髮，黃色眼睛，頭髮遮住耳朵，頭上有貓耳，穿著深藍色毛衣，眼神緊張，手抱著自己">
+            <a:extLst>
+              <a:ext uri="{FF2B5EF4-FFF2-40B4-BE49-F238E27FC236}">
+                <a16:creationId xmlns:a16="http://schemas.microsoft.com/office/drawing/2014/main" id="{6CC92657-41C0-4340-B799-A48C62421799}"/>
+              </a:ext>
+            </a:extLst>
+          </p:cNvPr>
+          <p:cNvPicPr>
+            <a:picLocks noChangeAspect="1" noChangeArrowheads="1"/>
+          </p:cNvPicPr>
+          <p:nvPr/>
+        </p:nvPicPr>
+        <p:blipFill>
+          <a:blip r:embed="rId3">
+            <a:extLst>
+              <a:ext uri="{28A0092B-C50C-407E-A947-70E740481C1C}">
+                <a14:useLocalDpi xmlns:a14="http://schemas.microsoft.com/office/drawing/2010/main" val="0"/>
+              </a:ext>
+            </a:extLst>
+          </a:blip>
+          <a:srcRect/>
+          <a:stretch>
+            <a:fillRect/>
+          </a:stretch>
+        </p:blipFill>
+        <p:spPr bwMode="auto">
+          <a:xfrm>
+            <a:off x="1371600" y="1428750"/>
+            <a:ext cx="4971600" cy="4971600"/>
+          </a:xfrm>
+          <a:prstGeom prst="rect">
+            <a:avLst/>
+          </a:prstGeom>
+          <a:noFill/>
+          <a:extLst>
+            <a:ext uri="{909E8E84-426E-40DD-AFC4-6F175D3DCCD1}">
+              <a14:hiddenFill xmlns:a14="http://schemas.microsoft.com/office/drawing/2010/main">
+                <a:solidFill>
+                  <a:srgbClr val="FFFFFF"/>
+                </a:solidFill>
+              </a14:hiddenFill>
+            </a:ext>
+          </a:extLst>
+        </p:spPr>
+      </p:pic>
+    </p:spTree>
+    <p:extLst>
+      <p:ext uri="{BB962C8B-B14F-4D97-AF65-F5344CB8AC3E}">
+        <p14:creationId xmlns:p14="http://schemas.microsoft.com/office/powerpoint/2010/main" val="3306583998"/>
+      </p:ext>
+    </p:extLst>
+  </p:cSld>
+  <p:clrMapOvr>
+    <a:masterClrMapping/>
+  </p:clrMapOvr>
+</p:sld>
+</file>
+
+<file path=ppt/slides/slide4.xml><?xml version="1.0" encoding="utf-8"?>
+<p:sld xmlns:a="http://schemas.openxmlformats.org/drawingml/2006/main" xmlns:r="http://schemas.openxmlformats.org/officeDocument/2006/relationships" xmlns:p="http://schemas.openxmlformats.org/presentationml/2006/main">
+  <p:cSld>
+    <p:spTree>
+      <p:nvGrpSpPr>
+        <p:cNvPr id="1" name=""/>
+        <p:cNvGrpSpPr/>
+        <p:nvPr/>
+      </p:nvGrpSpPr>
+      <p:grpSpPr>
+        <a:xfrm>
+          <a:off x="0" y="0"/>
+          <a:ext cx="0" cy="0"/>
+          <a:chOff x="0" y="0"/>
+          <a:chExt cx="0" cy="0"/>
+        </a:xfrm>
+      </p:grpSpPr>
+      <p:sp>
+        <p:nvSpPr>
+          <p:cNvPr id="2" name="標題 1">
+            <a:extLst>
+              <a:ext uri="{FF2B5EF4-FFF2-40B4-BE49-F238E27FC236}">
+                <a16:creationId xmlns:a16="http://schemas.microsoft.com/office/drawing/2014/main" id="{0D2ACC20-8CB6-400D-BADF-6410B9C513F3}"/>
+              </a:ext>
+            </a:extLst>
+          </p:cNvPr>
+          <p:cNvSpPr>
+            <a:spLocks noGrp="1"/>
+          </p:cNvSpPr>
+          <p:nvPr>
+            <p:ph type="title"/>
+          </p:nvPr>
+        </p:nvSpPr>
+        <p:spPr/>
+        <p:txBody>
+          <a:bodyPr/>
+          <a:lstStyle/>
+          <a:p>
+            <a:r>
+              <a:rPr lang="en-US" altLang="zh-TW" dirty="0"/>
+              <a:t>3. </a:t>
+            </a:r>
+            <a:r>
+              <a:rPr lang="zh-TW" altLang="en-US" dirty="0"/>
+              <a:t>努力</a:t>
+            </a:r>
+          </a:p>
+        </p:txBody>
+      </p:sp>
+      <p:pic>
+        <p:nvPicPr>
+          <p:cNvPr id="1026" name="Picture 2" descr="日式動漫風格的男性角色，深藍色頭髮，黃色眼睛，頭髮遮住耳朵，頭上有貓耳，穿著深藍色毛衣，正在努力學習製作影片">
+            <a:extLst>
+              <a:ext uri="{FF2B5EF4-FFF2-40B4-BE49-F238E27FC236}">
+                <a16:creationId xmlns:a16="http://schemas.microsoft.com/office/drawing/2014/main" id="{ADB31E73-9F55-459C-9B71-23AEE6166936}"/>
+              </a:ext>
+            </a:extLst>
+          </p:cNvPr>
+          <p:cNvPicPr>
+            <a:picLocks noChangeAspect="1" noChangeArrowheads="1"/>
+          </p:cNvPicPr>
+          <p:nvPr/>
+        </p:nvPicPr>
+        <p:blipFill>
+          <a:blip r:embed="rId3">
+            <a:extLst>
+              <a:ext uri="{28A0092B-C50C-407E-A947-70E740481C1C}">
+                <a14:useLocalDpi xmlns:a14="http://schemas.microsoft.com/office/drawing/2010/main" val="0"/>
+              </a:ext>
+            </a:extLst>
+          </a:blip>
+          <a:srcRect/>
+          <a:stretch>
+            <a:fillRect/>
+          </a:stretch>
+        </p:blipFill>
+        <p:spPr bwMode="auto">
+          <a:xfrm>
+            <a:off x="1371600" y="1428750"/>
+            <a:ext cx="4971600" cy="4971600"/>
+          </a:xfrm>
+          <a:prstGeom prst="rect">
+            <a:avLst/>
+          </a:prstGeom>
+          <a:noFill/>
+          <a:extLst>
+            <a:ext uri="{909E8E84-426E-40DD-AFC4-6F175D3DCCD1}">
+              <a14:hiddenFill xmlns:a14="http://schemas.microsoft.com/office/drawing/2010/main">
+                <a:solidFill>
+                  <a:srgbClr val="FFFFFF"/>
+                </a:solidFill>
+              </a14:hiddenFill>
+            </a:ext>
+          </a:extLst>
+        </p:spPr>
+      </p:pic>
+    </p:spTree>
+    <p:extLst>
+      <p:ext uri="{BB962C8B-B14F-4D97-AF65-F5344CB8AC3E}">
+        <p14:creationId xmlns:p14="http://schemas.microsoft.com/office/powerpoint/2010/main" val="4026167993"/>
+      </p:ext>
+    </p:extLst>
+  </p:cSld>
+  <p:clrMapOvr>
+    <a:masterClrMapping/>
+  </p:clrMapOvr>
+</p:sld>
+</file>
+
+<file path=ppt/slides/slide5.xml><?xml version="1.0" encoding="utf-8"?>
+<p:sld xmlns:a="http://schemas.openxmlformats.org/drawingml/2006/main" xmlns:r="http://schemas.openxmlformats.org/officeDocument/2006/relationships" xmlns:p="http://schemas.openxmlformats.org/presentationml/2006/main">
+  <p:cSld>
+    <p:spTree>
+      <p:nvGrpSpPr>
+        <p:cNvPr id="1" name=""/>
+        <p:cNvGrpSpPr/>
+        <p:nvPr/>
+      </p:nvGrpSpPr>
+      <p:grpSpPr>
+        <a:xfrm>
+          <a:off x="0" y="0"/>
+          <a:ext cx="0" cy="0"/>
+          <a:chOff x="0" y="0"/>
+          <a:chExt cx="0" cy="0"/>
+        </a:xfrm>
+      </p:grpSpPr>
+      <p:sp>
+        <p:nvSpPr>
+          <p:cNvPr id="2" name="標題 1">
+            <a:extLst>
+              <a:ext uri="{FF2B5EF4-FFF2-40B4-BE49-F238E27FC236}">
+                <a16:creationId xmlns:a16="http://schemas.microsoft.com/office/drawing/2014/main" id="{0D2ACC20-8CB6-400D-BADF-6410B9C513F3}"/>
+              </a:ext>
+            </a:extLst>
+          </p:cNvPr>
+          <p:cNvSpPr>
+            <a:spLocks noGrp="1"/>
+          </p:cNvSpPr>
+          <p:nvPr>
+            <p:ph type="title"/>
+          </p:nvPr>
+        </p:nvSpPr>
+        <p:spPr/>
+        <p:txBody>
+          <a:bodyPr/>
+          <a:lstStyle/>
+          <a:p>
+            <a:r>
+              <a:rPr lang="en-US" altLang="zh-TW" dirty="0"/>
+              <a:t>4. </a:t>
+            </a:r>
+            <a:r>
+              <a:rPr lang="zh-TW" altLang="en-US" dirty="0"/>
+              <a:t>結果</a:t>
+            </a:r>
+          </a:p>
+        </p:txBody>
+      </p:sp>
+      <p:pic>
+        <p:nvPicPr>
+          <p:cNvPr id="2050" name="Picture 2" descr="日式動漫風格的男性角色，深藍色頭髮，黃色眼睛，頭髮遮住耳朵，頭上有貓耳，穿著深藍色毛衣，低頭，眼神失落的表情，背景為房間角落">
+            <a:extLst>
+              <a:ext uri="{FF2B5EF4-FFF2-40B4-BE49-F238E27FC236}">
+                <a16:creationId xmlns:a16="http://schemas.microsoft.com/office/drawing/2014/main" id="{C9B80937-59D6-43FA-A099-98B2869A6A41}"/>
+              </a:ext>
+            </a:extLst>
+          </p:cNvPr>
+          <p:cNvPicPr>
+            <a:picLocks noChangeAspect="1" noChangeArrowheads="1"/>
+          </p:cNvPicPr>
+          <p:nvPr/>
+        </p:nvPicPr>
+        <p:blipFill>
+          <a:blip r:embed="rId3">
+            <a:extLst>
+              <a:ext uri="{28A0092B-C50C-407E-A947-70E740481C1C}">
+                <a14:useLocalDpi xmlns:a14="http://schemas.microsoft.com/office/drawing/2010/main" val="0"/>
+              </a:ext>
+            </a:extLst>
+          </a:blip>
+          <a:srcRect/>
+          <a:stretch>
+            <a:fillRect/>
+          </a:stretch>
+        </p:blipFill>
+        <p:spPr bwMode="auto">
+          <a:xfrm>
+            <a:off x="1371600" y="1428750"/>
+            <a:ext cx="4971600" cy="4971600"/>
+          </a:xfrm>
+          <a:prstGeom prst="rect">
+            <a:avLst/>
+          </a:prstGeom>
+          <a:noFill/>
+          <a:extLst>
+            <a:ext uri="{909E8E84-426E-40DD-AFC4-6F175D3DCCD1}">
+              <a14:hiddenFill xmlns:a14="http://schemas.microsoft.com/office/drawing/2010/main">
+                <a:solidFill>
+                  <a:srgbClr val="FFFFFF"/>
+                </a:solidFill>
+              </a14:hiddenFill>
+            </a:ext>
+          </a:extLst>
+        </p:spPr>
+      </p:pic>
+    </p:spTree>
+    <p:extLst>
+      <p:ext uri="{BB962C8B-B14F-4D97-AF65-F5344CB8AC3E}">
+        <p14:creationId xmlns:p14="http://schemas.microsoft.com/office/powerpoint/2010/main" val="3673329073"/>
+      </p:ext>
+    </p:extLst>
+  </p:cSld>
+  <p:clrMapOvr>
+    <a:masterClrMapping/>
+  </p:clrMapOvr>
+</p:sld>
+</file>
+
+<file path=ppt/slides/slide6.xml><?xml version="1.0" encoding="utf-8"?>
+<p:sld xmlns:a="http://schemas.openxmlformats.org/drawingml/2006/main" xmlns:r="http://schemas.openxmlformats.org/officeDocument/2006/relationships" xmlns:p="http://schemas.openxmlformats.org/presentationml/2006/main">
+  <p:cSld>
+    <p:spTree>
+      <p:nvGrpSpPr>
+        <p:cNvPr id="1" name=""/>
+        <p:cNvGrpSpPr/>
+        <p:nvPr/>
+      </p:nvGrpSpPr>
+      <p:grpSpPr>
+        <a:xfrm>
+          <a:off x="0" y="0"/>
+          <a:ext cx="0" cy="0"/>
+          <a:chOff x="0" y="0"/>
+          <a:chExt cx="0" cy="0"/>
+        </a:xfrm>
+      </p:grpSpPr>
+      <p:sp>
+        <p:nvSpPr>
+          <p:cNvPr id="2" name="標題 1">
+            <a:extLst>
+              <a:ext uri="{FF2B5EF4-FFF2-40B4-BE49-F238E27FC236}">
+                <a16:creationId xmlns:a16="http://schemas.microsoft.com/office/drawing/2014/main" id="{0D2ACC20-8CB6-400D-BADF-6410B9C513F3}"/>
+              </a:ext>
+            </a:extLst>
+          </p:cNvPr>
+          <p:cNvSpPr>
+            <a:spLocks noGrp="1"/>
+          </p:cNvSpPr>
+          <p:nvPr>
+            <p:ph type="title"/>
+          </p:nvPr>
+        </p:nvSpPr>
+        <p:spPr/>
+        <p:txBody>
+          <a:bodyPr/>
+          <a:lstStyle/>
+          <a:p>
+            <a:r>
+              <a:rPr lang="en-US" altLang="zh-TW" dirty="0"/>
+              <a:t>5. </a:t>
+            </a:r>
+            <a:r>
+              <a:rPr lang="zh-TW" altLang="en-US" dirty="0"/>
+              <a:t>意外</a:t>
+            </a:r>
+          </a:p>
+        </p:txBody>
+      </p:sp>
+      <p:pic>
+        <p:nvPicPr>
+          <p:cNvPr id="3074" name="Picture 2" descr="日式動漫風格的男性角色，深藍色頭髮，黃色眼睛，頭髮遮住耳朵，頭上有貓耳，穿著深藍色毛衣，認識到了黑色短髮的開朗男性好友">
+            <a:extLst>
+              <a:ext uri="{FF2B5EF4-FFF2-40B4-BE49-F238E27FC236}">
+                <a16:creationId xmlns:a16="http://schemas.microsoft.com/office/drawing/2014/main" id="{DD5C7EAD-4C21-442A-BCC4-A019B9ADD3C3}"/>
+              </a:ext>
+            </a:extLst>
+          </p:cNvPr>
+          <p:cNvPicPr>
+            <a:picLocks noChangeAspect="1" noChangeArrowheads="1"/>
+          </p:cNvPicPr>
+          <p:nvPr/>
+        </p:nvPicPr>
+        <p:blipFill>
+          <a:blip r:embed="rId3">
+            <a:extLst>
+              <a:ext uri="{28A0092B-C50C-407E-A947-70E740481C1C}">
+                <a14:useLocalDpi xmlns:a14="http://schemas.microsoft.com/office/drawing/2010/main" val="0"/>
+              </a:ext>
+            </a:extLst>
+          </a:blip>
+          <a:srcRect/>
+          <a:stretch>
+            <a:fillRect/>
+          </a:stretch>
+        </p:blipFill>
+        <p:spPr bwMode="auto">
+          <a:xfrm>
+            <a:off x="1371600" y="1428750"/>
+            <a:ext cx="4971600" cy="4971600"/>
+          </a:xfrm>
+          <a:prstGeom prst="rect">
+            <a:avLst/>
+          </a:prstGeom>
+          <a:noFill/>
+          <a:extLst>
+            <a:ext uri="{909E8E84-426E-40DD-AFC4-6F175D3DCCD1}">
+              <a14:hiddenFill xmlns:a14="http://schemas.microsoft.com/office/drawing/2010/main">
+                <a:solidFill>
+                  <a:srgbClr val="FFFFFF"/>
+                </a:solidFill>
+              </a14:hiddenFill>
+            </a:ext>
+          </a:extLst>
+        </p:spPr>
+      </p:pic>
+    </p:spTree>
+    <p:extLst>
+      <p:ext uri="{BB962C8B-B14F-4D97-AF65-F5344CB8AC3E}">
+        <p14:creationId xmlns:p14="http://schemas.microsoft.com/office/powerpoint/2010/main" val="2666173621"/>
+      </p:ext>
+    </p:extLst>
+  </p:cSld>
+  <p:clrMapOvr>
+    <a:masterClrMapping/>
+  </p:clrMapOvr>
+</p:sld>
+</file>
+
+<file path=ppt/slides/slide7.xml><?xml version="1.0" encoding="utf-8"?>
+<p:sld xmlns:a="http://schemas.openxmlformats.org/drawingml/2006/main" xmlns:r="http://schemas.openxmlformats.org/officeDocument/2006/relationships" xmlns:p="http://schemas.openxmlformats.org/presentationml/2006/main">
+  <p:cSld>
+    <p:spTree>
+      <p:nvGrpSpPr>
+        <p:cNvPr id="1" name=""/>
+        <p:cNvGrpSpPr/>
+        <p:nvPr/>
+      </p:nvGrpSpPr>
+      <p:grpSpPr>
+        <a:xfrm>
+          <a:off x="0" y="0"/>
+          <a:ext cx="0" cy="0"/>
+          <a:chOff x="0" y="0"/>
+          <a:chExt cx="0" cy="0"/>
+        </a:xfrm>
+      </p:grpSpPr>
+      <p:sp>
+        <p:nvSpPr>
+          <p:cNvPr id="2" name="標題 1">
+            <a:extLst>
+              <a:ext uri="{FF2B5EF4-FFF2-40B4-BE49-F238E27FC236}">
+                <a16:creationId xmlns:a16="http://schemas.microsoft.com/office/drawing/2014/main" id="{0D2ACC20-8CB6-400D-BADF-6410B9C513F3}"/>
+              </a:ext>
+            </a:extLst>
+          </p:cNvPr>
+          <p:cNvSpPr>
+            <a:spLocks noGrp="1"/>
+          </p:cNvSpPr>
+          <p:nvPr>
+            <p:ph type="title"/>
+          </p:nvPr>
+        </p:nvSpPr>
+        <p:spPr/>
+        <p:txBody>
+          <a:bodyPr/>
+          <a:lstStyle/>
+          <a:p>
+            <a:r>
+              <a:rPr lang="en-US" altLang="zh-TW" dirty="0"/>
+              <a:t>6. </a:t>
+            </a:r>
+            <a:r>
+              <a:rPr lang="zh-TW" altLang="en-US" dirty="0"/>
+              <a:t>轉彎</a:t>
+            </a:r>
+          </a:p>
+        </p:txBody>
+      </p:sp>
+      <p:pic>
+        <p:nvPicPr>
+          <p:cNvPr id="4098" name="Picture 2" descr="日式動漫風格的男性角色，深藍色頭髮，黃色眼睛，頭髮遮住耳朵，頭上有貓耳，穿著深藍色毛衣，舉起拳頭，眼神堅定的表情，背景設定在房間">
+            <a:extLst>
+              <a:ext uri="{FF2B5EF4-FFF2-40B4-BE49-F238E27FC236}">
+                <a16:creationId xmlns:a16="http://schemas.microsoft.com/office/drawing/2014/main" id="{BA2DC689-21E6-402A-82B2-FCAF69E03EB1}"/>
+              </a:ext>
+            </a:extLst>
+          </p:cNvPr>
+          <p:cNvPicPr>
+            <a:picLocks noChangeAspect="1" noChangeArrowheads="1"/>
+          </p:cNvPicPr>
+          <p:nvPr/>
+        </p:nvPicPr>
+        <p:blipFill>
+          <a:blip r:embed="rId3">
+            <a:extLst>
+              <a:ext uri="{28A0092B-C50C-407E-A947-70E740481C1C}">
+                <a14:useLocalDpi xmlns:a14="http://schemas.microsoft.com/office/drawing/2010/main" val="0"/>
+              </a:ext>
+            </a:extLst>
+          </a:blip>
+          <a:srcRect/>
+          <a:stretch>
+            <a:fillRect/>
+          </a:stretch>
+        </p:blipFill>
+        <p:spPr bwMode="auto">
+          <a:xfrm>
+            <a:off x="1371600" y="1428750"/>
+            <a:ext cx="4971600" cy="4971600"/>
+          </a:xfrm>
+          <a:prstGeom prst="rect">
+            <a:avLst/>
+          </a:prstGeom>
+          <a:noFill/>
+          <a:extLst>
+            <a:ext uri="{909E8E84-426E-40DD-AFC4-6F175D3DCCD1}">
+              <a14:hiddenFill xmlns:a14="http://schemas.microsoft.com/office/drawing/2010/main">
+                <a:solidFill>
+                  <a:srgbClr val="FFFFFF"/>
+                </a:solidFill>
+              </a14:hiddenFill>
+            </a:ext>
+          </a:extLst>
+        </p:spPr>
+      </p:pic>
+    </p:spTree>
+    <p:extLst>
+      <p:ext uri="{BB962C8B-B14F-4D97-AF65-F5344CB8AC3E}">
+        <p14:creationId xmlns:p14="http://schemas.microsoft.com/office/powerpoint/2010/main" val="3493169549"/>
+      </p:ext>
+    </p:extLst>
+  </p:cSld>
+  <p:clrMapOvr>
+    <a:masterClrMapping/>
+  </p:clrMapOvr>
+</p:sld>
+</file>
+
+<file path=ppt/slides/slide8.xml><?xml version="1.0" encoding="utf-8"?>
+<p:sld xmlns:a="http://schemas.openxmlformats.org/drawingml/2006/main" xmlns:r="http://schemas.openxmlformats.org/officeDocument/2006/relationships" xmlns:p="http://schemas.openxmlformats.org/presentationml/2006/main">
+  <p:cSld>
+    <p:spTree>
+      <p:nvGrpSpPr>
+        <p:cNvPr id="1" name=""/>
+        <p:cNvGrpSpPr/>
+        <p:nvPr/>
+      </p:nvGrpSpPr>
+      <p:grpSpPr>
+        <a:xfrm>
+          <a:off x="0" y="0"/>
+          <a:ext cx="0" cy="0"/>
+          <a:chOff x="0" y="0"/>
+          <a:chExt cx="0" cy="0"/>
+        </a:xfrm>
+      </p:grpSpPr>
+      <p:sp>
+        <p:nvSpPr>
+          <p:cNvPr id="2" name="標題 1">
+            <a:extLst>
+              <a:ext uri="{FF2B5EF4-FFF2-40B4-BE49-F238E27FC236}">
+                <a16:creationId xmlns:a16="http://schemas.microsoft.com/office/drawing/2014/main" id="{0D2ACC20-8CB6-400D-BADF-6410B9C513F3}"/>
+              </a:ext>
+            </a:extLst>
+          </p:cNvPr>
+          <p:cNvSpPr>
+            <a:spLocks noGrp="1"/>
+          </p:cNvSpPr>
+          <p:nvPr>
+            <p:ph type="title"/>
+          </p:nvPr>
+        </p:nvSpPr>
+        <p:spPr/>
+        <p:txBody>
+          <a:bodyPr/>
+          <a:lstStyle/>
+          <a:p>
+            <a:r>
+              <a:rPr lang="en-US" altLang="zh-TW" dirty="0"/>
+              <a:t>7. </a:t>
+            </a:r>
+            <a:r>
+              <a:rPr lang="zh-TW" altLang="en-US" dirty="0"/>
+              <a:t>結局</a:t>
+            </a:r>
+          </a:p>
+        </p:txBody>
+      </p:sp>
+      <p:pic>
+        <p:nvPicPr>
+          <p:cNvPr id="5124" name="Picture 4" descr="日式動漫風格的男性角色，深藍色頭髮，黃色眼睛，頭髮遮住耳朵，頭上有貓耳，穿著深藍色毛衣，正在網路上與其他人開心互動">
+            <a:extLst>
+              <a:ext uri="{FF2B5EF4-FFF2-40B4-BE49-F238E27FC236}">
+                <a16:creationId xmlns:a16="http://schemas.microsoft.com/office/drawing/2014/main" id="{1D6B21F0-B9FE-45AF-8DD2-BA020D3BDA24}"/>
+              </a:ext>
+            </a:extLst>
+          </p:cNvPr>
+          <p:cNvPicPr>
+            <a:picLocks noChangeAspect="1" noChangeArrowheads="1"/>
+          </p:cNvPicPr>
+          <p:nvPr/>
+        </p:nvPicPr>
+        <p:blipFill>
+          <a:blip r:embed="rId3">
+            <a:extLst>
+              <a:ext uri="{28A0092B-C50C-407E-A947-70E740481C1C}">
+                <a14:useLocalDpi xmlns:a14="http://schemas.microsoft.com/office/drawing/2010/main" val="0"/>
+              </a:ext>
+            </a:extLst>
+          </a:blip>
+          <a:srcRect/>
+          <a:stretch>
+            <a:fillRect/>
+          </a:stretch>
+        </p:blipFill>
+        <p:spPr bwMode="auto">
+          <a:xfrm>
+            <a:off x="1371600" y="1428750"/>
+            <a:ext cx="4971600" cy="4971600"/>
+          </a:xfrm>
+          <a:prstGeom prst="rect">
+            <a:avLst/>
+          </a:prstGeom>
+          <a:noFill/>
+          <a:extLst>
+            <a:ext uri="{909E8E84-426E-40DD-AFC4-6F175D3DCCD1}">
+              <a14:hiddenFill xmlns:a14="http://schemas.microsoft.com/office/drawing/2010/main">
+                <a:solidFill>
+                  <a:srgbClr val="FFFFFF"/>
+                </a:solidFill>
+              </a14:hiddenFill>
+            </a:ext>
+          </a:extLst>
+        </p:spPr>
+      </p:pic>
+    </p:spTree>
+    <p:extLst>
+      <p:ext uri="{BB962C8B-B14F-4D97-AF65-F5344CB8AC3E}">
+        <p14:creationId xmlns:p14="http://schemas.microsoft.com/office/powerpoint/2010/main" val="265299485"/>
       </p:ext>
     </p:extLst>
   </p:cSld>
@@ -3385,6 +5981,264 @@
 </file>
 
 <file path=ppt/theme/theme1.xml><?xml version="1.0" encoding="utf-8"?>
+<a:theme xmlns:a="http://schemas.openxmlformats.org/drawingml/2006/main" name="裁剪">
+  <a:themeElements>
+    <a:clrScheme name="裁剪">
+      <a:dk1>
+        <a:sysClr val="windowText" lastClr="000000"/>
+      </a:dk1>
+      <a:lt1>
+        <a:sysClr val="window" lastClr="FFFFFF"/>
+      </a:lt1>
+      <a:dk2>
+        <a:srgbClr val="191B0E"/>
+      </a:dk2>
+      <a:lt2>
+        <a:srgbClr val="EFEDE3"/>
+      </a:lt2>
+      <a:accent1>
+        <a:srgbClr val="8C8D86"/>
+      </a:accent1>
+      <a:accent2>
+        <a:srgbClr val="E6C069"/>
+      </a:accent2>
+      <a:accent3>
+        <a:srgbClr val="897B61"/>
+      </a:accent3>
+      <a:accent4>
+        <a:srgbClr val="8DAB8E"/>
+      </a:accent4>
+      <a:accent5>
+        <a:srgbClr val="77A2BB"/>
+      </a:accent5>
+      <a:accent6>
+        <a:srgbClr val="E28394"/>
+      </a:accent6>
+      <a:hlink>
+        <a:srgbClr val="77A2BB"/>
+      </a:hlink>
+      <a:folHlink>
+        <a:srgbClr val="957A99"/>
+      </a:folHlink>
+    </a:clrScheme>
+    <a:fontScheme name="裁剪">
+      <a:majorFont>
+        <a:latin typeface="Franklin Gothic Book" panose="020B0503020102020204"/>
+        <a:ea typeface=""/>
+        <a:cs typeface=""/>
+        <a:font script="Jpan" typeface="メイリオ"/>
+        <a:font script="Hang" typeface="돋움"/>
+        <a:font script="Hans" typeface="华文楷体"/>
+        <a:font script="Hant" typeface="微軟正黑體"/>
+        <a:font script="Arab" typeface="Tahoma"/>
+        <a:font script="Hebr" typeface="Aharoni"/>
+        <a:font script="Thai" typeface="LilyUPC"/>
+        <a:font script="Ethi" typeface="Nyala"/>
+        <a:font script="Beng" typeface="Vrinda"/>
+        <a:font script="Gujr" typeface="Shruti"/>
+        <a:font script="Khmr" typeface="DaunPenh"/>
+        <a:font script="Knda" typeface="Tunga"/>
+        <a:font script="Guru" typeface="Raavi"/>
+        <a:font script="Cans" typeface="Euphemia"/>
+        <a:font script="Cher" typeface="Plantagenet Cherokee"/>
+        <a:font script="Yiii" typeface="Microsoft Yi Baiti"/>
+        <a:font script="Tibt" typeface="Microsoft Himalaya"/>
+        <a:font script="Thaa" typeface="MV Boli"/>
+        <a:font script="Deva" typeface="Mangal"/>
+        <a:font script="Telu" typeface="Gautami"/>
+        <a:font script="Taml" typeface="Latha"/>
+        <a:font script="Syrc" typeface="Estrangelo Edessa"/>
+        <a:font script="Orya" typeface="Kalinga"/>
+        <a:font script="Mlym" typeface="Kartika"/>
+        <a:font script="Laoo" typeface="DokChampa"/>
+        <a:font script="Sinh" typeface="Iskoola Pota"/>
+        <a:font script="Mong" typeface="Mongolian Baiti"/>
+        <a:font script="Viet" typeface="Tahoma"/>
+        <a:font script="Uigh" typeface="Microsoft Uighur"/>
+        <a:font script="Geor" typeface="Sylfaen"/>
+      </a:majorFont>
+      <a:minorFont>
+        <a:latin typeface="Franklin Gothic Book" panose="020B0503020102020204"/>
+        <a:ea typeface=""/>
+        <a:cs typeface=""/>
+        <a:font script="Jpan" typeface="メイリオ"/>
+        <a:font script="Hang" typeface="돋움"/>
+        <a:font script="Hans" typeface="华文楷体"/>
+        <a:font script="Hant" typeface="微軟正黑體"/>
+        <a:font script="Arab" typeface="Tahoma"/>
+        <a:font script="Hebr" typeface="Aharoni"/>
+        <a:font script="Thai" typeface="LilyUPC"/>
+        <a:font script="Ethi" typeface="Nyala"/>
+        <a:font script="Beng" typeface="Vrinda"/>
+        <a:font script="Gujr" typeface="Shruti"/>
+        <a:font script="Khmr" typeface="DaunPenh"/>
+        <a:font script="Knda" typeface="Tunga"/>
+        <a:font script="Guru" typeface="Raavi"/>
+        <a:font script="Cans" typeface="Euphemia"/>
+        <a:font script="Cher" typeface="Plantagenet Cherokee"/>
+        <a:font script="Yiii" typeface="Microsoft Yi Baiti"/>
+        <a:font script="Tibt" typeface="Microsoft Himalaya"/>
+        <a:font script="Thaa" typeface="MV Boli"/>
+        <a:font script="Deva" typeface="Mangal"/>
+        <a:font script="Telu" typeface="Gautami"/>
+        <a:font script="Taml" typeface="Latha"/>
+        <a:font script="Syrc" typeface="Estrangelo Edessa"/>
+        <a:font script="Orya" typeface="Kalinga"/>
+        <a:font script="Mlym" typeface="Kartika"/>
+        <a:font script="Laoo" typeface="DokChampa"/>
+        <a:font script="Sinh" typeface="Iskoola Pota"/>
+        <a:font script="Mong" typeface="Mongolian Baiti"/>
+        <a:font script="Viet" typeface="Tahoma"/>
+        <a:font script="Uigh" typeface="Microsoft Uighur"/>
+        <a:font script="Geor" typeface="Sylfaen"/>
+      </a:minorFont>
+    </a:fontScheme>
+    <a:fmtScheme name="裁剪">
+      <a:fillStyleLst>
+        <a:solidFill>
+          <a:schemeClr val="phClr"/>
+        </a:solidFill>
+        <a:gradFill rotWithShape="1">
+          <a:gsLst>
+            <a:gs pos="0">
+              <a:schemeClr val="phClr">
+                <a:tint val="67000"/>
+                <a:satMod val="105000"/>
+                <a:lumMod val="110000"/>
+              </a:schemeClr>
+            </a:gs>
+            <a:gs pos="50000">
+              <a:schemeClr val="phClr">
+                <a:tint val="73000"/>
+                <a:satMod val="103000"/>
+                <a:lumMod val="105000"/>
+              </a:schemeClr>
+            </a:gs>
+            <a:gs pos="100000">
+              <a:schemeClr val="phClr">
+                <a:tint val="81000"/>
+                <a:satMod val="109000"/>
+                <a:lumMod val="105000"/>
+              </a:schemeClr>
+            </a:gs>
+          </a:gsLst>
+          <a:lin ang="5400000" scaled="0"/>
+        </a:gradFill>
+        <a:gradFill rotWithShape="1">
+          <a:gsLst>
+            <a:gs pos="0">
+              <a:schemeClr val="phClr">
+                <a:tint val="94000"/>
+                <a:satMod val="103000"/>
+                <a:lumMod val="102000"/>
+              </a:schemeClr>
+            </a:gs>
+            <a:gs pos="50000">
+              <a:schemeClr val="phClr">
+                <a:shade val="100000"/>
+                <a:satMod val="110000"/>
+                <a:lumMod val="100000"/>
+              </a:schemeClr>
+            </a:gs>
+            <a:gs pos="100000">
+              <a:schemeClr val="phClr">
+                <a:shade val="78000"/>
+                <a:satMod val="120000"/>
+                <a:lumMod val="99000"/>
+              </a:schemeClr>
+            </a:gs>
+          </a:gsLst>
+          <a:lin ang="5400000" scaled="0"/>
+        </a:gradFill>
+      </a:fillStyleLst>
+      <a:lnStyleLst>
+        <a:ln w="6350" cap="flat" cmpd="sng" algn="in">
+          <a:solidFill>
+            <a:schemeClr val="phClr"/>
+          </a:solidFill>
+          <a:prstDash val="solid"/>
+        </a:ln>
+        <a:ln w="34925" cap="flat" cmpd="sng" algn="in">
+          <a:solidFill>
+            <a:schemeClr val="phClr"/>
+          </a:solidFill>
+          <a:prstDash val="solid"/>
+        </a:ln>
+        <a:ln w="19050" cap="flat" cmpd="sng" algn="in">
+          <a:solidFill>
+            <a:schemeClr val="phClr"/>
+          </a:solidFill>
+          <a:prstDash val="solid"/>
+        </a:ln>
+      </a:lnStyleLst>
+      <a:effectStyleLst>
+        <a:effectStyle>
+          <a:effectLst/>
+        </a:effectStyle>
+        <a:effectStyle>
+          <a:effectLst/>
+        </a:effectStyle>
+        <a:effectStyle>
+          <a:effectLst>
+            <a:outerShdw blurRad="57150" dist="19050" dir="5400000" algn="ctr" rotWithShape="0">
+              <a:srgbClr val="000000">
+                <a:alpha val="35000"/>
+              </a:srgbClr>
+            </a:outerShdw>
+          </a:effectLst>
+        </a:effectStyle>
+      </a:effectStyleLst>
+      <a:bgFillStyleLst>
+        <a:solidFill>
+          <a:schemeClr val="phClr"/>
+        </a:solidFill>
+        <a:solidFill>
+          <a:schemeClr val="phClr">
+            <a:tint val="95000"/>
+            <a:satMod val="170000"/>
+          </a:schemeClr>
+        </a:solidFill>
+        <a:gradFill rotWithShape="1">
+          <a:gsLst>
+            <a:gs pos="0">
+              <a:schemeClr val="phClr">
+                <a:tint val="93000"/>
+                <a:shade val="98000"/>
+                <a:satMod val="150000"/>
+                <a:lumMod val="102000"/>
+              </a:schemeClr>
+            </a:gs>
+            <a:gs pos="50000">
+              <a:schemeClr val="phClr">
+                <a:tint val="98000"/>
+                <a:shade val="90000"/>
+                <a:satMod val="130000"/>
+                <a:lumMod val="103000"/>
+              </a:schemeClr>
+            </a:gs>
+            <a:gs pos="100000">
+              <a:schemeClr val="phClr">
+                <a:shade val="63000"/>
+                <a:satMod val="120000"/>
+              </a:schemeClr>
+            </a:gs>
+          </a:gsLst>
+          <a:lin ang="5400000" scaled="0"/>
+        </a:gradFill>
+      </a:bgFillStyleLst>
+    </a:fmtScheme>
+  </a:themeElements>
+  <a:objectDefaults/>
+  <a:extraClrSchemeLst/>
+  <a:extLst>
+    <a:ext uri="{05A4C25C-085E-4340-85A3-A5531E510DB2}">
+      <thm15:themeFamily xmlns:thm15="http://schemas.microsoft.com/office/thememl/2012/main" name="Crop" id="{EC9488ED-E761-4D60-9AC4-764D1FE2C171}" vid="{CE19780C-D67D-4C13-9DE9-A52BC3BA51B4}"/>
+    </a:ext>
+  </a:extLst>
+</a:theme>
+</file>
+
+<file path=ppt/theme/theme2.xml><?xml version="1.0" encoding="utf-8"?>
 <a:theme xmlns:a="http://schemas.openxmlformats.org/drawingml/2006/main" name="Office 佈景主題">
   <a:themeElements>
     <a:clrScheme name="Office">
